--- a/docs/Презентация.pptx
+++ b/docs/Презентация.pptx
@@ -10,13 +10,19 @@
     <p:sldId id="258" r:id="rId4"/>
     <p:sldId id="259" r:id="rId5"/>
     <p:sldId id="260" r:id="rId6"/>
-    <p:sldId id="261" r:id="rId7"/>
-    <p:sldId id="262" r:id="rId8"/>
-    <p:sldId id="263" r:id="rId9"/>
-    <p:sldId id="264" r:id="rId10"/>
-    <p:sldId id="265" r:id="rId11"/>
-    <p:sldId id="266" r:id="rId12"/>
-    <p:sldId id="267" r:id="rId13"/>
+    <p:sldId id="269" r:id="rId7"/>
+    <p:sldId id="268" r:id="rId8"/>
+    <p:sldId id="261" r:id="rId9"/>
+    <p:sldId id="262" r:id="rId10"/>
+    <p:sldId id="270" r:id="rId11"/>
+    <p:sldId id="263" r:id="rId12"/>
+    <p:sldId id="271" r:id="rId13"/>
+    <p:sldId id="272" r:id="rId14"/>
+    <p:sldId id="273" r:id="rId15"/>
+    <p:sldId id="264" r:id="rId16"/>
+    <p:sldId id="265" r:id="rId17"/>
+    <p:sldId id="266" r:id="rId18"/>
+    <p:sldId id="267" r:id="rId19"/>
   </p:sldIdLst>
   <p:sldSz cx="12192000" cy="6858000"/>
   <p:notesSz cx="6858000" cy="9144000"/>
@@ -115,6 +121,11 @@
       </a:defRPr>
     </a:lvl9pPr>
   </p:defaultTextStyle>
+  <p:extLst>
+    <p:ext uri="{EFAFB233-063F-42B5-8137-9DF3F51BA10A}">
+      <p15:sldGuideLst xmlns:p15="http://schemas.microsoft.com/office/powerpoint/2012/main"/>
+    </p:ext>
+  </p:extLst>
 </p:presentation>
 </file>
 
@@ -1390,12 +1401,12 @@
     <dgm:cxn modelId="{3F75E432-CA9D-BC4F-B0B5-2BC9858D3915}" type="presOf" srcId="{72C8C395-D05E-49B9-BAC7-3DC40BA16FE2}" destId="{1619A40C-DE37-224E-95A1-B49F0A8B256B}" srcOrd="0" destOrd="0" presId="urn:microsoft.com/office/officeart/2016/7/layout/LinearBlockProcessNumbered"/>
     <dgm:cxn modelId="{35EA333D-FE10-AB41-8357-D5FA00F40812}" type="presOf" srcId="{D5C4C23F-C0DF-48DF-BDC6-AEAA0940E909}" destId="{22CA9721-3E87-F14E-9732-F948975033DF}" srcOrd="0" destOrd="0" presId="urn:microsoft.com/office/officeart/2016/7/layout/LinearBlockProcessNumbered"/>
     <dgm:cxn modelId="{AD393A47-8E82-4AAA-B0A2-9CACF82C26A1}" srcId="{96440F3E-9260-480D-A5F6-95B4EE9F2CAA}" destId="{7AEC206D-AE83-4378-B3D5-6CD8E7DCD1EB}" srcOrd="0" destOrd="0" parTransId="{2B5511EE-2603-40FD-88CC-462CFF694D1A}" sibTransId="{4D7ED9C0-0D63-480B-8E91-CB78F7545A66}"/>
+    <dgm:cxn modelId="{91E54868-2960-C043-9F29-C516E379CBC3}" type="presOf" srcId="{FA3425C7-AA11-4748-BF5D-8BEC544C876A}" destId="{90D5DB72-03D5-2140-A6AE-BB3076095117}" srcOrd="1" destOrd="0" presId="urn:microsoft.com/office/officeart/2016/7/layout/LinearBlockProcessNumbered"/>
+    <dgm:cxn modelId="{AB09F169-0A46-AC47-8902-60A21869D352}" type="presOf" srcId="{449112AD-7302-4C4D-886D-9D1F5D941416}" destId="{E7906C49-C703-964D-859E-F48E1A2EF35F}" srcOrd="1" destOrd="0" presId="urn:microsoft.com/office/officeart/2016/7/layout/LinearBlockProcessNumbered"/>
+    <dgm:cxn modelId="{0F29AC6B-D6AF-5A4B-8D8F-F5DBE06B5721}" type="presOf" srcId="{B975070F-3338-479D-8265-1C3574DCBE56}" destId="{06769D1F-3489-AA4A-BE9F-549307A60228}" srcOrd="1" destOrd="0" presId="urn:microsoft.com/office/officeart/2016/7/layout/LinearBlockProcessNumbered"/>
     <dgm:cxn modelId="{F40AB54D-09BE-C347-AADC-4343A9F17A19}" type="presOf" srcId="{7AEC206D-AE83-4378-B3D5-6CD8E7DCD1EB}" destId="{7C2174D1-CA2C-4A4B-AFB3-E4557DA9360D}" srcOrd="1" destOrd="0" presId="urn:microsoft.com/office/officeart/2016/7/layout/LinearBlockProcessNumbered"/>
     <dgm:cxn modelId="{F11C784F-FB8B-5545-81FE-F79D4B072666}" type="presOf" srcId="{72C8C395-D05E-49B9-BAC7-3DC40BA16FE2}" destId="{3A942FAD-F973-CC44-9D0E-C622792892FF}" srcOrd="1" destOrd="0" presId="urn:microsoft.com/office/officeart/2016/7/layout/LinearBlockProcessNumbered"/>
     <dgm:cxn modelId="{DE0AA354-86ED-C943-AD21-C68590A7019D}" type="presOf" srcId="{BE3354A4-DF77-44F8-A59C-CD85C8982F06}" destId="{FC60E821-858D-6741-AF7A-7FA939AB8782}" srcOrd="0" destOrd="0" presId="urn:microsoft.com/office/officeart/2016/7/layout/LinearBlockProcessNumbered"/>
-    <dgm:cxn modelId="{91E54868-2960-C043-9F29-C516E379CBC3}" type="presOf" srcId="{FA3425C7-AA11-4748-BF5D-8BEC544C876A}" destId="{90D5DB72-03D5-2140-A6AE-BB3076095117}" srcOrd="1" destOrd="0" presId="urn:microsoft.com/office/officeart/2016/7/layout/LinearBlockProcessNumbered"/>
-    <dgm:cxn modelId="{AB09F169-0A46-AC47-8902-60A21869D352}" type="presOf" srcId="{449112AD-7302-4C4D-886D-9D1F5D941416}" destId="{E7906C49-C703-964D-859E-F48E1A2EF35F}" srcOrd="1" destOrd="0" presId="urn:microsoft.com/office/officeart/2016/7/layout/LinearBlockProcessNumbered"/>
-    <dgm:cxn modelId="{0F29AC6B-D6AF-5A4B-8D8F-F5DBE06B5721}" type="presOf" srcId="{B975070F-3338-479D-8265-1C3574DCBE56}" destId="{06769D1F-3489-AA4A-BE9F-549307A60228}" srcOrd="1" destOrd="0" presId="urn:microsoft.com/office/officeart/2016/7/layout/LinearBlockProcessNumbered"/>
     <dgm:cxn modelId="{EA20B47B-B2B7-F24B-A7C3-0E6BBF206E2B}" type="presOf" srcId="{41513317-40EA-4D39-AD3C-C57929DA9EB1}" destId="{68ADBFFD-55A2-3E44-B76A-C7FE33DB8005}" srcOrd="0" destOrd="0" presId="urn:microsoft.com/office/officeart/2016/7/layout/LinearBlockProcessNumbered"/>
     <dgm:cxn modelId="{F485F096-E596-FA4A-8565-6AECBC2A5657}" type="presOf" srcId="{1C31A4CA-A698-4B61-8211-2582DF69523E}" destId="{5165CA7E-3F58-BA4A-9722-F0C228D50156}" srcOrd="0" destOrd="0" presId="urn:microsoft.com/office/officeart/2016/7/layout/LinearBlockProcessNumbered"/>
     <dgm:cxn modelId="{91C48CA1-2AD0-7948-9BED-572CECBE6DDD}" type="presOf" srcId="{B975070F-3338-479D-8265-1C3574DCBE56}" destId="{E729BA33-2E1F-5C4E-9870-04686011B93A}" srcOrd="0" destOrd="0" presId="urn:microsoft.com/office/officeart/2016/7/layout/LinearBlockProcessNumbered"/>
@@ -3995,7 +4006,7 @@
           <a:p>
             <a:fld id="{53BEF823-48A5-43FC-BE03-E79964288B41}" type="datetimeFigureOut">
               <a:rPr lang="en-US" smtClean="0"/>
-              <a:t>10/31/25</a:t>
+              <a:t>10/31/2025</a:t>
             </a:fld>
             <a:endParaRPr lang="en-US" dirty="0"/>
           </a:p>
@@ -4206,7 +4217,7 @@
             <a:fld id="{53BEF823-48A5-43FC-BE03-E79964288B41}" type="datetimeFigureOut">
               <a:rPr lang="en-US" smtClean="0"/>
               <a:pPr algn="r"/>
-              <a:t>10/31/25</a:t>
+              <a:t>10/31/2025</a:t>
             </a:fld>
             <a:endParaRPr lang="en-US" dirty="0"/>
           </a:p>
@@ -4421,7 +4432,7 @@
             <a:fld id="{53BEF823-48A5-43FC-BE03-E79964288B41}" type="datetimeFigureOut">
               <a:rPr lang="en-US" smtClean="0"/>
               <a:pPr algn="r"/>
-              <a:t>10/31/25</a:t>
+              <a:t>10/31/2025</a:t>
             </a:fld>
             <a:endParaRPr lang="en-US" dirty="0"/>
           </a:p>
@@ -4624,7 +4635,7 @@
             <a:fld id="{53BEF823-48A5-43FC-BE03-E79964288B41}" type="datetimeFigureOut">
               <a:rPr lang="en-US" smtClean="0"/>
               <a:pPr algn="r"/>
-              <a:t>10/31/25</a:t>
+              <a:t>10/31/2025</a:t>
             </a:fld>
             <a:endParaRPr lang="en-US" dirty="0"/>
           </a:p>
@@ -4908,7 +4919,7 @@
             <a:fld id="{53BEF823-48A5-43FC-BE03-E79964288B41}" type="datetimeFigureOut">
               <a:rPr lang="en-US" smtClean="0"/>
               <a:pPr algn="r"/>
-              <a:t>10/31/25</a:t>
+              <a:t>10/31/2025</a:t>
             </a:fld>
             <a:endParaRPr lang="en-US" dirty="0"/>
           </a:p>
@@ -5152,7 +5163,7 @@
             <a:fld id="{53BEF823-48A5-43FC-BE03-E79964288B41}" type="datetimeFigureOut">
               <a:rPr lang="en-US" smtClean="0"/>
               <a:pPr algn="r"/>
-              <a:t>10/31/25</a:t>
+              <a:t>10/31/2025</a:t>
             </a:fld>
             <a:endParaRPr lang="en-US" dirty="0"/>
           </a:p>
@@ -5595,7 +5606,7 @@
             <a:fld id="{53BEF823-48A5-43FC-BE03-E79964288B41}" type="datetimeFigureOut">
               <a:rPr lang="en-US" smtClean="0"/>
               <a:pPr algn="r"/>
-              <a:t>10/31/25</a:t>
+              <a:t>10/31/2025</a:t>
             </a:fld>
             <a:endParaRPr lang="en-US" dirty="0"/>
           </a:p>
@@ -5741,7 +5752,7 @@
             <a:fld id="{53BEF823-48A5-43FC-BE03-E79964288B41}" type="datetimeFigureOut">
               <a:rPr lang="en-US" smtClean="0"/>
               <a:pPr algn="r"/>
-              <a:t>10/31/25</a:t>
+              <a:t>10/31/2025</a:t>
             </a:fld>
             <a:endParaRPr lang="en-US" dirty="0"/>
           </a:p>
@@ -5859,7 +5870,7 @@
             <a:fld id="{53BEF823-48A5-43FC-BE03-E79964288B41}" type="datetimeFigureOut">
               <a:rPr lang="en-US" smtClean="0"/>
               <a:pPr algn="r"/>
-              <a:t>10/31/25</a:t>
+              <a:t>10/31/2025</a:t>
             </a:fld>
             <a:endParaRPr lang="en-US" dirty="0"/>
           </a:p>
@@ -6143,7 +6154,7 @@
             <a:fld id="{53BEF823-48A5-43FC-BE03-E79964288B41}" type="datetimeFigureOut">
               <a:rPr lang="en-US" smtClean="0"/>
               <a:pPr algn="r"/>
-              <a:t>10/31/25</a:t>
+              <a:t>10/31/2025</a:t>
             </a:fld>
             <a:endParaRPr lang="en-US" dirty="0"/>
           </a:p>
@@ -6438,7 +6449,7 @@
             <a:fld id="{53BEF823-48A5-43FC-BE03-E79964288B41}" type="datetimeFigureOut">
               <a:rPr lang="en-US" smtClean="0"/>
               <a:pPr algn="r"/>
-              <a:t>10/31/25</a:t>
+              <a:t>10/31/2025</a:t>
             </a:fld>
             <a:endParaRPr lang="en-US" dirty="0"/>
           </a:p>
@@ -6933,7 +6944,7 @@
             <a:fld id="{53BEF823-48A5-43FC-BE03-E79964288B41}" type="datetimeFigureOut">
               <a:rPr lang="en-US" smtClean="0"/>
               <a:pPr algn="r"/>
-              <a:t>10/31/25</a:t>
+              <a:t>10/31/2025</a:t>
             </a:fld>
             <a:endParaRPr lang="en-US" dirty="0"/>
           </a:p>
@@ -7956,6 +7967,2669 @@
 <file path=ppt/slides/slide10.xml><?xml version="1.0" encoding="utf-8"?>
 <p:sld xmlns:a="http://schemas.openxmlformats.org/drawingml/2006/main" xmlns:r="http://schemas.openxmlformats.org/officeDocument/2006/relationships" xmlns:p="http://schemas.openxmlformats.org/presentationml/2006/main">
   <p:cSld>
+    <p:spTree>
+      <p:nvGrpSpPr>
+        <p:cNvPr id="1" name=""/>
+        <p:cNvGrpSpPr/>
+        <p:nvPr/>
+      </p:nvGrpSpPr>
+      <p:grpSpPr>
+        <a:xfrm>
+          <a:off x="0" y="0"/>
+          <a:ext cx="0" cy="0"/>
+          <a:chOff x="0" y="0"/>
+          <a:chExt cx="0" cy="0"/>
+        </a:xfrm>
+      </p:grpSpPr>
+      <p:sp>
+        <p:nvSpPr>
+          <p:cNvPr id="2" name="Заголовок 1">
+            <a:extLst>
+              <a:ext uri="{FF2B5EF4-FFF2-40B4-BE49-F238E27FC236}">
+                <a16:creationId xmlns:a16="http://schemas.microsoft.com/office/drawing/2014/main" id="{86A64030-BE35-781D-6E27-82B7EE321F14}"/>
+              </a:ext>
+            </a:extLst>
+          </p:cNvPr>
+          <p:cNvSpPr>
+            <a:spLocks noGrp="1"/>
+          </p:cNvSpPr>
+          <p:nvPr>
+            <p:ph type="title"/>
+          </p:nvPr>
+        </p:nvSpPr>
+        <p:spPr/>
+        <p:txBody>
+          <a:bodyPr/>
+          <a:lstStyle/>
+          <a:p>
+            <a:endParaRPr lang="ru-RU"/>
+          </a:p>
+        </p:txBody>
+      </p:sp>
+      <p:sp>
+        <p:nvSpPr>
+          <p:cNvPr id="3" name="Объект 2">
+            <a:extLst>
+              <a:ext uri="{FF2B5EF4-FFF2-40B4-BE49-F238E27FC236}">
+                <a16:creationId xmlns:a16="http://schemas.microsoft.com/office/drawing/2014/main" id="{920E37AF-0EA6-B16E-3B65-56BD284D3F3D}"/>
+              </a:ext>
+            </a:extLst>
+          </p:cNvPr>
+          <p:cNvSpPr>
+            <a:spLocks noGrp="1"/>
+          </p:cNvSpPr>
+          <p:nvPr>
+            <p:ph idx="1"/>
+          </p:nvPr>
+        </p:nvSpPr>
+        <p:spPr/>
+        <p:txBody>
+          <a:bodyPr/>
+          <a:lstStyle/>
+          <a:p>
+            <a:endParaRPr lang="ru-RU"/>
+          </a:p>
+        </p:txBody>
+      </p:sp>
+      <p:pic>
+        <p:nvPicPr>
+          <p:cNvPr id="4" name="Рисунок 3">
+            <a:extLst>
+              <a:ext uri="{FF2B5EF4-FFF2-40B4-BE49-F238E27FC236}">
+                <a16:creationId xmlns:a16="http://schemas.microsoft.com/office/drawing/2014/main" id="{F67E58F4-07F4-76DD-D857-71B275E445EF}"/>
+              </a:ext>
+            </a:extLst>
+          </p:cNvPr>
+          <p:cNvPicPr>
+            <a:picLocks noChangeAspect="1"/>
+          </p:cNvPicPr>
+          <p:nvPr/>
+        </p:nvPicPr>
+        <p:blipFill>
+          <a:blip r:embed="rId2">
+            <a:extLst>
+              <a:ext uri="{96DAC541-7B7A-43D3-8B79-37D633B846F1}">
+                <asvg:svgBlip xmlns:asvg="http://schemas.microsoft.com/office/drawing/2016/SVG/main" r:embed="rId3"/>
+              </a:ext>
+            </a:extLst>
+          </a:blip>
+          <a:stretch>
+            <a:fillRect/>
+          </a:stretch>
+        </p:blipFill>
+        <p:spPr>
+          <a:xfrm>
+            <a:off x="539260" y="1374013"/>
+            <a:ext cx="11113480" cy="4109974"/>
+          </a:xfrm>
+          <a:prstGeom prst="rect">
+            <a:avLst/>
+          </a:prstGeom>
+        </p:spPr>
+      </p:pic>
+    </p:spTree>
+    <p:extLst>
+      <p:ext uri="{BB962C8B-B14F-4D97-AF65-F5344CB8AC3E}">
+        <p14:creationId xmlns:p14="http://schemas.microsoft.com/office/powerpoint/2010/main" val="2249734959"/>
+      </p:ext>
+    </p:extLst>
+  </p:cSld>
+  <p:clrMapOvr>
+    <a:masterClrMapping/>
+  </p:clrMapOvr>
+</p:sld>
+</file>
+
+<file path=ppt/slides/slide11.xml><?xml version="1.0" encoding="utf-8"?>
+<p:sld xmlns:a="http://schemas.openxmlformats.org/drawingml/2006/main" xmlns:r="http://schemas.openxmlformats.org/officeDocument/2006/relationships" xmlns:p="http://schemas.openxmlformats.org/presentationml/2006/main">
+  <p:cSld>
+    <p:bg>
+      <p:bgPr>
+        <a:solidFill>
+          <a:schemeClr val="bg2"/>
+        </a:solidFill>
+        <a:effectLst/>
+      </p:bgPr>
+    </p:bg>
+    <p:spTree>
+      <p:nvGrpSpPr>
+        <p:cNvPr id="1" name=""/>
+        <p:cNvGrpSpPr/>
+        <p:nvPr/>
+      </p:nvGrpSpPr>
+      <p:grpSpPr>
+        <a:xfrm>
+          <a:off x="0" y="0"/>
+          <a:ext cx="0" cy="0"/>
+          <a:chOff x="0" y="0"/>
+          <a:chExt cx="0" cy="0"/>
+        </a:xfrm>
+      </p:grpSpPr>
+      <p:sp useBgFill="1">
+        <p:nvSpPr>
+          <p:cNvPr id="11" name="Rectangle 10">
+            <a:extLst>
+              <a:ext uri="{FF2B5EF4-FFF2-40B4-BE49-F238E27FC236}">
+                <a16:creationId xmlns:a16="http://schemas.microsoft.com/office/drawing/2014/main" id="{C5176844-69C3-4F79-BE38-EA5BDDF4FEA4}"/>
+              </a:ext>
+              <a:ext uri="{C183D7F6-B498-43B3-948B-1728B52AA6E4}">
+                <adec:decorative xmlns:adec="http://schemas.microsoft.com/office/drawing/2017/decorative" val="1"/>
+              </a:ext>
+            </a:extLst>
+          </p:cNvPr>
+          <p:cNvSpPr>
+            <a:spLocks noGrp="1" noRot="1" noChangeAspect="1" noMove="1" noResize="1" noEditPoints="1" noAdjustHandles="1" noChangeArrowheads="1" noChangeShapeType="1" noTextEdit="1"/>
+          </p:cNvSpPr>
+          <p:nvPr>
+            <p:extLst>
+              <p:ext uri="{386F3935-93C4-4BCD-93E2-E3B085C9AB24}">
+                <p16:designElem xmlns:p16="http://schemas.microsoft.com/office/powerpoint/2015/main" val="1"/>
+              </p:ext>
+            </p:extLst>
+          </p:nvPr>
+        </p:nvSpPr>
+        <p:spPr>
+          <a:xfrm>
+            <a:off x="0" y="0"/>
+            <a:ext cx="12192000" cy="6858000"/>
+          </a:xfrm>
+          <a:prstGeom prst="rect">
+            <a:avLst/>
+          </a:prstGeom>
+          <a:ln>
+            <a:noFill/>
+          </a:ln>
+        </p:spPr>
+        <p:style>
+          <a:lnRef idx="2">
+            <a:schemeClr val="accent1">
+              <a:shade val="50000"/>
+            </a:schemeClr>
+          </a:lnRef>
+          <a:fillRef idx="1">
+            <a:schemeClr val="accent1"/>
+          </a:fillRef>
+          <a:effectRef idx="0">
+            <a:schemeClr val="accent1"/>
+          </a:effectRef>
+          <a:fontRef idx="minor">
+            <a:schemeClr val="lt1"/>
+          </a:fontRef>
+        </p:style>
+        <p:txBody>
+          <a:bodyPr rtlCol="0" anchor="ctr"/>
+          <a:lstStyle/>
+          <a:p>
+            <a:pPr algn="ctr"/>
+            <a:endParaRPr lang="en-US"/>
+          </a:p>
+        </p:txBody>
+      </p:sp>
+      <p:sp>
+        <p:nvSpPr>
+          <p:cNvPr id="13" name="Rectangle 12">
+            <a:extLst>
+              <a:ext uri="{FF2B5EF4-FFF2-40B4-BE49-F238E27FC236}">
+                <a16:creationId xmlns:a16="http://schemas.microsoft.com/office/drawing/2014/main" id="{41113FF5-9B84-4A89-BF52-EA3C7E01AA3B}"/>
+              </a:ext>
+              <a:ext uri="{C183D7F6-B498-43B3-948B-1728B52AA6E4}">
+                <adec:decorative xmlns:adec="http://schemas.microsoft.com/office/drawing/2017/decorative" val="1"/>
+              </a:ext>
+            </a:extLst>
+          </p:cNvPr>
+          <p:cNvSpPr>
+            <a:spLocks noGrp="1" noRot="1" noChangeAspect="1" noMove="1" noResize="1" noEditPoints="1" noAdjustHandles="1" noChangeArrowheads="1" noChangeShapeType="1" noTextEdit="1"/>
+          </p:cNvSpPr>
+          <p:nvPr>
+            <p:extLst>
+              <p:ext uri="{386F3935-93C4-4BCD-93E2-E3B085C9AB24}">
+                <p16:designElem xmlns:p16="http://schemas.microsoft.com/office/powerpoint/2015/main" val="1"/>
+              </p:ext>
+            </p:extLst>
+          </p:nvPr>
+        </p:nvSpPr>
+        <p:spPr>
+          <a:xfrm>
+            <a:off x="0" y="1"/>
+            <a:ext cx="12191999" cy="1955968"/>
+          </a:xfrm>
+          <a:prstGeom prst="rect">
+            <a:avLst/>
+          </a:prstGeom>
+          <a:solidFill>
+            <a:schemeClr val="tx1">
+              <a:lumMod val="85000"/>
+              <a:lumOff val="15000"/>
+            </a:schemeClr>
+          </a:solidFill>
+          <a:ln>
+            <a:noFill/>
+          </a:ln>
+        </p:spPr>
+        <p:style>
+          <a:lnRef idx="2">
+            <a:schemeClr val="accent1">
+              <a:shade val="50000"/>
+            </a:schemeClr>
+          </a:lnRef>
+          <a:fillRef idx="1">
+            <a:schemeClr val="accent1"/>
+          </a:fillRef>
+          <a:effectRef idx="0">
+            <a:schemeClr val="accent1"/>
+          </a:effectRef>
+          <a:fontRef idx="minor">
+            <a:schemeClr val="lt1"/>
+          </a:fontRef>
+        </p:style>
+        <p:txBody>
+          <a:bodyPr rtlCol="0" anchor="ctr"/>
+          <a:lstStyle/>
+          <a:p>
+            <a:pPr algn="ctr"/>
+            <a:endParaRPr lang="en-US"/>
+          </a:p>
+        </p:txBody>
+      </p:sp>
+      <p:sp>
+        <p:nvSpPr>
+          <p:cNvPr id="2" name="Title 1">
+            <a:extLst>
+              <a:ext uri="{FF2B5EF4-FFF2-40B4-BE49-F238E27FC236}">
+                <a16:creationId xmlns:a16="http://schemas.microsoft.com/office/drawing/2014/main" id="{3707C1D9-D3D1-02D7-D1E3-384879AB005B}"/>
+              </a:ext>
+            </a:extLst>
+          </p:cNvPr>
+          <p:cNvSpPr>
+            <a:spLocks noGrp="1"/>
+          </p:cNvSpPr>
+          <p:nvPr>
+            <p:ph type="title"/>
+          </p:nvPr>
+        </p:nvSpPr>
+        <p:spPr>
+          <a:xfrm>
+            <a:off x="758952" y="420625"/>
+            <a:ext cx="10667998" cy="1326814"/>
+          </a:xfrm>
+        </p:spPr>
+        <p:txBody>
+          <a:bodyPr anchor="ctr">
+            <a:normAutofit/>
+          </a:bodyPr>
+          <a:lstStyle/>
+          <a:p>
+            <a:r>
+              <a:rPr lang="ru-RU" sz="4200" i="0">
+                <a:solidFill>
+                  <a:schemeClr val="bg1"/>
+                </a:solidFill>
+              </a:rPr>
+              <a:t>Пространственное распределение и частоты процессов</a:t>
+            </a:r>
+            <a:endParaRPr lang="en-US" sz="4200">
+              <a:solidFill>
+                <a:schemeClr val="bg1"/>
+              </a:solidFill>
+            </a:endParaRPr>
+          </a:p>
+        </p:txBody>
+      </p:sp>
+      <p:sp>
+        <p:nvSpPr>
+          <p:cNvPr id="4" name="Rectangle 1">
+            <a:extLst>
+              <a:ext uri="{FF2B5EF4-FFF2-40B4-BE49-F238E27FC236}">
+                <a16:creationId xmlns:a16="http://schemas.microsoft.com/office/drawing/2014/main" id="{7D6C182C-B89D-4853-3829-7BB8ECFEA886}"/>
+              </a:ext>
+            </a:extLst>
+          </p:cNvPr>
+          <p:cNvSpPr>
+            <a:spLocks noGrp="1" noChangeArrowheads="1"/>
+          </p:cNvSpPr>
+          <p:nvPr>
+            <p:ph idx="1"/>
+          </p:nvPr>
+        </p:nvSpPr>
+        <p:spPr bwMode="auto">
+          <a:xfrm>
+            <a:off x="758952" y="2413169"/>
+            <a:ext cx="6039340" cy="3368920"/>
+          </a:xfrm>
+          <a:prstGeom prst="rect">
+            <a:avLst/>
+          </a:prstGeom>
+          <a:extLst>
+            <a:ext uri="{909E8E84-426E-40DD-AFC4-6F175D3DCCD1}">
+              <a14:hiddenFill xmlns:a14="http://schemas.microsoft.com/office/drawing/2010/main">
+                <a:solidFill>
+                  <a:schemeClr val="accent1"/>
+                </a:solidFill>
+              </a14:hiddenFill>
+            </a:ext>
+            <a:ext uri="{91240B29-F687-4F45-9708-019B960494DF}">
+              <a14:hiddenLine xmlns:a14="http://schemas.microsoft.com/office/drawing/2010/main" w="9525">
+                <a:solidFill>
+                  <a:schemeClr val="tx1"/>
+                </a:solidFill>
+                <a:miter lim="800000"/>
+                <a:headEnd/>
+                <a:tailEnd/>
+              </a14:hiddenLine>
+            </a:ext>
+            <a:ext uri="{AF507438-7753-43E0-B8FC-AC1667EBCBE1}">
+              <a14:hiddenEffects xmlns:a14="http://schemas.microsoft.com/office/drawing/2010/main">
+                <a:effectLst>
+                  <a:outerShdw dist="35921" dir="2700000" algn="ctr" rotWithShape="0">
+                    <a:schemeClr val="bg2"/>
+                  </a:outerShdw>
+                </a:effectLst>
+              </a14:hiddenEffects>
+            </a:ext>
+          </a:extLst>
+        </p:spPr>
+        <p:txBody>
+          <a:bodyPr vert="horz" lIns="0" tIns="30153" rIns="0" bIns="0" numCol="1" anchor="ctr" anchorCtr="0" compatLnSpc="1">
+            <a:prstTxWarp prst="textNoShape">
+              <a:avLst/>
+            </a:prstTxWarp>
+            <a:normAutofit/>
+          </a:bodyPr>
+          <a:lstStyle/>
+          <a:p>
+            <a:pPr marL="0" marR="0" lvl="0" indent="0" defTabSz="914400" rtl="0" eaLnBrk="0" fontAlgn="base" latinLnBrk="0" hangingPunct="0">
+              <a:spcBef>
+                <a:spcPct val="0"/>
+              </a:spcBef>
+              <a:spcAft>
+                <a:spcPts val="600"/>
+              </a:spcAft>
+              <a:buClrTx/>
+              <a:buSzTx/>
+              <a:buFontTx/>
+              <a:buNone/>
+              <a:tabLst/>
+            </a:pPr>
+            <a:endParaRPr kumimoji="0" lang="en-US" altLang="en-US" b="0" i="0" u="none" strike="noStrike" cap="none" normalizeH="0" baseline="0" dirty="0">
+              <a:ln>
+                <a:noFill/>
+              </a:ln>
+              <a:effectLst/>
+              <a:latin typeface="Century Gothic" panose="020B0502020202020204" pitchFamily="34" charset="0"/>
+            </a:endParaRPr>
+          </a:p>
+          <a:p>
+            <a:pPr marL="0" marR="0" lvl="0" indent="0" defTabSz="914400" rtl="0" eaLnBrk="0" fontAlgn="base" latinLnBrk="0" hangingPunct="0">
+              <a:spcBef>
+                <a:spcPct val="0"/>
+              </a:spcBef>
+              <a:spcAft>
+                <a:spcPts val="600"/>
+              </a:spcAft>
+              <a:buClrTx/>
+              <a:buSzTx/>
+              <a:buFontTx/>
+              <a:buChar char="•"/>
+              <a:tabLst/>
+            </a:pPr>
+            <a:r>
+              <a:rPr kumimoji="0" lang="en-US" altLang="en-US" b="1" i="0" u="none" strike="noStrike" cap="none" normalizeH="0" baseline="0" dirty="0" err="1">
+                <a:ln>
+                  <a:noFill/>
+                </a:ln>
+                <a:effectLst/>
+                <a:latin typeface="Century Gothic" panose="020B0502020202020204" pitchFamily="34" charset="0"/>
+              </a:rPr>
+              <a:t>Тепловые</a:t>
+            </a:r>
+            <a:r>
+              <a:rPr kumimoji="0" lang="en-US" altLang="en-US" b="1" i="0" u="none" strike="noStrike" cap="none" normalizeH="0" baseline="0" dirty="0">
+                <a:ln>
+                  <a:noFill/>
+                </a:ln>
+                <a:effectLst/>
+                <a:latin typeface="Century Gothic" panose="020B0502020202020204" pitchFamily="34" charset="0"/>
+              </a:rPr>
+              <a:t> </a:t>
+            </a:r>
+            <a:r>
+              <a:rPr kumimoji="0" lang="en-US" altLang="en-US" b="1" i="0" u="none" strike="noStrike" cap="none" normalizeH="0" baseline="0" dirty="0" err="1">
+                <a:ln>
+                  <a:noFill/>
+                </a:ln>
+                <a:effectLst/>
+                <a:latin typeface="Century Gothic" panose="020B0502020202020204" pitchFamily="34" charset="0"/>
+              </a:rPr>
+              <a:t>карты</a:t>
+            </a:r>
+            <a:r>
+              <a:rPr kumimoji="0" lang="en-US" altLang="en-US" b="1" i="0" u="none" strike="noStrike" cap="none" normalizeH="0" baseline="0" dirty="0">
+                <a:ln>
+                  <a:noFill/>
+                </a:ln>
+                <a:effectLst/>
+                <a:latin typeface="Century Gothic" panose="020B0502020202020204" pitchFamily="34" charset="0"/>
+              </a:rPr>
+              <a:t> (heatmaps):</a:t>
+            </a:r>
+            <a:r>
+              <a:rPr kumimoji="0" lang="en-US" altLang="en-US" b="0" i="0" u="none" strike="noStrike" cap="none" normalizeH="0" baseline="0" dirty="0">
+                <a:ln>
+                  <a:noFill/>
+                </a:ln>
+                <a:effectLst/>
+                <a:latin typeface="Century Gothic" panose="020B0502020202020204" pitchFamily="34" charset="0"/>
+              </a:rPr>
+              <a:t> XY, XZ, YZ </a:t>
+            </a:r>
+            <a:r>
+              <a:rPr kumimoji="0" lang="en-US" altLang="en-US" b="0" i="0" u="none" strike="noStrike" cap="none" normalizeH="0" baseline="0" dirty="0" err="1">
+                <a:ln>
+                  <a:noFill/>
+                </a:ln>
+                <a:effectLst/>
+                <a:latin typeface="Century Gothic" panose="020B0502020202020204" pitchFamily="34" charset="0"/>
+              </a:rPr>
+              <a:t>проекции</a:t>
+            </a:r>
+            <a:endParaRPr kumimoji="0" lang="en-US" altLang="en-US" b="0" i="0" u="none" strike="noStrike" cap="none" normalizeH="0" baseline="0" dirty="0">
+              <a:ln>
+                <a:noFill/>
+              </a:ln>
+              <a:effectLst/>
+              <a:latin typeface="Century Gothic" panose="020B0502020202020204" pitchFamily="34" charset="0"/>
+            </a:endParaRPr>
+          </a:p>
+          <a:p>
+            <a:pPr marL="0" marR="0" lvl="0" indent="0" defTabSz="914400" rtl="0" eaLnBrk="0" fontAlgn="base" latinLnBrk="0" hangingPunct="0">
+              <a:spcBef>
+                <a:spcPct val="0"/>
+              </a:spcBef>
+              <a:spcAft>
+                <a:spcPts val="600"/>
+              </a:spcAft>
+              <a:buClrTx/>
+              <a:buSzTx/>
+              <a:buFontTx/>
+              <a:buChar char="•"/>
+              <a:tabLst/>
+            </a:pPr>
+            <a:r>
+              <a:rPr kumimoji="0" lang="en-US" altLang="en-US" b="1" i="0" u="none" strike="noStrike" cap="none" normalizeH="0" baseline="0" dirty="0" err="1">
+                <a:ln>
+                  <a:noFill/>
+                </a:ln>
+                <a:effectLst/>
+                <a:latin typeface="Century Gothic" panose="020B0502020202020204" pitchFamily="34" charset="0"/>
+              </a:rPr>
+              <a:t>Диаграммы</a:t>
+            </a:r>
+            <a:r>
+              <a:rPr kumimoji="0" lang="en-US" altLang="en-US" b="1" i="0" u="none" strike="noStrike" cap="none" normalizeH="0" baseline="0" dirty="0">
+                <a:ln>
+                  <a:noFill/>
+                </a:ln>
+                <a:effectLst/>
+                <a:latin typeface="Century Gothic" panose="020B0502020202020204" pitchFamily="34" charset="0"/>
+              </a:rPr>
+              <a:t> </a:t>
+            </a:r>
+            <a:r>
+              <a:rPr kumimoji="0" lang="en-US" altLang="en-US" b="1" i="0" u="none" strike="noStrike" cap="none" normalizeH="0" baseline="0" dirty="0" err="1">
+                <a:ln>
+                  <a:noFill/>
+                </a:ln>
+                <a:effectLst/>
+                <a:latin typeface="Century Gothic" panose="020B0502020202020204" pitchFamily="34" charset="0"/>
+              </a:rPr>
+              <a:t>частот</a:t>
+            </a:r>
+            <a:r>
+              <a:rPr kumimoji="0" lang="en-US" altLang="en-US" b="1" i="0" u="none" strike="noStrike" cap="none" normalizeH="0" baseline="0" dirty="0">
+                <a:ln>
+                  <a:noFill/>
+                </a:ln>
+                <a:effectLst/>
+                <a:latin typeface="Century Gothic" panose="020B0502020202020204" pitchFamily="34" charset="0"/>
+              </a:rPr>
+              <a:t> </a:t>
+            </a:r>
+            <a:r>
+              <a:rPr kumimoji="0" lang="en-US" altLang="en-US" b="1" i="0" u="none" strike="noStrike" cap="none" normalizeH="0" baseline="0" dirty="0" err="1">
+                <a:ln>
+                  <a:noFill/>
+                </a:ln>
+                <a:effectLst/>
+                <a:latin typeface="Century Gothic" panose="020B0502020202020204" pitchFamily="34" charset="0"/>
+              </a:rPr>
+              <a:t>процессов</a:t>
+            </a:r>
+            <a:r>
+              <a:rPr kumimoji="0" lang="en-US" altLang="en-US" b="1" i="0" u="none" strike="noStrike" cap="none" normalizeH="0" baseline="0" dirty="0">
+                <a:ln>
+                  <a:noFill/>
+                </a:ln>
+                <a:effectLst/>
+                <a:latin typeface="Century Gothic" panose="020B0502020202020204" pitchFamily="34" charset="0"/>
+              </a:rPr>
+              <a:t>:</a:t>
+            </a:r>
+            <a:r>
+              <a:rPr kumimoji="0" lang="en-US" altLang="en-US" b="0" i="0" u="none" strike="noStrike" cap="none" normalizeH="0" baseline="0" dirty="0">
+                <a:ln>
+                  <a:noFill/>
+                </a:ln>
+                <a:effectLst/>
+                <a:latin typeface="Century Gothic" panose="020B0502020202020204" pitchFamily="34" charset="0"/>
+              </a:rPr>
+              <a:t> </a:t>
+            </a:r>
+            <a:r>
+              <a:rPr kumimoji="0" lang="en-US" altLang="en-US" b="0" i="0" u="none" strike="noStrike" cap="none" normalizeH="0" baseline="0" dirty="0" err="1">
+                <a:ln>
+                  <a:noFill/>
+                </a:ln>
+                <a:effectLst/>
+                <a:latin typeface="Century Gothic" panose="020B0502020202020204" pitchFamily="34" charset="0"/>
+              </a:rPr>
+              <a:t>горизонтальные</a:t>
+            </a:r>
+            <a:r>
+              <a:rPr kumimoji="0" lang="en-US" altLang="en-US" b="0" i="0" u="none" strike="noStrike" cap="none" normalizeH="0" baseline="0" dirty="0">
+                <a:ln>
+                  <a:noFill/>
+                </a:ln>
+                <a:effectLst/>
+                <a:latin typeface="Century Gothic" panose="020B0502020202020204" pitchFamily="34" charset="0"/>
+              </a:rPr>
+              <a:t> bar-plot</a:t>
+            </a:r>
+          </a:p>
+          <a:p>
+            <a:pPr marL="0" marR="0" lvl="0" indent="0" defTabSz="914400" rtl="0" eaLnBrk="0" fontAlgn="base" latinLnBrk="0" hangingPunct="0">
+              <a:spcBef>
+                <a:spcPct val="0"/>
+              </a:spcBef>
+              <a:spcAft>
+                <a:spcPts val="600"/>
+              </a:spcAft>
+              <a:buClrTx/>
+              <a:buSzTx/>
+              <a:buFontTx/>
+              <a:buChar char="•"/>
+              <a:tabLst/>
+            </a:pPr>
+            <a:r>
+              <a:rPr kumimoji="0" lang="en-US" altLang="en-US" b="1" i="0" u="none" strike="noStrike" cap="none" normalizeH="0" baseline="0" dirty="0" err="1">
+                <a:ln>
+                  <a:noFill/>
+                </a:ln>
+                <a:effectLst/>
+                <a:latin typeface="Century Gothic" panose="020B0502020202020204" pitchFamily="34" charset="0"/>
+              </a:rPr>
+              <a:t>Выявление</a:t>
+            </a:r>
+            <a:r>
+              <a:rPr kumimoji="0" lang="en-US" altLang="en-US" b="1" i="0" u="none" strike="noStrike" cap="none" normalizeH="0" baseline="0" dirty="0">
+                <a:ln>
+                  <a:noFill/>
+                </a:ln>
+                <a:effectLst/>
+                <a:latin typeface="Century Gothic" panose="020B0502020202020204" pitchFamily="34" charset="0"/>
+              </a:rPr>
+              <a:t> </a:t>
+            </a:r>
+            <a:r>
+              <a:rPr kumimoji="0" lang="en-US" altLang="en-US" b="1" i="0" u="none" strike="noStrike" cap="none" normalizeH="0" baseline="0" dirty="0" err="1">
+                <a:ln>
+                  <a:noFill/>
+                </a:ln>
+                <a:effectLst/>
+                <a:latin typeface="Century Gothic" panose="020B0502020202020204" pitchFamily="34" charset="0"/>
+              </a:rPr>
+              <a:t>доминирующих</a:t>
+            </a:r>
+            <a:r>
+              <a:rPr kumimoji="0" lang="en-US" altLang="en-US" b="1" i="0" u="none" strike="noStrike" cap="none" normalizeH="0" baseline="0" dirty="0">
+                <a:ln>
+                  <a:noFill/>
+                </a:ln>
+                <a:effectLst/>
+                <a:latin typeface="Century Gothic" panose="020B0502020202020204" pitchFamily="34" charset="0"/>
+              </a:rPr>
+              <a:t> </a:t>
+            </a:r>
+            <a:r>
+              <a:rPr kumimoji="0" lang="en-US" altLang="en-US" b="1" i="0" u="none" strike="noStrike" cap="none" normalizeH="0" baseline="0" dirty="0" err="1">
+                <a:ln>
+                  <a:noFill/>
+                </a:ln>
+                <a:effectLst/>
+                <a:latin typeface="Century Gothic" panose="020B0502020202020204" pitchFamily="34" charset="0"/>
+              </a:rPr>
+              <a:t>механизмов</a:t>
+            </a:r>
+            <a:r>
+              <a:rPr kumimoji="0" lang="en-US" altLang="en-US" b="1" i="0" u="none" strike="noStrike" cap="none" normalizeH="0" baseline="0" dirty="0">
+                <a:ln>
+                  <a:noFill/>
+                </a:ln>
+                <a:effectLst/>
+                <a:latin typeface="Century Gothic" panose="020B0502020202020204" pitchFamily="34" charset="0"/>
+              </a:rPr>
+              <a:t> </a:t>
+            </a:r>
+            <a:r>
+              <a:rPr kumimoji="0" lang="en-US" altLang="en-US" b="1" i="0" u="none" strike="noStrike" cap="none" normalizeH="0" baseline="0" dirty="0" err="1">
+                <a:ln>
+                  <a:noFill/>
+                </a:ln>
+                <a:effectLst/>
+                <a:latin typeface="Century Gothic" panose="020B0502020202020204" pitchFamily="34" charset="0"/>
+              </a:rPr>
+              <a:t>взаимодействия</a:t>
+            </a:r>
+            <a:endParaRPr kumimoji="0" lang="en-US" altLang="en-US" b="0" i="0" u="none" strike="noStrike" cap="none" normalizeH="0" baseline="0" dirty="0">
+              <a:ln>
+                <a:noFill/>
+              </a:ln>
+              <a:effectLst/>
+              <a:latin typeface="Century Gothic" panose="020B0502020202020204" pitchFamily="34" charset="0"/>
+            </a:endParaRPr>
+          </a:p>
+          <a:p>
+            <a:pPr marL="0" marR="0" lvl="0" indent="0" defTabSz="914400" rtl="0" eaLnBrk="0" fontAlgn="base" latinLnBrk="0" hangingPunct="0">
+              <a:spcBef>
+                <a:spcPct val="0"/>
+              </a:spcBef>
+              <a:spcAft>
+                <a:spcPts val="600"/>
+              </a:spcAft>
+              <a:buClrTx/>
+              <a:buSzTx/>
+              <a:buFontTx/>
+              <a:buChar char="•"/>
+              <a:tabLst/>
+            </a:pPr>
+            <a:r>
+              <a:rPr kumimoji="0" lang="en-US" altLang="en-US" b="1" i="0" u="none" strike="noStrike" cap="none" normalizeH="0" baseline="0" dirty="0" err="1">
+                <a:ln>
+                  <a:noFill/>
+                </a:ln>
+                <a:effectLst/>
+                <a:latin typeface="Century Gothic" panose="020B0502020202020204" pitchFamily="34" charset="0"/>
+              </a:rPr>
+              <a:t>Анализ</a:t>
+            </a:r>
+            <a:r>
+              <a:rPr kumimoji="0" lang="en-US" altLang="en-US" b="1" i="0" u="none" strike="noStrike" cap="none" normalizeH="0" baseline="0" dirty="0">
+                <a:ln>
+                  <a:noFill/>
+                </a:ln>
+                <a:effectLst/>
+                <a:latin typeface="Century Gothic" panose="020B0502020202020204" pitchFamily="34" charset="0"/>
+              </a:rPr>
+              <a:t> "</a:t>
+            </a:r>
+            <a:r>
+              <a:rPr kumimoji="0" lang="en-US" altLang="en-US" b="1" i="0" u="none" strike="noStrike" cap="none" normalizeH="0" baseline="0" dirty="0" err="1">
+                <a:ln>
+                  <a:noFill/>
+                </a:ln>
+                <a:effectLst/>
+                <a:latin typeface="Century Gothic" panose="020B0502020202020204" pitchFamily="34" charset="0"/>
+              </a:rPr>
+              <a:t>горячих</a:t>
+            </a:r>
+            <a:r>
+              <a:rPr kumimoji="0" lang="en-US" altLang="en-US" b="1" i="0" u="none" strike="noStrike" cap="none" normalizeH="0" baseline="0" dirty="0">
+                <a:ln>
+                  <a:noFill/>
+                </a:ln>
+                <a:effectLst/>
+                <a:latin typeface="Century Gothic" panose="020B0502020202020204" pitchFamily="34" charset="0"/>
+              </a:rPr>
+              <a:t>" </a:t>
+            </a:r>
+            <a:r>
+              <a:rPr kumimoji="0" lang="en-US" altLang="en-US" b="1" i="0" u="none" strike="noStrike" cap="none" normalizeH="0" baseline="0" dirty="0" err="1">
+                <a:ln>
+                  <a:noFill/>
+                </a:ln>
+                <a:effectLst/>
+                <a:latin typeface="Century Gothic" panose="020B0502020202020204" pitchFamily="34" charset="0"/>
+              </a:rPr>
+              <a:t>зон</a:t>
+            </a:r>
+            <a:r>
+              <a:rPr kumimoji="0" lang="en-US" altLang="en-US" b="1" i="0" u="none" strike="noStrike" cap="none" normalizeH="0" baseline="0" dirty="0">
+                <a:ln>
+                  <a:noFill/>
+                </a:ln>
+                <a:effectLst/>
+                <a:latin typeface="Century Gothic" panose="020B0502020202020204" pitchFamily="34" charset="0"/>
+              </a:rPr>
+              <a:t> </a:t>
+            </a:r>
+            <a:r>
+              <a:rPr kumimoji="0" lang="en-US" altLang="en-US" b="1" i="0" u="none" strike="noStrike" cap="none" normalizeH="0" baseline="0" dirty="0" err="1">
+                <a:ln>
+                  <a:noFill/>
+                </a:ln>
+                <a:effectLst/>
+                <a:latin typeface="Century Gothic" panose="020B0502020202020204" pitchFamily="34" charset="0"/>
+              </a:rPr>
+              <a:t>в</a:t>
+            </a:r>
+            <a:r>
+              <a:rPr kumimoji="0" lang="en-US" altLang="en-US" b="1" i="0" u="none" strike="noStrike" cap="none" normalizeH="0" baseline="0" dirty="0">
+                <a:ln>
+                  <a:noFill/>
+                </a:ln>
+                <a:effectLst/>
+                <a:latin typeface="Century Gothic" panose="020B0502020202020204" pitchFamily="34" charset="0"/>
+              </a:rPr>
+              <a:t> </a:t>
+            </a:r>
+            <a:r>
+              <a:rPr kumimoji="0" lang="en-US" altLang="en-US" b="1" i="0" u="none" strike="noStrike" cap="none" normalizeH="0" baseline="0" dirty="0" err="1">
+                <a:ln>
+                  <a:noFill/>
+                </a:ln>
+                <a:effectLst/>
+                <a:latin typeface="Century Gothic" panose="020B0502020202020204" pitchFamily="34" charset="0"/>
+              </a:rPr>
+              <a:t>геометрии</a:t>
+            </a:r>
+            <a:r>
+              <a:rPr kumimoji="0" lang="en-US" altLang="en-US" b="1" i="0" u="none" strike="noStrike" cap="none" normalizeH="0" baseline="0" dirty="0">
+                <a:ln>
+                  <a:noFill/>
+                </a:ln>
+                <a:effectLst/>
+                <a:latin typeface="Century Gothic" panose="020B0502020202020204" pitchFamily="34" charset="0"/>
+              </a:rPr>
+              <a:t> </a:t>
+            </a:r>
+            <a:r>
+              <a:rPr kumimoji="0" lang="en-US" altLang="en-US" b="1" i="0" u="none" strike="noStrike" cap="none" normalizeH="0" baseline="0" dirty="0" err="1">
+                <a:ln>
+                  <a:noFill/>
+                </a:ln>
+                <a:effectLst/>
+                <a:latin typeface="Century Gothic" panose="020B0502020202020204" pitchFamily="34" charset="0"/>
+              </a:rPr>
+              <a:t>детектора</a:t>
+            </a:r>
+            <a:endParaRPr kumimoji="0" lang="en-US" altLang="en-US" b="0" i="0" u="none" strike="noStrike" cap="none" normalizeH="0" baseline="0" dirty="0">
+              <a:ln>
+                <a:noFill/>
+              </a:ln>
+              <a:effectLst/>
+              <a:latin typeface="Century Gothic" panose="020B0502020202020204" pitchFamily="34" charset="0"/>
+            </a:endParaRPr>
+          </a:p>
+          <a:p>
+            <a:pPr marL="0" marR="0" lvl="0" indent="0" defTabSz="914400" rtl="0" eaLnBrk="0" fontAlgn="base" latinLnBrk="0" hangingPunct="0">
+              <a:spcBef>
+                <a:spcPct val="0"/>
+              </a:spcBef>
+              <a:spcAft>
+                <a:spcPts val="600"/>
+              </a:spcAft>
+              <a:buClrTx/>
+              <a:buSzTx/>
+              <a:buFontTx/>
+              <a:buNone/>
+              <a:tabLst/>
+            </a:pPr>
+            <a:endParaRPr kumimoji="0" lang="en-US" altLang="en-US" b="0" i="0" u="none" strike="noStrike" cap="none" normalizeH="0" baseline="0" dirty="0">
+              <a:ln>
+                <a:noFill/>
+              </a:ln>
+              <a:effectLst/>
+              <a:latin typeface="Arial" panose="020B0604020202020204" pitchFamily="34" charset="0"/>
+            </a:endParaRPr>
+          </a:p>
+        </p:txBody>
+      </p:sp>
+      <p:pic>
+        <p:nvPicPr>
+          <p:cNvPr id="26" name="Graphic 25" descr="Questions">
+            <a:extLst>
+              <a:ext uri="{FF2B5EF4-FFF2-40B4-BE49-F238E27FC236}">
+                <a16:creationId xmlns:a16="http://schemas.microsoft.com/office/drawing/2014/main" id="{A1833E8B-C48B-8AB7-05A3-1E3D6AE341A6}"/>
+              </a:ext>
+            </a:extLst>
+          </p:cNvPr>
+          <p:cNvPicPr>
+            <a:picLocks noChangeAspect="1"/>
+          </p:cNvPicPr>
+          <p:nvPr/>
+        </p:nvPicPr>
+        <p:blipFill>
+          <a:blip r:embed="rId2">
+            <a:extLst>
+              <a:ext uri="{28A0092B-C50C-407E-A947-70E740481C1C}">
+                <a14:useLocalDpi xmlns:a14="http://schemas.microsoft.com/office/drawing/2010/main" val="0"/>
+              </a:ext>
+              <a:ext uri="{96DAC541-7B7A-43D3-8B79-37D633B846F1}">
+                <asvg:svgBlip xmlns:asvg="http://schemas.microsoft.com/office/drawing/2016/SVG/main" r:embed="rId3"/>
+              </a:ext>
+            </a:extLst>
+          </a:blip>
+          <a:stretch>
+            <a:fillRect/>
+          </a:stretch>
+        </p:blipFill>
+        <p:spPr>
+          <a:xfrm>
+            <a:off x="7755253" y="2413169"/>
+            <a:ext cx="3370396" cy="3370396"/>
+          </a:xfrm>
+          <a:prstGeom prst="rect">
+            <a:avLst/>
+          </a:prstGeom>
+        </p:spPr>
+      </p:pic>
+      <p:sp>
+        <p:nvSpPr>
+          <p:cNvPr id="15" name="Freeform 6">
+            <a:extLst>
+              <a:ext uri="{FF2B5EF4-FFF2-40B4-BE49-F238E27FC236}">
+                <a16:creationId xmlns:a16="http://schemas.microsoft.com/office/drawing/2014/main" id="{A101E513-AF74-4E9D-A31F-99664250722D}"/>
+              </a:ext>
+              <a:ext uri="{C183D7F6-B498-43B3-948B-1728B52AA6E4}">
+                <adec:decorative xmlns:adec="http://schemas.microsoft.com/office/drawing/2017/decorative" val="1"/>
+              </a:ext>
+            </a:extLst>
+          </p:cNvPr>
+          <p:cNvSpPr>
+            <a:spLocks noGrp="1" noRot="1" noChangeAspect="1" noMove="1" noResize="1" noEditPoints="1" noAdjustHandles="1" noChangeArrowheads="1" noChangeShapeType="1" noTextEdit="1"/>
+          </p:cNvSpPr>
+          <p:nvPr>
+            <p:extLst>
+              <p:ext uri="{386F3935-93C4-4BCD-93E2-E3B085C9AB24}">
+                <p16:designElem xmlns:p16="http://schemas.microsoft.com/office/powerpoint/2015/main" val="1"/>
+              </p:ext>
+            </p:extLst>
+          </p:nvPr>
+        </p:nvSpPr>
+        <p:spPr bwMode="auto">
+          <a:xfrm>
+            <a:off x="11784011" y="5783564"/>
+            <a:ext cx="407988" cy="819150"/>
+          </a:xfrm>
+          <a:custGeom>
+            <a:avLst/>
+            <a:gdLst/>
+            <a:ahLst/>
+            <a:cxnLst/>
+            <a:rect l="0" t="0" r="r" b="b"/>
+            <a:pathLst>
+              <a:path w="1799" h="3612">
+                <a:moveTo>
+                  <a:pt x="1799" y="0"/>
+                </a:moveTo>
+                <a:lnTo>
+                  <a:pt x="1799" y="3612"/>
+                </a:lnTo>
+                <a:lnTo>
+                  <a:pt x="1686" y="3609"/>
+                </a:lnTo>
+                <a:lnTo>
+                  <a:pt x="1574" y="3598"/>
+                </a:lnTo>
+                <a:lnTo>
+                  <a:pt x="1464" y="3581"/>
+                </a:lnTo>
+                <a:lnTo>
+                  <a:pt x="1357" y="3557"/>
+                </a:lnTo>
+                <a:lnTo>
+                  <a:pt x="1251" y="3527"/>
+                </a:lnTo>
+                <a:lnTo>
+                  <a:pt x="1150" y="3490"/>
+                </a:lnTo>
+                <a:lnTo>
+                  <a:pt x="1050" y="3448"/>
+                </a:lnTo>
+                <a:lnTo>
+                  <a:pt x="953" y="3401"/>
+                </a:lnTo>
+                <a:lnTo>
+                  <a:pt x="860" y="3347"/>
+                </a:lnTo>
+                <a:lnTo>
+                  <a:pt x="771" y="3289"/>
+                </a:lnTo>
+                <a:lnTo>
+                  <a:pt x="686" y="3224"/>
+                </a:lnTo>
+                <a:lnTo>
+                  <a:pt x="604" y="3156"/>
+                </a:lnTo>
+                <a:lnTo>
+                  <a:pt x="527" y="3083"/>
+                </a:lnTo>
+                <a:lnTo>
+                  <a:pt x="454" y="3005"/>
+                </a:lnTo>
+                <a:lnTo>
+                  <a:pt x="386" y="2923"/>
+                </a:lnTo>
+                <a:lnTo>
+                  <a:pt x="323" y="2838"/>
+                </a:lnTo>
+                <a:lnTo>
+                  <a:pt x="265" y="2748"/>
+                </a:lnTo>
+                <a:lnTo>
+                  <a:pt x="211" y="2655"/>
+                </a:lnTo>
+                <a:lnTo>
+                  <a:pt x="163" y="2559"/>
+                </a:lnTo>
+                <a:lnTo>
+                  <a:pt x="121" y="2459"/>
+                </a:lnTo>
+                <a:lnTo>
+                  <a:pt x="85" y="2356"/>
+                </a:lnTo>
+                <a:lnTo>
+                  <a:pt x="55" y="2251"/>
+                </a:lnTo>
+                <a:lnTo>
+                  <a:pt x="32" y="2143"/>
+                </a:lnTo>
+                <a:lnTo>
+                  <a:pt x="14" y="2033"/>
+                </a:lnTo>
+                <a:lnTo>
+                  <a:pt x="4" y="1920"/>
+                </a:lnTo>
+                <a:lnTo>
+                  <a:pt x="0" y="1806"/>
+                </a:lnTo>
+                <a:lnTo>
+                  <a:pt x="4" y="1692"/>
+                </a:lnTo>
+                <a:lnTo>
+                  <a:pt x="14" y="1580"/>
+                </a:lnTo>
+                <a:lnTo>
+                  <a:pt x="32" y="1469"/>
+                </a:lnTo>
+                <a:lnTo>
+                  <a:pt x="55" y="1362"/>
+                </a:lnTo>
+                <a:lnTo>
+                  <a:pt x="85" y="1256"/>
+                </a:lnTo>
+                <a:lnTo>
+                  <a:pt x="121" y="1154"/>
+                </a:lnTo>
+                <a:lnTo>
+                  <a:pt x="163" y="1054"/>
+                </a:lnTo>
+                <a:lnTo>
+                  <a:pt x="211" y="958"/>
+                </a:lnTo>
+                <a:lnTo>
+                  <a:pt x="265" y="864"/>
+                </a:lnTo>
+                <a:lnTo>
+                  <a:pt x="323" y="774"/>
+                </a:lnTo>
+                <a:lnTo>
+                  <a:pt x="386" y="689"/>
+                </a:lnTo>
+                <a:lnTo>
+                  <a:pt x="454" y="607"/>
+                </a:lnTo>
+                <a:lnTo>
+                  <a:pt x="527" y="529"/>
+                </a:lnTo>
+                <a:lnTo>
+                  <a:pt x="604" y="456"/>
+                </a:lnTo>
+                <a:lnTo>
+                  <a:pt x="686" y="388"/>
+                </a:lnTo>
+                <a:lnTo>
+                  <a:pt x="771" y="325"/>
+                </a:lnTo>
+                <a:lnTo>
+                  <a:pt x="860" y="266"/>
+                </a:lnTo>
+                <a:lnTo>
+                  <a:pt x="953" y="212"/>
+                </a:lnTo>
+                <a:lnTo>
+                  <a:pt x="1050" y="164"/>
+                </a:lnTo>
+                <a:lnTo>
+                  <a:pt x="1150" y="122"/>
+                </a:lnTo>
+                <a:lnTo>
+                  <a:pt x="1251" y="85"/>
+                </a:lnTo>
+                <a:lnTo>
+                  <a:pt x="1357" y="55"/>
+                </a:lnTo>
+                <a:lnTo>
+                  <a:pt x="1464" y="32"/>
+                </a:lnTo>
+                <a:lnTo>
+                  <a:pt x="1574" y="14"/>
+                </a:lnTo>
+                <a:lnTo>
+                  <a:pt x="1686" y="5"/>
+                </a:lnTo>
+                <a:lnTo>
+                  <a:pt x="1799" y="0"/>
+                </a:lnTo>
+                <a:close/>
+              </a:path>
+            </a:pathLst>
+          </a:custGeom>
+          <a:solidFill>
+            <a:schemeClr val="tx1">
+              <a:lumMod val="85000"/>
+              <a:lumOff val="15000"/>
+            </a:schemeClr>
+          </a:solidFill>
+          <a:ln w="0">
+            <a:noFill/>
+            <a:prstDash val="solid"/>
+            <a:round/>
+            <a:headEnd/>
+            <a:tailEnd/>
+          </a:ln>
+        </p:spPr>
+        <p:txBody>
+          <a:bodyPr anchor="ctr"/>
+          <a:lstStyle/>
+          <a:p>
+            <a:endParaRPr lang="en-US"/>
+          </a:p>
+        </p:txBody>
+      </p:sp>
+    </p:spTree>
+    <p:extLst>
+      <p:ext uri="{BB962C8B-B14F-4D97-AF65-F5344CB8AC3E}">
+        <p14:creationId xmlns:p14="http://schemas.microsoft.com/office/powerpoint/2010/main" val="2368241984"/>
+      </p:ext>
+    </p:extLst>
+  </p:cSld>
+  <p:clrMapOvr>
+    <a:masterClrMapping/>
+  </p:clrMapOvr>
+</p:sld>
+</file>
+
+<file path=ppt/slides/slide12.xml><?xml version="1.0" encoding="utf-8"?>
+<p:sld xmlns:a="http://schemas.openxmlformats.org/drawingml/2006/main" xmlns:r="http://schemas.openxmlformats.org/officeDocument/2006/relationships" xmlns:p="http://schemas.openxmlformats.org/presentationml/2006/main">
+  <p:cSld>
+    <p:spTree>
+      <p:nvGrpSpPr>
+        <p:cNvPr id="1" name=""/>
+        <p:cNvGrpSpPr/>
+        <p:nvPr/>
+      </p:nvGrpSpPr>
+      <p:grpSpPr>
+        <a:xfrm>
+          <a:off x="0" y="0"/>
+          <a:ext cx="0" cy="0"/>
+          <a:chOff x="0" y="0"/>
+          <a:chExt cx="0" cy="0"/>
+        </a:xfrm>
+      </p:grpSpPr>
+      <p:sp>
+        <p:nvSpPr>
+          <p:cNvPr id="2" name="Заголовок 1">
+            <a:extLst>
+              <a:ext uri="{FF2B5EF4-FFF2-40B4-BE49-F238E27FC236}">
+                <a16:creationId xmlns:a16="http://schemas.microsoft.com/office/drawing/2014/main" id="{AA1CFBDC-2A48-D1F4-C66A-8EEF9F2DB9F0}"/>
+              </a:ext>
+            </a:extLst>
+          </p:cNvPr>
+          <p:cNvSpPr>
+            <a:spLocks noGrp="1"/>
+          </p:cNvSpPr>
+          <p:nvPr>
+            <p:ph type="title"/>
+          </p:nvPr>
+        </p:nvSpPr>
+        <p:spPr/>
+        <p:txBody>
+          <a:bodyPr/>
+          <a:lstStyle/>
+          <a:p>
+            <a:endParaRPr lang="ru-RU"/>
+          </a:p>
+        </p:txBody>
+      </p:sp>
+      <p:sp>
+        <p:nvSpPr>
+          <p:cNvPr id="3" name="Объект 2">
+            <a:extLst>
+              <a:ext uri="{FF2B5EF4-FFF2-40B4-BE49-F238E27FC236}">
+                <a16:creationId xmlns:a16="http://schemas.microsoft.com/office/drawing/2014/main" id="{743BA655-ED06-AF4B-29E4-BDFFB8B760CD}"/>
+              </a:ext>
+            </a:extLst>
+          </p:cNvPr>
+          <p:cNvSpPr>
+            <a:spLocks noGrp="1"/>
+          </p:cNvSpPr>
+          <p:nvPr>
+            <p:ph idx="1"/>
+          </p:nvPr>
+        </p:nvSpPr>
+        <p:spPr/>
+        <p:txBody>
+          <a:bodyPr/>
+          <a:lstStyle/>
+          <a:p>
+            <a:endParaRPr lang="ru-RU"/>
+          </a:p>
+        </p:txBody>
+      </p:sp>
+      <p:pic>
+        <p:nvPicPr>
+          <p:cNvPr id="4" name="Рисунок 3">
+            <a:extLst>
+              <a:ext uri="{FF2B5EF4-FFF2-40B4-BE49-F238E27FC236}">
+                <a16:creationId xmlns:a16="http://schemas.microsoft.com/office/drawing/2014/main" id="{CA160658-7BFC-DE3B-24FF-4FB57402411B}"/>
+              </a:ext>
+            </a:extLst>
+          </p:cNvPr>
+          <p:cNvPicPr>
+            <a:picLocks noChangeAspect="1"/>
+          </p:cNvPicPr>
+          <p:nvPr/>
+        </p:nvPicPr>
+        <p:blipFill>
+          <a:blip r:embed="rId2">
+            <a:extLst>
+              <a:ext uri="{96DAC541-7B7A-43D3-8B79-37D633B846F1}">
+                <asvg:svgBlip xmlns:asvg="http://schemas.microsoft.com/office/drawing/2016/SVG/main" r:embed="rId3"/>
+              </a:ext>
+            </a:extLst>
+          </a:blip>
+          <a:stretch>
+            <a:fillRect/>
+          </a:stretch>
+        </p:blipFill>
+        <p:spPr>
+          <a:xfrm>
+            <a:off x="1223828" y="572135"/>
+            <a:ext cx="9744343" cy="5526913"/>
+          </a:xfrm>
+          <a:prstGeom prst="rect">
+            <a:avLst/>
+          </a:prstGeom>
+        </p:spPr>
+      </p:pic>
+    </p:spTree>
+    <p:extLst>
+      <p:ext uri="{BB962C8B-B14F-4D97-AF65-F5344CB8AC3E}">
+        <p14:creationId xmlns:p14="http://schemas.microsoft.com/office/powerpoint/2010/main" val="3916035805"/>
+      </p:ext>
+    </p:extLst>
+  </p:cSld>
+  <p:clrMapOvr>
+    <a:masterClrMapping/>
+  </p:clrMapOvr>
+</p:sld>
+</file>
+
+<file path=ppt/slides/slide13.xml><?xml version="1.0" encoding="utf-8"?>
+<p:sld xmlns:a="http://schemas.openxmlformats.org/drawingml/2006/main" xmlns:r="http://schemas.openxmlformats.org/officeDocument/2006/relationships" xmlns:p="http://schemas.openxmlformats.org/presentationml/2006/main">
+  <p:cSld>
+    <p:spTree>
+      <p:nvGrpSpPr>
+        <p:cNvPr id="1" name=""/>
+        <p:cNvGrpSpPr/>
+        <p:nvPr/>
+      </p:nvGrpSpPr>
+      <p:grpSpPr>
+        <a:xfrm>
+          <a:off x="0" y="0"/>
+          <a:ext cx="0" cy="0"/>
+          <a:chOff x="0" y="0"/>
+          <a:chExt cx="0" cy="0"/>
+        </a:xfrm>
+      </p:grpSpPr>
+      <p:sp>
+        <p:nvSpPr>
+          <p:cNvPr id="2" name="Заголовок 1">
+            <a:extLst>
+              <a:ext uri="{FF2B5EF4-FFF2-40B4-BE49-F238E27FC236}">
+                <a16:creationId xmlns:a16="http://schemas.microsoft.com/office/drawing/2014/main" id="{15D794D4-56C1-C322-238B-4B863217691B}"/>
+              </a:ext>
+            </a:extLst>
+          </p:cNvPr>
+          <p:cNvSpPr>
+            <a:spLocks noGrp="1"/>
+          </p:cNvSpPr>
+          <p:nvPr>
+            <p:ph type="title"/>
+          </p:nvPr>
+        </p:nvSpPr>
+        <p:spPr/>
+        <p:txBody>
+          <a:bodyPr/>
+          <a:lstStyle/>
+          <a:p>
+            <a:endParaRPr lang="ru-RU"/>
+          </a:p>
+        </p:txBody>
+      </p:sp>
+      <p:sp>
+        <p:nvSpPr>
+          <p:cNvPr id="3" name="Объект 2">
+            <a:extLst>
+              <a:ext uri="{FF2B5EF4-FFF2-40B4-BE49-F238E27FC236}">
+                <a16:creationId xmlns:a16="http://schemas.microsoft.com/office/drawing/2014/main" id="{0AC5D77E-7377-5A52-6C03-9BCCE080C735}"/>
+              </a:ext>
+            </a:extLst>
+          </p:cNvPr>
+          <p:cNvSpPr>
+            <a:spLocks noGrp="1"/>
+          </p:cNvSpPr>
+          <p:nvPr>
+            <p:ph idx="1"/>
+          </p:nvPr>
+        </p:nvSpPr>
+        <p:spPr/>
+        <p:txBody>
+          <a:bodyPr/>
+          <a:lstStyle/>
+          <a:p>
+            <a:endParaRPr lang="ru-RU"/>
+          </a:p>
+        </p:txBody>
+      </p:sp>
+      <p:pic>
+        <p:nvPicPr>
+          <p:cNvPr id="4" name="Рисунок 3">
+            <a:extLst>
+              <a:ext uri="{FF2B5EF4-FFF2-40B4-BE49-F238E27FC236}">
+                <a16:creationId xmlns:a16="http://schemas.microsoft.com/office/drawing/2014/main" id="{8DDA3AAF-DF94-D4DC-DA0C-5633AB011965}"/>
+              </a:ext>
+            </a:extLst>
+          </p:cNvPr>
+          <p:cNvPicPr>
+            <a:picLocks noChangeAspect="1"/>
+          </p:cNvPicPr>
+          <p:nvPr/>
+        </p:nvPicPr>
+        <p:blipFill>
+          <a:blip r:embed="rId2">
+            <a:extLst>
+              <a:ext uri="{96DAC541-7B7A-43D3-8B79-37D633B846F1}">
+                <asvg:svgBlip xmlns:asvg="http://schemas.microsoft.com/office/drawing/2016/SVG/main" r:embed="rId3"/>
+              </a:ext>
+            </a:extLst>
+          </a:blip>
+          <a:stretch>
+            <a:fillRect/>
+          </a:stretch>
+        </p:blipFill>
+        <p:spPr>
+          <a:xfrm>
+            <a:off x="946842" y="1738788"/>
+            <a:ext cx="10298315" cy="3380423"/>
+          </a:xfrm>
+          <a:prstGeom prst="rect">
+            <a:avLst/>
+          </a:prstGeom>
+        </p:spPr>
+      </p:pic>
+    </p:spTree>
+    <p:extLst>
+      <p:ext uri="{BB962C8B-B14F-4D97-AF65-F5344CB8AC3E}">
+        <p14:creationId xmlns:p14="http://schemas.microsoft.com/office/powerpoint/2010/main" val="2574230645"/>
+      </p:ext>
+    </p:extLst>
+  </p:cSld>
+  <p:clrMapOvr>
+    <a:masterClrMapping/>
+  </p:clrMapOvr>
+</p:sld>
+</file>
+
+<file path=ppt/slides/slide14.xml><?xml version="1.0" encoding="utf-8"?>
+<p:sld xmlns:a="http://schemas.openxmlformats.org/drawingml/2006/main" xmlns:r="http://schemas.openxmlformats.org/officeDocument/2006/relationships" xmlns:p="http://schemas.openxmlformats.org/presentationml/2006/main">
+  <p:cSld>
+    <p:spTree>
+      <p:nvGrpSpPr>
+        <p:cNvPr id="1" name=""/>
+        <p:cNvGrpSpPr/>
+        <p:nvPr/>
+      </p:nvGrpSpPr>
+      <p:grpSpPr>
+        <a:xfrm>
+          <a:off x="0" y="0"/>
+          <a:ext cx="0" cy="0"/>
+          <a:chOff x="0" y="0"/>
+          <a:chExt cx="0" cy="0"/>
+        </a:xfrm>
+      </p:grpSpPr>
+      <p:sp>
+        <p:nvSpPr>
+          <p:cNvPr id="2" name="Заголовок 1">
+            <a:extLst>
+              <a:ext uri="{FF2B5EF4-FFF2-40B4-BE49-F238E27FC236}">
+                <a16:creationId xmlns:a16="http://schemas.microsoft.com/office/drawing/2014/main" id="{AADCBE7D-A243-05F6-6CB3-209B0B89B6B6}"/>
+              </a:ext>
+            </a:extLst>
+          </p:cNvPr>
+          <p:cNvSpPr>
+            <a:spLocks noGrp="1"/>
+          </p:cNvSpPr>
+          <p:nvPr>
+            <p:ph type="title"/>
+          </p:nvPr>
+        </p:nvSpPr>
+        <p:spPr/>
+        <p:txBody>
+          <a:bodyPr/>
+          <a:lstStyle/>
+          <a:p>
+            <a:endParaRPr lang="ru-RU"/>
+          </a:p>
+        </p:txBody>
+      </p:sp>
+      <p:sp>
+        <p:nvSpPr>
+          <p:cNvPr id="3" name="Объект 2">
+            <a:extLst>
+              <a:ext uri="{FF2B5EF4-FFF2-40B4-BE49-F238E27FC236}">
+                <a16:creationId xmlns:a16="http://schemas.microsoft.com/office/drawing/2014/main" id="{76CF6E1C-E273-CDB1-6490-1CDE39675CCB}"/>
+              </a:ext>
+            </a:extLst>
+          </p:cNvPr>
+          <p:cNvSpPr>
+            <a:spLocks noGrp="1"/>
+          </p:cNvSpPr>
+          <p:nvPr>
+            <p:ph idx="1"/>
+          </p:nvPr>
+        </p:nvSpPr>
+        <p:spPr/>
+        <p:txBody>
+          <a:bodyPr/>
+          <a:lstStyle/>
+          <a:p>
+            <a:endParaRPr lang="ru-RU"/>
+          </a:p>
+        </p:txBody>
+      </p:sp>
+      <p:pic>
+        <p:nvPicPr>
+          <p:cNvPr id="4" name="Рисунок 3">
+            <a:extLst>
+              <a:ext uri="{FF2B5EF4-FFF2-40B4-BE49-F238E27FC236}">
+                <a16:creationId xmlns:a16="http://schemas.microsoft.com/office/drawing/2014/main" id="{F26A0896-70D2-E9B8-5666-0DC35A0F0C24}"/>
+              </a:ext>
+            </a:extLst>
+          </p:cNvPr>
+          <p:cNvPicPr>
+            <a:picLocks noChangeAspect="1"/>
+          </p:cNvPicPr>
+          <p:nvPr/>
+        </p:nvPicPr>
+        <p:blipFill>
+          <a:blip r:embed="rId2">
+            <a:extLst>
+              <a:ext uri="{96DAC541-7B7A-43D3-8B79-37D633B846F1}">
+                <asvg:svgBlip xmlns:asvg="http://schemas.microsoft.com/office/drawing/2016/SVG/main" r:embed="rId3"/>
+              </a:ext>
+            </a:extLst>
+          </a:blip>
+          <a:stretch>
+            <a:fillRect/>
+          </a:stretch>
+        </p:blipFill>
+        <p:spPr>
+          <a:xfrm>
+            <a:off x="2511425" y="226774"/>
+            <a:ext cx="7169150" cy="6404452"/>
+          </a:xfrm>
+          <a:prstGeom prst="rect">
+            <a:avLst/>
+          </a:prstGeom>
+        </p:spPr>
+      </p:pic>
+    </p:spTree>
+    <p:extLst>
+      <p:ext uri="{BB962C8B-B14F-4D97-AF65-F5344CB8AC3E}">
+        <p14:creationId xmlns:p14="http://schemas.microsoft.com/office/powerpoint/2010/main" val="1448612036"/>
+      </p:ext>
+    </p:extLst>
+  </p:cSld>
+  <p:clrMapOvr>
+    <a:masterClrMapping/>
+  </p:clrMapOvr>
+</p:sld>
+</file>
+
+<file path=ppt/slides/slide15.xml><?xml version="1.0" encoding="utf-8"?>
+<p:sld xmlns:a="http://schemas.openxmlformats.org/drawingml/2006/main" xmlns:r="http://schemas.openxmlformats.org/officeDocument/2006/relationships" xmlns:p="http://schemas.openxmlformats.org/presentationml/2006/main">
+  <p:cSld>
+    <p:bg>
+      <p:bgPr>
+        <a:solidFill>
+          <a:schemeClr val="bg2"/>
+        </a:solidFill>
+        <a:effectLst/>
+      </p:bgPr>
+    </p:bg>
+    <p:spTree>
+      <p:nvGrpSpPr>
+        <p:cNvPr id="1" name=""/>
+        <p:cNvGrpSpPr/>
+        <p:nvPr/>
+      </p:nvGrpSpPr>
+      <p:grpSpPr>
+        <a:xfrm>
+          <a:off x="0" y="0"/>
+          <a:ext cx="0" cy="0"/>
+          <a:chOff x="0" y="0"/>
+          <a:chExt cx="0" cy="0"/>
+        </a:xfrm>
+      </p:grpSpPr>
+      <p:sp useBgFill="1">
+        <p:nvSpPr>
+          <p:cNvPr id="11" name="Rectangle 10">
+            <a:extLst>
+              <a:ext uri="{FF2B5EF4-FFF2-40B4-BE49-F238E27FC236}">
+                <a16:creationId xmlns:a16="http://schemas.microsoft.com/office/drawing/2014/main" id="{C5176844-69C3-4F79-BE38-EA5BDDF4FEA4}"/>
+              </a:ext>
+              <a:ext uri="{C183D7F6-B498-43B3-948B-1728B52AA6E4}">
+                <adec:decorative xmlns:adec="http://schemas.microsoft.com/office/drawing/2017/decorative" val="1"/>
+              </a:ext>
+            </a:extLst>
+          </p:cNvPr>
+          <p:cNvSpPr>
+            <a:spLocks noGrp="1" noRot="1" noChangeAspect="1" noMove="1" noResize="1" noEditPoints="1" noAdjustHandles="1" noChangeArrowheads="1" noChangeShapeType="1" noTextEdit="1"/>
+          </p:cNvSpPr>
+          <p:nvPr>
+            <p:extLst>
+              <p:ext uri="{386F3935-93C4-4BCD-93E2-E3B085C9AB24}">
+                <p16:designElem xmlns:p16="http://schemas.microsoft.com/office/powerpoint/2015/main" val="1"/>
+              </p:ext>
+            </p:extLst>
+          </p:nvPr>
+        </p:nvSpPr>
+        <p:spPr>
+          <a:xfrm>
+            <a:off x="0" y="0"/>
+            <a:ext cx="12192000" cy="6858000"/>
+          </a:xfrm>
+          <a:prstGeom prst="rect">
+            <a:avLst/>
+          </a:prstGeom>
+          <a:ln>
+            <a:noFill/>
+          </a:ln>
+        </p:spPr>
+        <p:style>
+          <a:lnRef idx="2">
+            <a:schemeClr val="accent1">
+              <a:shade val="50000"/>
+            </a:schemeClr>
+          </a:lnRef>
+          <a:fillRef idx="1">
+            <a:schemeClr val="accent1"/>
+          </a:fillRef>
+          <a:effectRef idx="0">
+            <a:schemeClr val="accent1"/>
+          </a:effectRef>
+          <a:fontRef idx="minor">
+            <a:schemeClr val="lt1"/>
+          </a:fontRef>
+        </p:style>
+        <p:txBody>
+          <a:bodyPr rtlCol="0" anchor="ctr"/>
+          <a:lstStyle/>
+          <a:p>
+            <a:pPr algn="ctr"/>
+            <a:endParaRPr lang="en-US"/>
+          </a:p>
+        </p:txBody>
+      </p:sp>
+      <p:sp>
+        <p:nvSpPr>
+          <p:cNvPr id="13" name="Rectangle 12">
+            <a:extLst>
+              <a:ext uri="{FF2B5EF4-FFF2-40B4-BE49-F238E27FC236}">
+                <a16:creationId xmlns:a16="http://schemas.microsoft.com/office/drawing/2014/main" id="{41113FF5-9B84-4A89-BF52-EA3C7E01AA3B}"/>
+              </a:ext>
+              <a:ext uri="{C183D7F6-B498-43B3-948B-1728B52AA6E4}">
+                <adec:decorative xmlns:adec="http://schemas.microsoft.com/office/drawing/2017/decorative" val="1"/>
+              </a:ext>
+            </a:extLst>
+          </p:cNvPr>
+          <p:cNvSpPr>
+            <a:spLocks noGrp="1" noRot="1" noChangeAspect="1" noMove="1" noResize="1" noEditPoints="1" noAdjustHandles="1" noChangeArrowheads="1" noChangeShapeType="1" noTextEdit="1"/>
+          </p:cNvSpPr>
+          <p:nvPr>
+            <p:extLst>
+              <p:ext uri="{386F3935-93C4-4BCD-93E2-E3B085C9AB24}">
+                <p16:designElem xmlns:p16="http://schemas.microsoft.com/office/powerpoint/2015/main" val="1"/>
+              </p:ext>
+            </p:extLst>
+          </p:nvPr>
+        </p:nvSpPr>
+        <p:spPr>
+          <a:xfrm>
+            <a:off x="0" y="1"/>
+            <a:ext cx="12191999" cy="1955968"/>
+          </a:xfrm>
+          <a:prstGeom prst="rect">
+            <a:avLst/>
+          </a:prstGeom>
+          <a:solidFill>
+            <a:schemeClr val="tx1">
+              <a:lumMod val="85000"/>
+              <a:lumOff val="15000"/>
+            </a:schemeClr>
+          </a:solidFill>
+          <a:ln>
+            <a:noFill/>
+          </a:ln>
+        </p:spPr>
+        <p:style>
+          <a:lnRef idx="2">
+            <a:schemeClr val="accent1">
+              <a:shade val="50000"/>
+            </a:schemeClr>
+          </a:lnRef>
+          <a:fillRef idx="1">
+            <a:schemeClr val="accent1"/>
+          </a:fillRef>
+          <a:effectRef idx="0">
+            <a:schemeClr val="accent1"/>
+          </a:effectRef>
+          <a:fontRef idx="minor">
+            <a:schemeClr val="lt1"/>
+          </a:fontRef>
+        </p:style>
+        <p:txBody>
+          <a:bodyPr rtlCol="0" anchor="ctr"/>
+          <a:lstStyle/>
+          <a:p>
+            <a:pPr algn="ctr"/>
+            <a:endParaRPr lang="en-US"/>
+          </a:p>
+        </p:txBody>
+      </p:sp>
+      <p:sp>
+        <p:nvSpPr>
+          <p:cNvPr id="2" name="Title 1">
+            <a:extLst>
+              <a:ext uri="{FF2B5EF4-FFF2-40B4-BE49-F238E27FC236}">
+                <a16:creationId xmlns:a16="http://schemas.microsoft.com/office/drawing/2014/main" id="{5060760D-8F53-9A28-9CE3-21FFCD8A6AA4}"/>
+              </a:ext>
+            </a:extLst>
+          </p:cNvPr>
+          <p:cNvSpPr>
+            <a:spLocks noGrp="1"/>
+          </p:cNvSpPr>
+          <p:nvPr>
+            <p:ph type="title"/>
+          </p:nvPr>
+        </p:nvSpPr>
+        <p:spPr>
+          <a:xfrm>
+            <a:off x="758952" y="420625"/>
+            <a:ext cx="10667998" cy="1326814"/>
+          </a:xfrm>
+        </p:spPr>
+        <p:txBody>
+          <a:bodyPr anchor="ctr">
+            <a:normAutofit/>
+          </a:bodyPr>
+          <a:lstStyle/>
+          <a:p>
+            <a:r>
+              <a:rPr lang="ru-RU" sz="4200" i="0">
+                <a:solidFill>
+                  <a:schemeClr val="bg1"/>
+                </a:solidFill>
+              </a:rPr>
+              <a:t>Контроль качества данных и верификация</a:t>
+            </a:r>
+            <a:endParaRPr lang="en-US" sz="4200">
+              <a:solidFill>
+                <a:schemeClr val="bg1"/>
+              </a:solidFill>
+            </a:endParaRPr>
+          </a:p>
+        </p:txBody>
+      </p:sp>
+      <p:sp>
+        <p:nvSpPr>
+          <p:cNvPr id="4" name="Rectangle 1">
+            <a:extLst>
+              <a:ext uri="{FF2B5EF4-FFF2-40B4-BE49-F238E27FC236}">
+                <a16:creationId xmlns:a16="http://schemas.microsoft.com/office/drawing/2014/main" id="{736C2194-96A9-A807-A30F-B13ACD55DCFF}"/>
+              </a:ext>
+            </a:extLst>
+          </p:cNvPr>
+          <p:cNvSpPr>
+            <a:spLocks noGrp="1" noChangeArrowheads="1"/>
+          </p:cNvSpPr>
+          <p:nvPr>
+            <p:ph idx="1"/>
+          </p:nvPr>
+        </p:nvSpPr>
+        <p:spPr bwMode="auto">
+          <a:xfrm>
+            <a:off x="758952" y="2413169"/>
+            <a:ext cx="6039340" cy="3368920"/>
+          </a:xfrm>
+          <a:prstGeom prst="rect">
+            <a:avLst/>
+          </a:prstGeom>
+          <a:extLst>
+            <a:ext uri="{909E8E84-426E-40DD-AFC4-6F175D3DCCD1}">
+              <a14:hiddenFill xmlns:a14="http://schemas.microsoft.com/office/drawing/2010/main">
+                <a:solidFill>
+                  <a:schemeClr val="accent1"/>
+                </a:solidFill>
+              </a14:hiddenFill>
+            </a:ext>
+            <a:ext uri="{91240B29-F687-4F45-9708-019B960494DF}">
+              <a14:hiddenLine xmlns:a14="http://schemas.microsoft.com/office/drawing/2010/main" w="9525">
+                <a:solidFill>
+                  <a:schemeClr val="tx1"/>
+                </a:solidFill>
+                <a:miter lim="800000"/>
+                <a:headEnd/>
+                <a:tailEnd/>
+              </a14:hiddenLine>
+            </a:ext>
+            <a:ext uri="{AF507438-7753-43E0-B8FC-AC1667EBCBE1}">
+              <a14:hiddenEffects xmlns:a14="http://schemas.microsoft.com/office/drawing/2010/main">
+                <a:effectLst>
+                  <a:outerShdw dist="35921" dir="2700000" algn="ctr" rotWithShape="0">
+                    <a:schemeClr val="bg2"/>
+                  </a:outerShdw>
+                </a:effectLst>
+              </a14:hiddenEffects>
+            </a:ext>
+          </a:extLst>
+        </p:spPr>
+        <p:txBody>
+          <a:bodyPr vert="horz" lIns="0" tIns="30153" rIns="0" bIns="0" numCol="1" anchor="ctr" anchorCtr="0" compatLnSpc="1">
+            <a:prstTxWarp prst="textNoShape">
+              <a:avLst/>
+            </a:prstTxWarp>
+            <a:normAutofit lnSpcReduction="10000"/>
+          </a:bodyPr>
+          <a:lstStyle/>
+          <a:p>
+            <a:pPr marL="0" marR="0" lvl="0" indent="0" defTabSz="914400" rtl="0" eaLnBrk="0" fontAlgn="base" latinLnBrk="0" hangingPunct="0">
+              <a:lnSpc>
+                <a:spcPct val="100000"/>
+              </a:lnSpc>
+              <a:spcBef>
+                <a:spcPct val="0"/>
+              </a:spcBef>
+              <a:spcAft>
+                <a:spcPts val="600"/>
+              </a:spcAft>
+              <a:buClrTx/>
+              <a:buSzTx/>
+              <a:buFontTx/>
+              <a:buNone/>
+              <a:tabLst/>
+            </a:pPr>
+            <a:endParaRPr kumimoji="0" lang="en-US" altLang="en-US" b="0" i="0" u="none" strike="noStrike" cap="none" normalizeH="0" baseline="0" dirty="0">
+              <a:ln>
+                <a:noFill/>
+              </a:ln>
+              <a:effectLst/>
+              <a:latin typeface="Arial" panose="020B0604020202020204" pitchFamily="34" charset="0"/>
+            </a:endParaRPr>
+          </a:p>
+          <a:p>
+            <a:pPr marL="0" marR="0" lvl="0" indent="0" defTabSz="914400" rtl="0" eaLnBrk="0" fontAlgn="base" latinLnBrk="0" hangingPunct="0">
+              <a:lnSpc>
+                <a:spcPct val="100000"/>
+              </a:lnSpc>
+              <a:spcBef>
+                <a:spcPct val="0"/>
+              </a:spcBef>
+              <a:spcAft>
+                <a:spcPts val="600"/>
+              </a:spcAft>
+              <a:buClrTx/>
+              <a:buSzTx/>
+              <a:buFontTx/>
+              <a:buChar char="•"/>
+              <a:tabLst/>
+            </a:pPr>
+            <a:r>
+              <a:rPr kumimoji="0" lang="en-US" altLang="en-US" b="1" i="0" u="none" strike="noStrike" cap="none" normalizeH="0" baseline="0" dirty="0" err="1">
+                <a:ln>
+                  <a:noFill/>
+                </a:ln>
+                <a:effectLst/>
+                <a:latin typeface="Century Gothic" panose="020B0502020202020204" pitchFamily="34" charset="0"/>
+              </a:rPr>
+              <a:t>Метод</a:t>
+            </a:r>
+            <a:r>
+              <a:rPr kumimoji="0" lang="en-US" altLang="en-US" b="1" i="0" u="none" strike="noStrike" cap="none" normalizeH="0" baseline="0" dirty="0">
+                <a:ln>
+                  <a:noFill/>
+                </a:ln>
+                <a:effectLst/>
+                <a:latin typeface="Century Gothic" panose="020B0502020202020204" pitchFamily="34" charset="0"/>
+              </a:rPr>
+              <a:t> 1:</a:t>
+            </a:r>
+            <a:r>
+              <a:rPr kumimoji="0" lang="en-US" altLang="en-US" b="0" i="0" u="none" strike="noStrike" cap="none" normalizeH="0" baseline="0" dirty="0">
+                <a:ln>
+                  <a:noFill/>
+                </a:ln>
+                <a:effectLst/>
+                <a:latin typeface="Century Gothic" panose="020B0502020202020204" pitchFamily="34" charset="0"/>
+              </a:rPr>
+              <a:t> </a:t>
+            </a:r>
+            <a:r>
+              <a:rPr kumimoji="0" lang="en-US" altLang="en-US" b="0" i="0" u="none" strike="noStrike" cap="none" normalizeH="0" baseline="0" dirty="0" err="1">
+                <a:ln>
+                  <a:noFill/>
+                </a:ln>
+                <a:effectLst/>
+                <a:latin typeface="Century Gothic" panose="020B0502020202020204" pitchFamily="34" charset="0"/>
+              </a:rPr>
+              <a:t>Сравнение</a:t>
+            </a:r>
+            <a:r>
+              <a:rPr kumimoji="0" lang="en-US" altLang="en-US" b="0" i="0" u="none" strike="noStrike" cap="none" normalizeH="0" baseline="0" dirty="0">
+                <a:ln>
+                  <a:noFill/>
+                </a:ln>
+                <a:effectLst/>
+                <a:latin typeface="Century Gothic" panose="020B0502020202020204" pitchFamily="34" charset="0"/>
+              </a:rPr>
+              <a:t> </a:t>
+            </a:r>
+            <a:r>
+              <a:rPr kumimoji="0" lang="en-US" altLang="en-US" b="0" i="0" u="none" strike="noStrike" cap="none" normalizeH="0" baseline="0" dirty="0" err="1">
+                <a:ln>
+                  <a:noFill/>
+                </a:ln>
+                <a:effectLst/>
+                <a:latin typeface="Century Gothic" panose="020B0502020202020204" pitchFamily="34" charset="0"/>
+              </a:rPr>
+              <a:t>суммы</a:t>
+            </a:r>
+            <a:r>
+              <a:rPr kumimoji="0" lang="en-US" altLang="en-US" b="0" i="0" u="none" strike="noStrike" cap="none" normalizeH="0" baseline="0" dirty="0">
+                <a:ln>
+                  <a:noFill/>
+                </a:ln>
+                <a:effectLst/>
+                <a:latin typeface="Century Gothic" panose="020B0502020202020204" pitchFamily="34" charset="0"/>
+              </a:rPr>
+              <a:t> </a:t>
+            </a:r>
+            <a:r>
+              <a:rPr kumimoji="0" lang="en-US" altLang="en-US" b="0" i="0" u="none" strike="noStrike" cap="none" normalizeH="0" baseline="0" dirty="0" err="1">
+                <a:ln>
+                  <a:noFill/>
+                </a:ln>
+                <a:effectLst/>
+                <a:latin typeface="Century Gothic" panose="020B0502020202020204" pitchFamily="34" charset="0"/>
+              </a:rPr>
+              <a:t>dEStep</a:t>
+            </a:r>
+            <a:r>
+              <a:rPr kumimoji="0" lang="en-US" altLang="en-US" b="0" i="0" u="none" strike="noStrike" cap="none" normalizeH="0" baseline="0" dirty="0">
+                <a:ln>
+                  <a:noFill/>
+                </a:ln>
+                <a:effectLst/>
+                <a:latin typeface="Century Gothic" panose="020B0502020202020204" pitchFamily="34" charset="0"/>
+              </a:rPr>
+              <a:t> </a:t>
+            </a:r>
+            <a:r>
+              <a:rPr kumimoji="0" lang="en-US" altLang="en-US" b="0" i="0" u="none" strike="noStrike" cap="none" normalizeH="0" baseline="0" dirty="0" err="1">
+                <a:ln>
+                  <a:noFill/>
+                </a:ln>
+                <a:effectLst/>
+                <a:latin typeface="Century Gothic" panose="020B0502020202020204" pitchFamily="34" charset="0"/>
+              </a:rPr>
+              <a:t>с</a:t>
+            </a:r>
+            <a:r>
+              <a:rPr kumimoji="0" lang="en-US" altLang="en-US" b="0" i="0" u="none" strike="noStrike" cap="none" normalizeH="0" baseline="0" dirty="0">
+                <a:ln>
+                  <a:noFill/>
+                </a:ln>
+                <a:effectLst/>
+                <a:latin typeface="Century Gothic" panose="020B0502020202020204" pitchFamily="34" charset="0"/>
+              </a:rPr>
+              <a:t> Energy Deposit </a:t>
+            </a:r>
+            <a:r>
+              <a:rPr kumimoji="0" lang="en-US" altLang="en-US" b="0" i="0" u="none" strike="noStrike" cap="none" normalizeH="0" baseline="0" dirty="0" err="1">
+                <a:ln>
+                  <a:noFill/>
+                </a:ln>
+                <a:effectLst/>
+                <a:latin typeface="Century Gothic" panose="020B0502020202020204" pitchFamily="34" charset="0"/>
+              </a:rPr>
+              <a:t>из</a:t>
+            </a:r>
+            <a:r>
+              <a:rPr kumimoji="0" lang="en-US" altLang="en-US" b="0" i="0" u="none" strike="noStrike" cap="none" normalizeH="0" baseline="0" dirty="0">
+                <a:ln>
+                  <a:noFill/>
+                </a:ln>
+                <a:effectLst/>
+                <a:latin typeface="Century Gothic" panose="020B0502020202020204" pitchFamily="34" charset="0"/>
+              </a:rPr>
+              <a:t> </a:t>
+            </a:r>
+            <a:r>
+              <a:rPr kumimoji="0" lang="en-US" altLang="en-US" b="0" i="0" u="none" strike="noStrike" cap="none" normalizeH="0" baseline="0" dirty="0" err="1">
+                <a:ln>
+                  <a:noFill/>
+                </a:ln>
+                <a:effectLst/>
+                <a:latin typeface="Century Gothic" panose="020B0502020202020204" pitchFamily="34" charset="0"/>
+              </a:rPr>
+              <a:t>сводки</a:t>
+            </a:r>
+            <a:endParaRPr kumimoji="0" lang="en-US" altLang="en-US" b="0" i="0" u="none" strike="noStrike" cap="none" normalizeH="0" baseline="0" dirty="0">
+              <a:ln>
+                <a:noFill/>
+              </a:ln>
+              <a:effectLst/>
+              <a:latin typeface="Century Gothic" panose="020B0502020202020204" pitchFamily="34" charset="0"/>
+            </a:endParaRPr>
+          </a:p>
+          <a:p>
+            <a:pPr marL="0" marR="0" lvl="0" indent="0" defTabSz="914400" rtl="0" eaLnBrk="0" fontAlgn="base" latinLnBrk="0" hangingPunct="0">
+              <a:lnSpc>
+                <a:spcPct val="100000"/>
+              </a:lnSpc>
+              <a:spcBef>
+                <a:spcPct val="0"/>
+              </a:spcBef>
+              <a:spcAft>
+                <a:spcPts val="600"/>
+              </a:spcAft>
+              <a:buClrTx/>
+              <a:buSzTx/>
+              <a:buFontTx/>
+              <a:buChar char="•"/>
+              <a:tabLst/>
+            </a:pPr>
+            <a:r>
+              <a:rPr kumimoji="0" lang="en-US" altLang="en-US" b="1" i="0" u="none" strike="noStrike" cap="none" normalizeH="0" baseline="0" dirty="0" err="1">
+                <a:ln>
+                  <a:noFill/>
+                </a:ln>
+                <a:effectLst/>
+                <a:latin typeface="Century Gothic" panose="020B0502020202020204" pitchFamily="34" charset="0"/>
+              </a:rPr>
+              <a:t>Метод</a:t>
+            </a:r>
+            <a:r>
+              <a:rPr kumimoji="0" lang="en-US" altLang="en-US" b="1" i="0" u="none" strike="noStrike" cap="none" normalizeH="0" baseline="0" dirty="0">
+                <a:ln>
+                  <a:noFill/>
+                </a:ln>
+                <a:effectLst/>
+                <a:latin typeface="Century Gothic" panose="020B0502020202020204" pitchFamily="34" charset="0"/>
+              </a:rPr>
+              <a:t> 2:</a:t>
+            </a:r>
+            <a:r>
+              <a:rPr kumimoji="0" lang="en-US" altLang="en-US" b="0" i="0" u="none" strike="noStrike" cap="none" normalizeH="0" baseline="0" dirty="0">
+                <a:ln>
+                  <a:noFill/>
+                </a:ln>
+                <a:effectLst/>
+                <a:latin typeface="Century Gothic" panose="020B0502020202020204" pitchFamily="34" charset="0"/>
+              </a:rPr>
+              <a:t> </a:t>
+            </a:r>
+            <a:r>
+              <a:rPr kumimoji="0" lang="en-US" altLang="en-US" b="0" i="0" u="none" strike="noStrike" cap="none" normalizeH="0" baseline="0" dirty="0" err="1">
+                <a:ln>
+                  <a:noFill/>
+                </a:ln>
+                <a:effectLst/>
+                <a:latin typeface="Century Gothic" panose="020B0502020202020204" pitchFamily="34" charset="0"/>
+              </a:rPr>
+              <a:t>Проверка</a:t>
+            </a:r>
+            <a:r>
+              <a:rPr kumimoji="0" lang="en-US" altLang="en-US" b="0" i="0" u="none" strike="noStrike" cap="none" normalizeH="0" baseline="0" dirty="0">
+                <a:ln>
+                  <a:noFill/>
+                </a:ln>
+                <a:effectLst/>
+                <a:latin typeface="Century Gothic" panose="020B0502020202020204" pitchFamily="34" charset="0"/>
+              </a:rPr>
+              <a:t> </a:t>
+            </a:r>
+            <a:r>
+              <a:rPr kumimoji="0" lang="en-US" altLang="en-US" b="0" i="0" u="none" strike="noStrike" cap="none" normalizeH="0" baseline="0" dirty="0" err="1">
+                <a:ln>
+                  <a:noFill/>
+                </a:ln>
+                <a:effectLst/>
+                <a:latin typeface="Century Gothic" panose="020B0502020202020204" pitchFamily="34" charset="0"/>
+              </a:rPr>
+              <a:t>энергетического</a:t>
+            </a:r>
+            <a:r>
+              <a:rPr kumimoji="0" lang="en-US" altLang="en-US" b="0" i="0" u="none" strike="noStrike" cap="none" normalizeH="0" baseline="0" dirty="0">
+                <a:ln>
+                  <a:noFill/>
+                </a:ln>
+                <a:effectLst/>
+                <a:latin typeface="Century Gothic" panose="020B0502020202020204" pitchFamily="34" charset="0"/>
+              </a:rPr>
+              <a:t> </a:t>
+            </a:r>
+            <a:r>
+              <a:rPr kumimoji="0" lang="en-US" altLang="en-US" b="0" i="0" u="none" strike="noStrike" cap="none" normalizeH="0" baseline="0" dirty="0" err="1">
+                <a:ln>
+                  <a:noFill/>
+                </a:ln>
+                <a:effectLst/>
+                <a:latin typeface="Century Gothic" panose="020B0502020202020204" pitchFamily="34" charset="0"/>
+              </a:rPr>
+              <a:t>баланса</a:t>
+            </a:r>
+            <a:r>
+              <a:rPr kumimoji="0" lang="en-US" altLang="en-US" b="0" i="0" u="none" strike="noStrike" cap="none" normalizeH="0" baseline="0" dirty="0">
+                <a:ln>
+                  <a:noFill/>
+                </a:ln>
+                <a:effectLst/>
+                <a:latin typeface="Century Gothic" panose="020B0502020202020204" pitchFamily="34" charset="0"/>
+              </a:rPr>
+              <a:t> (</a:t>
+            </a:r>
+            <a:r>
+              <a:rPr kumimoji="0" lang="en-US" altLang="en-US" b="0" i="0" u="none" strike="noStrike" cap="none" normalizeH="0" baseline="0" dirty="0" err="1">
+                <a:ln>
+                  <a:noFill/>
+                </a:ln>
+                <a:effectLst/>
+                <a:latin typeface="Century Gothic" panose="020B0502020202020204" pitchFamily="34" charset="0"/>
+              </a:rPr>
+              <a:t>Нач</a:t>
+            </a:r>
+            <a:r>
+              <a:rPr kumimoji="0" lang="en-US" altLang="en-US" b="0" i="0" u="none" strike="noStrike" cap="none" normalizeH="0" baseline="0" dirty="0">
+                <a:ln>
+                  <a:noFill/>
+                </a:ln>
+                <a:effectLst/>
+                <a:latin typeface="Century Gothic" panose="020B0502020202020204" pitchFamily="34" charset="0"/>
+              </a:rPr>
+              <a:t>. </a:t>
+            </a:r>
+            <a:r>
+              <a:rPr kumimoji="0" lang="en-US" altLang="en-US" b="0" i="0" u="none" strike="noStrike" cap="none" normalizeH="0" baseline="0" dirty="0" err="1">
+                <a:ln>
+                  <a:noFill/>
+                </a:ln>
+                <a:effectLst/>
+                <a:latin typeface="Century Gothic" panose="020B0502020202020204" pitchFamily="34" charset="0"/>
+              </a:rPr>
+              <a:t>энергия</a:t>
+            </a:r>
+            <a:r>
+              <a:rPr kumimoji="0" lang="en-US" altLang="en-US" b="0" i="0" u="none" strike="noStrike" cap="none" normalizeH="0" baseline="0" dirty="0">
+                <a:ln>
+                  <a:noFill/>
+                </a:ln>
+                <a:effectLst/>
+                <a:latin typeface="Century Gothic" panose="020B0502020202020204" pitchFamily="34" charset="0"/>
+              </a:rPr>
+              <a:t> = </a:t>
+            </a:r>
+            <a:r>
+              <a:rPr kumimoji="0" lang="en-US" altLang="en-US" b="0" i="0" u="none" strike="noStrike" cap="none" normalizeH="0" baseline="0" dirty="0" err="1">
+                <a:ln>
+                  <a:noFill/>
+                </a:ln>
+                <a:effectLst/>
+                <a:latin typeface="Century Gothic" panose="020B0502020202020204" pitchFamily="34" charset="0"/>
+              </a:rPr>
+              <a:t>E_deposit</a:t>
+            </a:r>
+            <a:r>
+              <a:rPr kumimoji="0" lang="en-US" altLang="en-US" b="0" i="0" u="none" strike="noStrike" cap="none" normalizeH="0" baseline="0" dirty="0">
+                <a:ln>
+                  <a:noFill/>
+                </a:ln>
+                <a:effectLst/>
+                <a:latin typeface="Century Gothic" panose="020B0502020202020204" pitchFamily="34" charset="0"/>
+              </a:rPr>
+              <a:t> + </a:t>
+            </a:r>
+            <a:r>
+              <a:rPr kumimoji="0" lang="en-US" altLang="en-US" b="0" i="0" u="none" strike="noStrike" cap="none" normalizeH="0" baseline="0" dirty="0" err="1">
+                <a:ln>
+                  <a:noFill/>
+                </a:ln>
+                <a:effectLst/>
+                <a:latin typeface="Century Gothic" panose="020B0502020202020204" pitchFamily="34" charset="0"/>
+              </a:rPr>
+              <a:t>E_leakage</a:t>
+            </a:r>
+            <a:r>
+              <a:rPr kumimoji="0" lang="en-US" altLang="en-US" b="0" i="0" u="none" strike="noStrike" cap="none" normalizeH="0" baseline="0" dirty="0">
+                <a:ln>
+                  <a:noFill/>
+                </a:ln>
+                <a:effectLst/>
+                <a:latin typeface="Century Gothic" panose="020B0502020202020204" pitchFamily="34" charset="0"/>
+              </a:rPr>
+              <a:t>)</a:t>
+            </a:r>
+          </a:p>
+          <a:p>
+            <a:pPr marL="0" marR="0" lvl="0" indent="0" defTabSz="914400" rtl="0" eaLnBrk="0" fontAlgn="base" latinLnBrk="0" hangingPunct="0">
+              <a:lnSpc>
+                <a:spcPct val="100000"/>
+              </a:lnSpc>
+              <a:spcBef>
+                <a:spcPct val="0"/>
+              </a:spcBef>
+              <a:spcAft>
+                <a:spcPts val="600"/>
+              </a:spcAft>
+              <a:buClrTx/>
+              <a:buSzTx/>
+              <a:buFontTx/>
+              <a:buChar char="•"/>
+              <a:tabLst/>
+            </a:pPr>
+            <a:r>
+              <a:rPr kumimoji="0" lang="en-US" altLang="en-US" b="1" i="0" u="none" strike="noStrike" cap="none" normalizeH="0" baseline="0" dirty="0" err="1">
+                <a:ln>
+                  <a:noFill/>
+                </a:ln>
+                <a:effectLst/>
+                <a:latin typeface="Century Gothic" panose="020B0502020202020204" pitchFamily="34" charset="0"/>
+              </a:rPr>
+              <a:t>Сверка</a:t>
+            </a:r>
+            <a:r>
+              <a:rPr kumimoji="0" lang="en-US" altLang="en-US" b="1" i="0" u="none" strike="noStrike" cap="none" normalizeH="0" baseline="0" dirty="0">
+                <a:ln>
+                  <a:noFill/>
+                </a:ln>
+                <a:effectLst/>
+                <a:latin typeface="Century Gothic" panose="020B0502020202020204" pitchFamily="34" charset="0"/>
+              </a:rPr>
+              <a:t> </a:t>
+            </a:r>
+            <a:r>
+              <a:rPr kumimoji="0" lang="en-US" altLang="en-US" b="1" i="0" u="none" strike="noStrike" cap="none" normalizeH="0" baseline="0" dirty="0" err="1">
+                <a:ln>
+                  <a:noFill/>
+                </a:ln>
+                <a:effectLst/>
+                <a:latin typeface="Century Gothic" panose="020B0502020202020204" pitchFamily="34" charset="0"/>
+              </a:rPr>
+              <a:t>частот</a:t>
+            </a:r>
+            <a:r>
+              <a:rPr kumimoji="0" lang="en-US" altLang="en-US" b="1" i="0" u="none" strike="noStrike" cap="none" normalizeH="0" baseline="0" dirty="0">
+                <a:ln>
+                  <a:noFill/>
+                </a:ln>
+                <a:effectLst/>
+                <a:latin typeface="Century Gothic" panose="020B0502020202020204" pitchFamily="34" charset="0"/>
+              </a:rPr>
+              <a:t> </a:t>
+            </a:r>
+            <a:r>
+              <a:rPr kumimoji="0" lang="en-US" altLang="en-US" b="1" i="0" u="none" strike="noStrike" cap="none" normalizeH="0" baseline="0" dirty="0" err="1">
+                <a:ln>
+                  <a:noFill/>
+                </a:ln>
+                <a:effectLst/>
+                <a:latin typeface="Century Gothic" panose="020B0502020202020204" pitchFamily="34" charset="0"/>
+              </a:rPr>
+              <a:t>процессов</a:t>
+            </a:r>
+            <a:r>
+              <a:rPr kumimoji="0" lang="en-US" altLang="en-US" b="0" i="0" u="none" strike="noStrike" cap="none" normalizeH="0" baseline="0" dirty="0">
+                <a:ln>
+                  <a:noFill/>
+                </a:ln>
+                <a:effectLst/>
+                <a:latin typeface="Century Gothic" panose="020B0502020202020204" pitchFamily="34" charset="0"/>
+              </a:rPr>
+              <a:t> </a:t>
+            </a:r>
+            <a:r>
+              <a:rPr kumimoji="0" lang="en-US" altLang="en-US" b="0" i="0" u="none" strike="noStrike" cap="none" normalizeH="0" baseline="0" dirty="0" err="1">
+                <a:ln>
+                  <a:noFill/>
+                </a:ln>
+                <a:effectLst/>
+                <a:latin typeface="Century Gothic" panose="020B0502020202020204" pitchFamily="34" charset="0"/>
+              </a:rPr>
+              <a:t>с</a:t>
+            </a:r>
+            <a:r>
+              <a:rPr kumimoji="0" lang="en-US" altLang="en-US" b="0" i="0" u="none" strike="noStrike" cap="none" normalizeH="0" baseline="0" dirty="0">
+                <a:ln>
+                  <a:noFill/>
+                </a:ln>
+                <a:effectLst/>
+                <a:latin typeface="Century Gothic" panose="020B0502020202020204" pitchFamily="34" charset="0"/>
+              </a:rPr>
+              <a:t> </a:t>
+            </a:r>
+            <a:r>
+              <a:rPr kumimoji="0" lang="en-US" altLang="en-US" b="0" i="0" u="none" strike="noStrike" cap="none" normalizeH="0" baseline="0" dirty="0" err="1">
+                <a:ln>
+                  <a:noFill/>
+                </a:ln>
+                <a:effectLst/>
+                <a:latin typeface="Century Gothic" panose="020B0502020202020204" pitchFamily="34" charset="0"/>
+              </a:rPr>
+              <a:t>разделом</a:t>
+            </a:r>
+            <a:r>
+              <a:rPr kumimoji="0" lang="en-US" altLang="en-US" b="0" i="0" u="none" strike="noStrike" cap="none" normalizeH="0" baseline="0" dirty="0">
+                <a:ln>
+                  <a:noFill/>
+                </a:ln>
+                <a:effectLst/>
+                <a:latin typeface="Century Gothic" panose="020B0502020202020204" pitchFamily="34" charset="0"/>
+              </a:rPr>
+              <a:t> "Process calls frequency"</a:t>
+            </a:r>
+          </a:p>
+          <a:p>
+            <a:pPr marL="0" marR="0" lvl="0" indent="0" defTabSz="914400" rtl="0" eaLnBrk="0" fontAlgn="base" latinLnBrk="0" hangingPunct="0">
+              <a:lnSpc>
+                <a:spcPct val="100000"/>
+              </a:lnSpc>
+              <a:spcBef>
+                <a:spcPct val="0"/>
+              </a:spcBef>
+              <a:spcAft>
+                <a:spcPts val="600"/>
+              </a:spcAft>
+              <a:buClrTx/>
+              <a:buSzTx/>
+              <a:buFontTx/>
+              <a:buChar char="•"/>
+              <a:tabLst/>
+            </a:pPr>
+            <a:r>
+              <a:rPr kumimoji="0" lang="en-US" altLang="en-US" b="1" i="0" u="none" strike="noStrike" cap="none" normalizeH="0" baseline="0" dirty="0" err="1">
+                <a:ln>
+                  <a:noFill/>
+                </a:ln>
+                <a:effectLst/>
+                <a:latin typeface="Century Gothic" panose="020B0502020202020204" pitchFamily="34" charset="0"/>
+              </a:rPr>
+              <a:t>Автоматический</a:t>
+            </a:r>
+            <a:r>
+              <a:rPr kumimoji="0" lang="en-US" altLang="en-US" b="1" i="0" u="none" strike="noStrike" cap="none" normalizeH="0" baseline="0" dirty="0">
+                <a:ln>
+                  <a:noFill/>
+                </a:ln>
+                <a:effectLst/>
+                <a:latin typeface="Century Gothic" panose="020B0502020202020204" pitchFamily="34" charset="0"/>
+              </a:rPr>
+              <a:t> </a:t>
+            </a:r>
+            <a:r>
+              <a:rPr kumimoji="0" lang="en-US" altLang="en-US" b="1" i="0" u="none" strike="noStrike" cap="none" normalizeH="0" baseline="0" dirty="0" err="1">
+                <a:ln>
+                  <a:noFill/>
+                </a:ln>
+                <a:effectLst/>
+                <a:latin typeface="Century Gothic" panose="020B0502020202020204" pitchFamily="34" charset="0"/>
+              </a:rPr>
+              <a:t>отчет</a:t>
+            </a:r>
+            <a:r>
+              <a:rPr kumimoji="0" lang="en-US" altLang="en-US" b="0" i="0" u="none" strike="noStrike" cap="none" normalizeH="0" baseline="0" dirty="0">
+                <a:ln>
+                  <a:noFill/>
+                </a:ln>
+                <a:effectLst/>
+                <a:latin typeface="Century Gothic" panose="020B0502020202020204" pitchFamily="34" charset="0"/>
+              </a:rPr>
+              <a:t> </a:t>
+            </a:r>
+            <a:r>
+              <a:rPr kumimoji="0" lang="en-US" altLang="en-US" b="0" i="0" u="none" strike="noStrike" cap="none" normalizeH="0" baseline="0" dirty="0" err="1">
+                <a:ln>
+                  <a:noFill/>
+                </a:ln>
+                <a:effectLst/>
+                <a:latin typeface="Century Gothic" panose="020B0502020202020204" pitchFamily="34" charset="0"/>
+              </a:rPr>
+              <a:t>с</a:t>
+            </a:r>
+            <a:r>
+              <a:rPr kumimoji="0" lang="en-US" altLang="en-US" b="0" i="0" u="none" strike="noStrike" cap="none" normalizeH="0" baseline="0" dirty="0">
+                <a:ln>
+                  <a:noFill/>
+                </a:ln>
+                <a:effectLst/>
+                <a:latin typeface="Century Gothic" panose="020B0502020202020204" pitchFamily="34" charset="0"/>
+              </a:rPr>
+              <a:t> </a:t>
+            </a:r>
+            <a:r>
+              <a:rPr kumimoji="0" lang="en-US" altLang="en-US" b="0" i="0" u="none" strike="noStrike" cap="none" normalizeH="0" baseline="0" dirty="0" err="1">
+                <a:ln>
+                  <a:noFill/>
+                </a:ln>
+                <a:effectLst/>
+                <a:latin typeface="Century Gothic" panose="020B0502020202020204" pitchFamily="34" charset="0"/>
+              </a:rPr>
+              <a:t>абсолютными</a:t>
+            </a:r>
+            <a:r>
+              <a:rPr kumimoji="0" lang="en-US" altLang="en-US" b="0" i="0" u="none" strike="noStrike" cap="none" normalizeH="0" baseline="0" dirty="0">
+                <a:ln>
+                  <a:noFill/>
+                </a:ln>
+                <a:effectLst/>
+                <a:latin typeface="Century Gothic" panose="020B0502020202020204" pitchFamily="34" charset="0"/>
+              </a:rPr>
+              <a:t> </a:t>
+            </a:r>
+            <a:r>
+              <a:rPr kumimoji="0" lang="en-US" altLang="en-US" b="0" i="0" u="none" strike="noStrike" cap="none" normalizeH="0" baseline="0" dirty="0" err="1">
+                <a:ln>
+                  <a:noFill/>
+                </a:ln>
+                <a:effectLst/>
+                <a:latin typeface="Century Gothic" panose="020B0502020202020204" pitchFamily="34" charset="0"/>
+              </a:rPr>
+              <a:t>и</a:t>
+            </a:r>
+            <a:r>
+              <a:rPr kumimoji="0" lang="en-US" altLang="en-US" b="0" i="0" u="none" strike="noStrike" cap="none" normalizeH="0" baseline="0" dirty="0">
+                <a:ln>
+                  <a:noFill/>
+                </a:ln>
+                <a:effectLst/>
+                <a:latin typeface="Century Gothic" panose="020B0502020202020204" pitchFamily="34" charset="0"/>
+              </a:rPr>
+              <a:t> </a:t>
+            </a:r>
+            <a:r>
+              <a:rPr kumimoji="0" lang="en-US" altLang="en-US" b="0" i="0" u="none" strike="noStrike" cap="none" normalizeH="0" baseline="0" dirty="0" err="1">
+                <a:ln>
+                  <a:noFill/>
+                </a:ln>
+                <a:effectLst/>
+                <a:latin typeface="Century Gothic" panose="020B0502020202020204" pitchFamily="34" charset="0"/>
+              </a:rPr>
+              <a:t>относительными</a:t>
+            </a:r>
+            <a:r>
+              <a:rPr kumimoji="0" lang="en-US" altLang="en-US" b="0" i="0" u="none" strike="noStrike" cap="none" normalizeH="0" baseline="0" dirty="0">
+                <a:ln>
+                  <a:noFill/>
+                </a:ln>
+                <a:effectLst/>
+                <a:latin typeface="Century Gothic" panose="020B0502020202020204" pitchFamily="34" charset="0"/>
+              </a:rPr>
+              <a:t> </a:t>
+            </a:r>
+            <a:r>
+              <a:rPr kumimoji="0" lang="en-US" altLang="en-US" b="0" i="0" u="none" strike="noStrike" cap="none" normalizeH="0" baseline="0" dirty="0" err="1">
+                <a:ln>
+                  <a:noFill/>
+                </a:ln>
+                <a:effectLst/>
+                <a:latin typeface="Century Gothic" panose="020B0502020202020204" pitchFamily="34" charset="0"/>
+              </a:rPr>
+              <a:t>расхождениями</a:t>
+            </a:r>
+            <a:endParaRPr kumimoji="0" lang="en-US" altLang="en-US" b="0" i="0" u="none" strike="noStrike" cap="none" normalizeH="0" baseline="0" dirty="0">
+              <a:ln>
+                <a:noFill/>
+              </a:ln>
+              <a:effectLst/>
+              <a:latin typeface="Century Gothic" panose="020B0502020202020204" pitchFamily="34" charset="0"/>
+            </a:endParaRPr>
+          </a:p>
+          <a:p>
+            <a:pPr marL="0" marR="0" lvl="0" indent="0" defTabSz="914400" rtl="0" eaLnBrk="0" fontAlgn="base" latinLnBrk="0" hangingPunct="0">
+              <a:lnSpc>
+                <a:spcPct val="100000"/>
+              </a:lnSpc>
+              <a:spcBef>
+                <a:spcPct val="0"/>
+              </a:spcBef>
+              <a:spcAft>
+                <a:spcPts val="600"/>
+              </a:spcAft>
+              <a:buClrTx/>
+              <a:buSzTx/>
+              <a:buFontTx/>
+              <a:buNone/>
+              <a:tabLst/>
+            </a:pPr>
+            <a:endParaRPr kumimoji="0" lang="en-US" altLang="en-US" b="0" i="0" u="none" strike="noStrike" cap="none" normalizeH="0" baseline="0" dirty="0">
+              <a:ln>
+                <a:noFill/>
+              </a:ln>
+              <a:effectLst/>
+              <a:latin typeface="Arial" panose="020B0604020202020204" pitchFamily="34" charset="0"/>
+            </a:endParaRPr>
+          </a:p>
+        </p:txBody>
+      </p:sp>
+      <p:pic>
+        <p:nvPicPr>
+          <p:cNvPr id="8" name="Graphic 7" descr="Bank Check">
+            <a:extLst>
+              <a:ext uri="{FF2B5EF4-FFF2-40B4-BE49-F238E27FC236}">
+                <a16:creationId xmlns:a16="http://schemas.microsoft.com/office/drawing/2014/main" id="{B0CBE615-B0EB-CB2C-D23C-3BD54DDFBC1D}"/>
+              </a:ext>
+            </a:extLst>
+          </p:cNvPr>
+          <p:cNvPicPr>
+            <a:picLocks noChangeAspect="1"/>
+          </p:cNvPicPr>
+          <p:nvPr/>
+        </p:nvPicPr>
+        <p:blipFill>
+          <a:blip r:embed="rId2">
+            <a:extLst>
+              <a:ext uri="{28A0092B-C50C-407E-A947-70E740481C1C}">
+                <a14:useLocalDpi xmlns:a14="http://schemas.microsoft.com/office/drawing/2010/main" val="0"/>
+              </a:ext>
+              <a:ext uri="{96DAC541-7B7A-43D3-8B79-37D633B846F1}">
+                <asvg:svgBlip xmlns:asvg="http://schemas.microsoft.com/office/drawing/2016/SVG/main" r:embed="rId3"/>
+              </a:ext>
+            </a:extLst>
+          </a:blip>
+          <a:stretch>
+            <a:fillRect/>
+          </a:stretch>
+        </p:blipFill>
+        <p:spPr>
+          <a:xfrm>
+            <a:off x="7755253" y="2413169"/>
+            <a:ext cx="3370396" cy="3370396"/>
+          </a:xfrm>
+          <a:prstGeom prst="rect">
+            <a:avLst/>
+          </a:prstGeom>
+        </p:spPr>
+      </p:pic>
+      <p:sp>
+        <p:nvSpPr>
+          <p:cNvPr id="15" name="Freeform 6">
+            <a:extLst>
+              <a:ext uri="{FF2B5EF4-FFF2-40B4-BE49-F238E27FC236}">
+                <a16:creationId xmlns:a16="http://schemas.microsoft.com/office/drawing/2014/main" id="{A101E513-AF74-4E9D-A31F-99664250722D}"/>
+              </a:ext>
+              <a:ext uri="{C183D7F6-B498-43B3-948B-1728B52AA6E4}">
+                <adec:decorative xmlns:adec="http://schemas.microsoft.com/office/drawing/2017/decorative" val="1"/>
+              </a:ext>
+            </a:extLst>
+          </p:cNvPr>
+          <p:cNvSpPr>
+            <a:spLocks noGrp="1" noRot="1" noChangeAspect="1" noMove="1" noResize="1" noEditPoints="1" noAdjustHandles="1" noChangeArrowheads="1" noChangeShapeType="1" noTextEdit="1"/>
+          </p:cNvSpPr>
+          <p:nvPr>
+            <p:extLst>
+              <p:ext uri="{386F3935-93C4-4BCD-93E2-E3B085C9AB24}">
+                <p16:designElem xmlns:p16="http://schemas.microsoft.com/office/powerpoint/2015/main" val="1"/>
+              </p:ext>
+            </p:extLst>
+          </p:nvPr>
+        </p:nvSpPr>
+        <p:spPr bwMode="auto">
+          <a:xfrm>
+            <a:off x="11784011" y="5783564"/>
+            <a:ext cx="407988" cy="819150"/>
+          </a:xfrm>
+          <a:custGeom>
+            <a:avLst/>
+            <a:gdLst/>
+            <a:ahLst/>
+            <a:cxnLst/>
+            <a:rect l="0" t="0" r="r" b="b"/>
+            <a:pathLst>
+              <a:path w="1799" h="3612">
+                <a:moveTo>
+                  <a:pt x="1799" y="0"/>
+                </a:moveTo>
+                <a:lnTo>
+                  <a:pt x="1799" y="3612"/>
+                </a:lnTo>
+                <a:lnTo>
+                  <a:pt x="1686" y="3609"/>
+                </a:lnTo>
+                <a:lnTo>
+                  <a:pt x="1574" y="3598"/>
+                </a:lnTo>
+                <a:lnTo>
+                  <a:pt x="1464" y="3581"/>
+                </a:lnTo>
+                <a:lnTo>
+                  <a:pt x="1357" y="3557"/>
+                </a:lnTo>
+                <a:lnTo>
+                  <a:pt x="1251" y="3527"/>
+                </a:lnTo>
+                <a:lnTo>
+                  <a:pt x="1150" y="3490"/>
+                </a:lnTo>
+                <a:lnTo>
+                  <a:pt x="1050" y="3448"/>
+                </a:lnTo>
+                <a:lnTo>
+                  <a:pt x="953" y="3401"/>
+                </a:lnTo>
+                <a:lnTo>
+                  <a:pt x="860" y="3347"/>
+                </a:lnTo>
+                <a:lnTo>
+                  <a:pt x="771" y="3289"/>
+                </a:lnTo>
+                <a:lnTo>
+                  <a:pt x="686" y="3224"/>
+                </a:lnTo>
+                <a:lnTo>
+                  <a:pt x="604" y="3156"/>
+                </a:lnTo>
+                <a:lnTo>
+                  <a:pt x="527" y="3083"/>
+                </a:lnTo>
+                <a:lnTo>
+                  <a:pt x="454" y="3005"/>
+                </a:lnTo>
+                <a:lnTo>
+                  <a:pt x="386" y="2923"/>
+                </a:lnTo>
+                <a:lnTo>
+                  <a:pt x="323" y="2838"/>
+                </a:lnTo>
+                <a:lnTo>
+                  <a:pt x="265" y="2748"/>
+                </a:lnTo>
+                <a:lnTo>
+                  <a:pt x="211" y="2655"/>
+                </a:lnTo>
+                <a:lnTo>
+                  <a:pt x="163" y="2559"/>
+                </a:lnTo>
+                <a:lnTo>
+                  <a:pt x="121" y="2459"/>
+                </a:lnTo>
+                <a:lnTo>
+                  <a:pt x="85" y="2356"/>
+                </a:lnTo>
+                <a:lnTo>
+                  <a:pt x="55" y="2251"/>
+                </a:lnTo>
+                <a:lnTo>
+                  <a:pt x="32" y="2143"/>
+                </a:lnTo>
+                <a:lnTo>
+                  <a:pt x="14" y="2033"/>
+                </a:lnTo>
+                <a:lnTo>
+                  <a:pt x="4" y="1920"/>
+                </a:lnTo>
+                <a:lnTo>
+                  <a:pt x="0" y="1806"/>
+                </a:lnTo>
+                <a:lnTo>
+                  <a:pt x="4" y="1692"/>
+                </a:lnTo>
+                <a:lnTo>
+                  <a:pt x="14" y="1580"/>
+                </a:lnTo>
+                <a:lnTo>
+                  <a:pt x="32" y="1469"/>
+                </a:lnTo>
+                <a:lnTo>
+                  <a:pt x="55" y="1362"/>
+                </a:lnTo>
+                <a:lnTo>
+                  <a:pt x="85" y="1256"/>
+                </a:lnTo>
+                <a:lnTo>
+                  <a:pt x="121" y="1154"/>
+                </a:lnTo>
+                <a:lnTo>
+                  <a:pt x="163" y="1054"/>
+                </a:lnTo>
+                <a:lnTo>
+                  <a:pt x="211" y="958"/>
+                </a:lnTo>
+                <a:lnTo>
+                  <a:pt x="265" y="864"/>
+                </a:lnTo>
+                <a:lnTo>
+                  <a:pt x="323" y="774"/>
+                </a:lnTo>
+                <a:lnTo>
+                  <a:pt x="386" y="689"/>
+                </a:lnTo>
+                <a:lnTo>
+                  <a:pt x="454" y="607"/>
+                </a:lnTo>
+                <a:lnTo>
+                  <a:pt x="527" y="529"/>
+                </a:lnTo>
+                <a:lnTo>
+                  <a:pt x="604" y="456"/>
+                </a:lnTo>
+                <a:lnTo>
+                  <a:pt x="686" y="388"/>
+                </a:lnTo>
+                <a:lnTo>
+                  <a:pt x="771" y="325"/>
+                </a:lnTo>
+                <a:lnTo>
+                  <a:pt x="860" y="266"/>
+                </a:lnTo>
+                <a:lnTo>
+                  <a:pt x="953" y="212"/>
+                </a:lnTo>
+                <a:lnTo>
+                  <a:pt x="1050" y="164"/>
+                </a:lnTo>
+                <a:lnTo>
+                  <a:pt x="1150" y="122"/>
+                </a:lnTo>
+                <a:lnTo>
+                  <a:pt x="1251" y="85"/>
+                </a:lnTo>
+                <a:lnTo>
+                  <a:pt x="1357" y="55"/>
+                </a:lnTo>
+                <a:lnTo>
+                  <a:pt x="1464" y="32"/>
+                </a:lnTo>
+                <a:lnTo>
+                  <a:pt x="1574" y="14"/>
+                </a:lnTo>
+                <a:lnTo>
+                  <a:pt x="1686" y="5"/>
+                </a:lnTo>
+                <a:lnTo>
+                  <a:pt x="1799" y="0"/>
+                </a:lnTo>
+                <a:close/>
+              </a:path>
+            </a:pathLst>
+          </a:custGeom>
+          <a:solidFill>
+            <a:schemeClr val="tx1">
+              <a:lumMod val="85000"/>
+              <a:lumOff val="15000"/>
+            </a:schemeClr>
+          </a:solidFill>
+          <a:ln w="0">
+            <a:noFill/>
+            <a:prstDash val="solid"/>
+            <a:round/>
+            <a:headEnd/>
+            <a:tailEnd/>
+          </a:ln>
+        </p:spPr>
+        <p:txBody>
+          <a:bodyPr anchor="ctr"/>
+          <a:lstStyle/>
+          <a:p>
+            <a:endParaRPr lang="en-US"/>
+          </a:p>
+        </p:txBody>
+      </p:sp>
+    </p:spTree>
+    <p:extLst>
+      <p:ext uri="{BB962C8B-B14F-4D97-AF65-F5344CB8AC3E}">
+        <p14:creationId xmlns:p14="http://schemas.microsoft.com/office/powerpoint/2010/main" val="108081531"/>
+      </p:ext>
+    </p:extLst>
+  </p:cSld>
+  <p:clrMapOvr>
+    <a:masterClrMapping/>
+  </p:clrMapOvr>
+</p:sld>
+</file>
+
+<file path=ppt/slides/slide16.xml><?xml version="1.0" encoding="utf-8"?>
+<p:sld xmlns:a="http://schemas.openxmlformats.org/drawingml/2006/main" xmlns:r="http://schemas.openxmlformats.org/officeDocument/2006/relationships" xmlns:p="http://schemas.openxmlformats.org/presentationml/2006/main">
+  <p:cSld>
     <p:bg>
       <p:bgPr>
         <a:solidFill>
@@ -9123,7 +11797,7 @@
 </p:sld>
 </file>
 
-<file path=ppt/slides/slide11.xml><?xml version="1.0" encoding="utf-8"?>
+<file path=ppt/slides/slide17.xml><?xml version="1.0" encoding="utf-8"?>
 <p:sld xmlns:a="http://schemas.openxmlformats.org/drawingml/2006/main" xmlns:r="http://schemas.openxmlformats.org/officeDocument/2006/relationships" xmlns:p="http://schemas.openxmlformats.org/presentationml/2006/main">
   <p:cSld>
     <p:bg>
@@ -9512,7 +12186,7 @@
 </p:sld>
 </file>
 
-<file path=ppt/slides/slide12.xml><?xml version="1.0" encoding="utf-8"?>
+<file path=ppt/slides/slide18.xml><?xml version="1.0" encoding="utf-8"?>
 <p:sld xmlns:a="http://schemas.openxmlformats.org/drawingml/2006/main" xmlns:r="http://schemas.openxmlformats.org/officeDocument/2006/relationships" xmlns:p="http://schemas.openxmlformats.org/presentationml/2006/main">
   <p:cSld>
     <p:bg>
@@ -10209,6 +12883,41 @@
           </a:p>
         </p:txBody>
       </p:sp>
+      <p:sp>
+        <p:nvSpPr>
+          <p:cNvPr id="4" name="TextBox 3">
+            <a:extLst>
+              <a:ext uri="{FF2B5EF4-FFF2-40B4-BE49-F238E27FC236}">
+                <a16:creationId xmlns:a16="http://schemas.microsoft.com/office/drawing/2014/main" id="{1795A984-6992-B25E-F98D-D6FE66F2AE81}"/>
+              </a:ext>
+            </a:extLst>
+          </p:cNvPr>
+          <p:cNvSpPr txBox="1"/>
+          <p:nvPr/>
+        </p:nvSpPr>
+        <p:spPr>
+          <a:xfrm>
+            <a:off x="8182470" y="2149799"/>
+            <a:ext cx="4179212" cy="369332"/>
+          </a:xfrm>
+          <a:prstGeom prst="rect">
+            <a:avLst/>
+          </a:prstGeom>
+          <a:noFill/>
+        </p:spPr>
+        <p:txBody>
+          <a:bodyPr wrap="square">
+            <a:spAutoFit/>
+          </a:bodyPr>
+          <a:lstStyle/>
+          <a:p>
+            <a:r>
+              <a:rPr lang="ru-RU" dirty="0"/>
+              <a:t>https://github.com/mruax/CGW_VSR</a:t>
+            </a:r>
+          </a:p>
+        </p:txBody>
+      </p:sp>
     </p:spTree>
     <p:extLst>
       <p:ext uri="{BB962C8B-B14F-4D97-AF65-F5344CB8AC3E}">
@@ -15461,6 +18170,226 @@
 <file path=ppt/slides/slide6.xml><?xml version="1.0" encoding="utf-8"?>
 <p:sld xmlns:a="http://schemas.openxmlformats.org/drawingml/2006/main" xmlns:r="http://schemas.openxmlformats.org/officeDocument/2006/relationships" xmlns:p="http://schemas.openxmlformats.org/presentationml/2006/main">
   <p:cSld>
+    <p:spTree>
+      <p:nvGrpSpPr>
+        <p:cNvPr id="1" name=""/>
+        <p:cNvGrpSpPr/>
+        <p:nvPr/>
+      </p:nvGrpSpPr>
+      <p:grpSpPr>
+        <a:xfrm>
+          <a:off x="0" y="0"/>
+          <a:ext cx="0" cy="0"/>
+          <a:chOff x="0" y="0"/>
+          <a:chExt cx="0" cy="0"/>
+        </a:xfrm>
+      </p:grpSpPr>
+      <p:sp>
+        <p:nvSpPr>
+          <p:cNvPr id="2" name="Заголовок 1">
+            <a:extLst>
+              <a:ext uri="{FF2B5EF4-FFF2-40B4-BE49-F238E27FC236}">
+                <a16:creationId xmlns:a16="http://schemas.microsoft.com/office/drawing/2014/main" id="{9F7A5A2E-892C-3321-5C65-FD2F4B7D463E}"/>
+              </a:ext>
+            </a:extLst>
+          </p:cNvPr>
+          <p:cNvSpPr>
+            <a:spLocks noGrp="1"/>
+          </p:cNvSpPr>
+          <p:nvPr>
+            <p:ph type="title"/>
+          </p:nvPr>
+        </p:nvSpPr>
+        <p:spPr/>
+        <p:txBody>
+          <a:bodyPr/>
+          <a:lstStyle/>
+          <a:p>
+            <a:endParaRPr lang="ru-RU"/>
+          </a:p>
+        </p:txBody>
+      </p:sp>
+      <p:sp>
+        <p:nvSpPr>
+          <p:cNvPr id="3" name="Объект 2">
+            <a:extLst>
+              <a:ext uri="{FF2B5EF4-FFF2-40B4-BE49-F238E27FC236}">
+                <a16:creationId xmlns:a16="http://schemas.microsoft.com/office/drawing/2014/main" id="{A3C4FA16-88B9-69D1-59B2-6857FF4DB434}"/>
+              </a:ext>
+            </a:extLst>
+          </p:cNvPr>
+          <p:cNvSpPr>
+            <a:spLocks noGrp="1"/>
+          </p:cNvSpPr>
+          <p:nvPr>
+            <p:ph idx="1"/>
+          </p:nvPr>
+        </p:nvSpPr>
+        <p:spPr/>
+        <p:txBody>
+          <a:bodyPr/>
+          <a:lstStyle/>
+          <a:p>
+            <a:endParaRPr lang="ru-RU"/>
+          </a:p>
+        </p:txBody>
+      </p:sp>
+      <p:pic>
+        <p:nvPicPr>
+          <p:cNvPr id="4" name="Рисунок 3">
+            <a:extLst>
+              <a:ext uri="{FF2B5EF4-FFF2-40B4-BE49-F238E27FC236}">
+                <a16:creationId xmlns:a16="http://schemas.microsoft.com/office/drawing/2014/main" id="{3B06C910-5E3D-059B-A6F3-E45D94F0D099}"/>
+              </a:ext>
+            </a:extLst>
+          </p:cNvPr>
+          <p:cNvPicPr>
+            <a:picLocks noChangeAspect="1"/>
+          </p:cNvPicPr>
+          <p:nvPr/>
+        </p:nvPicPr>
+        <p:blipFill>
+          <a:blip r:embed="rId2"/>
+          <a:stretch>
+            <a:fillRect/>
+          </a:stretch>
+        </p:blipFill>
+        <p:spPr>
+          <a:xfrm>
+            <a:off x="601528" y="633809"/>
+            <a:ext cx="10988943" cy="5590382"/>
+          </a:xfrm>
+          <a:prstGeom prst="rect">
+            <a:avLst/>
+          </a:prstGeom>
+        </p:spPr>
+      </p:pic>
+    </p:spTree>
+    <p:extLst>
+      <p:ext uri="{BB962C8B-B14F-4D97-AF65-F5344CB8AC3E}">
+        <p14:creationId xmlns:p14="http://schemas.microsoft.com/office/powerpoint/2010/main" val="1908643905"/>
+      </p:ext>
+    </p:extLst>
+  </p:cSld>
+  <p:clrMapOvr>
+    <a:masterClrMapping/>
+  </p:clrMapOvr>
+</p:sld>
+</file>
+
+<file path=ppt/slides/slide7.xml><?xml version="1.0" encoding="utf-8"?>
+<p:sld xmlns:a="http://schemas.openxmlformats.org/drawingml/2006/main" xmlns:r="http://schemas.openxmlformats.org/officeDocument/2006/relationships" xmlns:p="http://schemas.openxmlformats.org/presentationml/2006/main">
+  <p:cSld>
+    <p:spTree>
+      <p:nvGrpSpPr>
+        <p:cNvPr id="1" name=""/>
+        <p:cNvGrpSpPr/>
+        <p:nvPr/>
+      </p:nvGrpSpPr>
+      <p:grpSpPr>
+        <a:xfrm>
+          <a:off x="0" y="0"/>
+          <a:ext cx="0" cy="0"/>
+          <a:chOff x="0" y="0"/>
+          <a:chExt cx="0" cy="0"/>
+        </a:xfrm>
+      </p:grpSpPr>
+      <p:sp>
+        <p:nvSpPr>
+          <p:cNvPr id="2" name="Заголовок 1">
+            <a:extLst>
+              <a:ext uri="{FF2B5EF4-FFF2-40B4-BE49-F238E27FC236}">
+                <a16:creationId xmlns:a16="http://schemas.microsoft.com/office/drawing/2014/main" id="{2E731201-B909-CEC1-80DC-F037FB10E25D}"/>
+              </a:ext>
+            </a:extLst>
+          </p:cNvPr>
+          <p:cNvSpPr>
+            <a:spLocks noGrp="1"/>
+          </p:cNvSpPr>
+          <p:nvPr>
+            <p:ph type="title"/>
+          </p:nvPr>
+        </p:nvSpPr>
+        <p:spPr/>
+        <p:txBody>
+          <a:bodyPr/>
+          <a:lstStyle/>
+          <a:p>
+            <a:endParaRPr lang="ru-RU"/>
+          </a:p>
+        </p:txBody>
+      </p:sp>
+      <p:sp>
+        <p:nvSpPr>
+          <p:cNvPr id="3" name="Объект 2">
+            <a:extLst>
+              <a:ext uri="{FF2B5EF4-FFF2-40B4-BE49-F238E27FC236}">
+                <a16:creationId xmlns:a16="http://schemas.microsoft.com/office/drawing/2014/main" id="{B9545E1B-23AE-0DC9-6246-831F81EE4089}"/>
+              </a:ext>
+            </a:extLst>
+          </p:cNvPr>
+          <p:cNvSpPr>
+            <a:spLocks noGrp="1"/>
+          </p:cNvSpPr>
+          <p:nvPr>
+            <p:ph idx="1"/>
+          </p:nvPr>
+        </p:nvSpPr>
+        <p:spPr/>
+        <p:txBody>
+          <a:bodyPr/>
+          <a:lstStyle/>
+          <a:p>
+            <a:endParaRPr lang="ru-RU"/>
+          </a:p>
+        </p:txBody>
+      </p:sp>
+      <p:pic>
+        <p:nvPicPr>
+          <p:cNvPr id="4" name="Рисунок 3">
+            <a:extLst>
+              <a:ext uri="{FF2B5EF4-FFF2-40B4-BE49-F238E27FC236}">
+                <a16:creationId xmlns:a16="http://schemas.microsoft.com/office/drawing/2014/main" id="{4F19E96E-B50E-9468-ACF0-00CBBFF21166}"/>
+              </a:ext>
+            </a:extLst>
+          </p:cNvPr>
+          <p:cNvPicPr>
+            <a:picLocks noChangeAspect="1"/>
+          </p:cNvPicPr>
+          <p:nvPr/>
+        </p:nvPicPr>
+        <p:blipFill>
+          <a:blip r:embed="rId2"/>
+          <a:stretch>
+            <a:fillRect/>
+          </a:stretch>
+        </p:blipFill>
+        <p:spPr>
+          <a:xfrm>
+            <a:off x="1205539" y="172374"/>
+            <a:ext cx="9780921" cy="6513251"/>
+          </a:xfrm>
+          <a:prstGeom prst="rect">
+            <a:avLst/>
+          </a:prstGeom>
+        </p:spPr>
+      </p:pic>
+    </p:spTree>
+    <p:extLst>
+      <p:ext uri="{BB962C8B-B14F-4D97-AF65-F5344CB8AC3E}">
+        <p14:creationId xmlns:p14="http://schemas.microsoft.com/office/powerpoint/2010/main" val="2007778872"/>
+      </p:ext>
+    </p:extLst>
+  </p:cSld>
+  <p:clrMapOvr>
+    <a:masterClrMapping/>
+  </p:clrMapOvr>
+</p:sld>
+</file>
+
+<file path=ppt/slides/slide8.xml><?xml version="1.0" encoding="utf-8"?>
+<p:sld xmlns:a="http://schemas.openxmlformats.org/drawingml/2006/main" xmlns:r="http://schemas.openxmlformats.org/officeDocument/2006/relationships" xmlns:p="http://schemas.openxmlformats.org/presentationml/2006/main">
+  <p:cSld>
     <p:bg>
       <p:bgPr>
         <a:solidFill>
@@ -16479,2054 +19408,6 @@
     <p:extLst>
       <p:ext uri="{BB962C8B-B14F-4D97-AF65-F5344CB8AC3E}">
         <p14:creationId xmlns:p14="http://schemas.microsoft.com/office/powerpoint/2010/main" val="1375980438"/>
-      </p:ext>
-    </p:extLst>
-  </p:cSld>
-  <p:clrMapOvr>
-    <a:masterClrMapping/>
-  </p:clrMapOvr>
-</p:sld>
-</file>
-
-<file path=ppt/slides/slide7.xml><?xml version="1.0" encoding="utf-8"?>
-<p:sld xmlns:a="http://schemas.openxmlformats.org/drawingml/2006/main" xmlns:r="http://schemas.openxmlformats.org/officeDocument/2006/relationships" xmlns:p="http://schemas.openxmlformats.org/presentationml/2006/main">
-  <p:cSld>
-    <p:bg>
-      <p:bgPr>
-        <a:solidFill>
-          <a:schemeClr val="bg2"/>
-        </a:solidFill>
-        <a:effectLst/>
-      </p:bgPr>
-    </p:bg>
-    <p:spTree>
-      <p:nvGrpSpPr>
-        <p:cNvPr id="1" name=""/>
-        <p:cNvGrpSpPr/>
-        <p:nvPr/>
-      </p:nvGrpSpPr>
-      <p:grpSpPr>
-        <a:xfrm>
-          <a:off x="0" y="0"/>
-          <a:ext cx="0" cy="0"/>
-          <a:chOff x="0" y="0"/>
-          <a:chExt cx="0" cy="0"/>
-        </a:xfrm>
-      </p:grpSpPr>
-      <p:sp useBgFill="1">
-        <p:nvSpPr>
-          <p:cNvPr id="11" name="Rectangle 10">
-            <a:extLst>
-              <a:ext uri="{FF2B5EF4-FFF2-40B4-BE49-F238E27FC236}">
-                <a16:creationId xmlns:a16="http://schemas.microsoft.com/office/drawing/2014/main" id="{C5176844-69C3-4F79-BE38-EA5BDDF4FEA4}"/>
-              </a:ext>
-              <a:ext uri="{C183D7F6-B498-43B3-948B-1728B52AA6E4}">
-                <adec:decorative xmlns:adec="http://schemas.microsoft.com/office/drawing/2017/decorative" val="1"/>
-              </a:ext>
-            </a:extLst>
-          </p:cNvPr>
-          <p:cNvSpPr>
-            <a:spLocks noGrp="1" noRot="1" noChangeAspect="1" noMove="1" noResize="1" noEditPoints="1" noAdjustHandles="1" noChangeArrowheads="1" noChangeShapeType="1" noTextEdit="1"/>
-          </p:cNvSpPr>
-          <p:nvPr>
-            <p:extLst>
-              <p:ext uri="{386F3935-93C4-4BCD-93E2-E3B085C9AB24}">
-                <p16:designElem xmlns:p16="http://schemas.microsoft.com/office/powerpoint/2015/main" val="1"/>
-              </p:ext>
-            </p:extLst>
-          </p:nvPr>
-        </p:nvSpPr>
-        <p:spPr>
-          <a:xfrm>
-            <a:off x="0" y="0"/>
-            <a:ext cx="12192000" cy="6858000"/>
-          </a:xfrm>
-          <a:prstGeom prst="rect">
-            <a:avLst/>
-          </a:prstGeom>
-          <a:ln>
-            <a:noFill/>
-          </a:ln>
-        </p:spPr>
-        <p:style>
-          <a:lnRef idx="2">
-            <a:schemeClr val="accent1">
-              <a:shade val="50000"/>
-            </a:schemeClr>
-          </a:lnRef>
-          <a:fillRef idx="1">
-            <a:schemeClr val="accent1"/>
-          </a:fillRef>
-          <a:effectRef idx="0">
-            <a:schemeClr val="accent1"/>
-          </a:effectRef>
-          <a:fontRef idx="minor">
-            <a:schemeClr val="lt1"/>
-          </a:fontRef>
-        </p:style>
-        <p:txBody>
-          <a:bodyPr rtlCol="0" anchor="ctr"/>
-          <a:lstStyle/>
-          <a:p>
-            <a:pPr algn="ctr"/>
-            <a:endParaRPr lang="en-US"/>
-          </a:p>
-        </p:txBody>
-      </p:sp>
-      <p:sp>
-        <p:nvSpPr>
-          <p:cNvPr id="13" name="Rectangle 12">
-            <a:extLst>
-              <a:ext uri="{FF2B5EF4-FFF2-40B4-BE49-F238E27FC236}">
-                <a16:creationId xmlns:a16="http://schemas.microsoft.com/office/drawing/2014/main" id="{41113FF5-9B84-4A89-BF52-EA3C7E01AA3B}"/>
-              </a:ext>
-              <a:ext uri="{C183D7F6-B498-43B3-948B-1728B52AA6E4}">
-                <adec:decorative xmlns:adec="http://schemas.microsoft.com/office/drawing/2017/decorative" val="1"/>
-              </a:ext>
-            </a:extLst>
-          </p:cNvPr>
-          <p:cNvSpPr>
-            <a:spLocks noGrp="1" noRot="1" noChangeAspect="1" noMove="1" noResize="1" noEditPoints="1" noAdjustHandles="1" noChangeArrowheads="1" noChangeShapeType="1" noTextEdit="1"/>
-          </p:cNvSpPr>
-          <p:nvPr>
-            <p:extLst>
-              <p:ext uri="{386F3935-93C4-4BCD-93E2-E3B085C9AB24}">
-                <p16:designElem xmlns:p16="http://schemas.microsoft.com/office/powerpoint/2015/main" val="1"/>
-              </p:ext>
-            </p:extLst>
-          </p:nvPr>
-        </p:nvSpPr>
-        <p:spPr>
-          <a:xfrm>
-            <a:off x="0" y="1"/>
-            <a:ext cx="12191999" cy="1955968"/>
-          </a:xfrm>
-          <a:prstGeom prst="rect">
-            <a:avLst/>
-          </a:prstGeom>
-          <a:solidFill>
-            <a:schemeClr val="tx1">
-              <a:lumMod val="85000"/>
-              <a:lumOff val="15000"/>
-            </a:schemeClr>
-          </a:solidFill>
-          <a:ln>
-            <a:noFill/>
-          </a:ln>
-        </p:spPr>
-        <p:style>
-          <a:lnRef idx="2">
-            <a:schemeClr val="accent1">
-              <a:shade val="50000"/>
-            </a:schemeClr>
-          </a:lnRef>
-          <a:fillRef idx="1">
-            <a:schemeClr val="accent1"/>
-          </a:fillRef>
-          <a:effectRef idx="0">
-            <a:schemeClr val="accent1"/>
-          </a:effectRef>
-          <a:fontRef idx="minor">
-            <a:schemeClr val="lt1"/>
-          </a:fontRef>
-        </p:style>
-        <p:txBody>
-          <a:bodyPr rtlCol="0" anchor="ctr"/>
-          <a:lstStyle/>
-          <a:p>
-            <a:pPr algn="ctr"/>
-            <a:endParaRPr lang="en-US"/>
-          </a:p>
-        </p:txBody>
-      </p:sp>
-      <p:sp>
-        <p:nvSpPr>
-          <p:cNvPr id="2" name="Title 1">
-            <a:extLst>
-              <a:ext uri="{FF2B5EF4-FFF2-40B4-BE49-F238E27FC236}">
-                <a16:creationId xmlns:a16="http://schemas.microsoft.com/office/drawing/2014/main" id="{31273FFA-887E-E2F8-6265-46713FC8A2B2}"/>
-              </a:ext>
-            </a:extLst>
-          </p:cNvPr>
-          <p:cNvSpPr>
-            <a:spLocks noGrp="1"/>
-          </p:cNvSpPr>
-          <p:nvPr>
-            <p:ph type="title"/>
-          </p:nvPr>
-        </p:nvSpPr>
-        <p:spPr>
-          <a:xfrm>
-            <a:off x="758952" y="420625"/>
-            <a:ext cx="10667998" cy="1326814"/>
-          </a:xfrm>
-        </p:spPr>
-        <p:txBody>
-          <a:bodyPr anchor="ctr">
-            <a:normAutofit/>
-          </a:bodyPr>
-          <a:lstStyle/>
-          <a:p>
-            <a:r>
-              <a:rPr lang="ru-RU" sz="4700" i="0">
-                <a:solidFill>
-                  <a:schemeClr val="bg1"/>
-                </a:solidFill>
-              </a:rPr>
-              <a:t>Анализ энергетических распределений</a:t>
-            </a:r>
-            <a:endParaRPr lang="en-US" sz="4700">
-              <a:solidFill>
-                <a:schemeClr val="bg1"/>
-              </a:solidFill>
-            </a:endParaRPr>
-          </a:p>
-        </p:txBody>
-      </p:sp>
-      <p:sp>
-        <p:nvSpPr>
-          <p:cNvPr id="4" name="Rectangle 1">
-            <a:extLst>
-              <a:ext uri="{FF2B5EF4-FFF2-40B4-BE49-F238E27FC236}">
-                <a16:creationId xmlns:a16="http://schemas.microsoft.com/office/drawing/2014/main" id="{8700206F-A2D0-A016-3C3C-F8938EBB4A12}"/>
-              </a:ext>
-            </a:extLst>
-          </p:cNvPr>
-          <p:cNvSpPr>
-            <a:spLocks noGrp="1" noChangeArrowheads="1"/>
-          </p:cNvSpPr>
-          <p:nvPr>
-            <p:ph idx="1"/>
-          </p:nvPr>
-        </p:nvSpPr>
-        <p:spPr bwMode="auto">
-          <a:xfrm>
-            <a:off x="758952" y="2413169"/>
-            <a:ext cx="6039340" cy="3368920"/>
-          </a:xfrm>
-          <a:prstGeom prst="rect">
-            <a:avLst/>
-          </a:prstGeom>
-          <a:extLst>
-            <a:ext uri="{909E8E84-426E-40DD-AFC4-6F175D3DCCD1}">
-              <a14:hiddenFill xmlns:a14="http://schemas.microsoft.com/office/drawing/2010/main">
-                <a:solidFill>
-                  <a:schemeClr val="accent1"/>
-                </a:solidFill>
-              </a14:hiddenFill>
-            </a:ext>
-            <a:ext uri="{91240B29-F687-4F45-9708-019B960494DF}">
-              <a14:hiddenLine xmlns:a14="http://schemas.microsoft.com/office/drawing/2010/main" w="9525">
-                <a:solidFill>
-                  <a:schemeClr val="tx1"/>
-                </a:solidFill>
-                <a:miter lim="800000"/>
-                <a:headEnd/>
-                <a:tailEnd/>
-              </a14:hiddenLine>
-            </a:ext>
-            <a:ext uri="{AF507438-7753-43E0-B8FC-AC1667EBCBE1}">
-              <a14:hiddenEffects xmlns:a14="http://schemas.microsoft.com/office/drawing/2010/main">
-                <a:effectLst>
-                  <a:outerShdw dist="35921" dir="2700000" algn="ctr" rotWithShape="0">
-                    <a:schemeClr val="bg2"/>
-                  </a:outerShdw>
-                </a:effectLst>
-              </a14:hiddenEffects>
-            </a:ext>
-          </a:extLst>
-        </p:spPr>
-        <p:txBody>
-          <a:bodyPr vert="horz" lIns="0" tIns="30153" rIns="0" bIns="0" numCol="1" anchor="ctr" anchorCtr="0" compatLnSpc="1">
-            <a:prstTxWarp prst="textNoShape">
-              <a:avLst/>
-            </a:prstTxWarp>
-            <a:normAutofit lnSpcReduction="10000"/>
-          </a:bodyPr>
-          <a:lstStyle/>
-          <a:p>
-            <a:pPr marL="0" marR="0" lvl="0" indent="0" defTabSz="914400" rtl="0" eaLnBrk="0" fontAlgn="base" latinLnBrk="0" hangingPunct="0">
-              <a:spcBef>
-                <a:spcPct val="0"/>
-              </a:spcBef>
-              <a:spcAft>
-                <a:spcPts val="600"/>
-              </a:spcAft>
-              <a:buClrTx/>
-              <a:buSzTx/>
-              <a:buFontTx/>
-              <a:buNone/>
-              <a:tabLst/>
-            </a:pPr>
-            <a:endParaRPr kumimoji="0" lang="en-US" altLang="en-US" b="0" i="0" u="none" strike="noStrike" cap="none" normalizeH="0" baseline="0" dirty="0">
-              <a:ln>
-                <a:noFill/>
-              </a:ln>
-              <a:effectLst/>
-              <a:latin typeface="Arial" panose="020B0604020202020204" pitchFamily="34" charset="0"/>
-            </a:endParaRPr>
-          </a:p>
-          <a:p>
-            <a:pPr marL="0" marR="0" lvl="0" indent="0" defTabSz="914400" rtl="0" eaLnBrk="0" fontAlgn="base" latinLnBrk="0" hangingPunct="0">
-              <a:spcBef>
-                <a:spcPct val="0"/>
-              </a:spcBef>
-              <a:spcAft>
-                <a:spcPts val="600"/>
-              </a:spcAft>
-              <a:buClrTx/>
-              <a:buSzTx/>
-              <a:buFontTx/>
-              <a:buChar char="•"/>
-              <a:tabLst/>
-            </a:pPr>
-            <a:r>
-              <a:rPr kumimoji="0" lang="en-US" altLang="en-US" b="1" i="0" u="none" strike="noStrike" cap="none" normalizeH="0" baseline="0" dirty="0" err="1">
-                <a:ln>
-                  <a:noFill/>
-                </a:ln>
-                <a:effectLst/>
-                <a:latin typeface="Century Gothic" panose="020B0502020202020204" pitchFamily="34" charset="0"/>
-              </a:rPr>
-              <a:t>Гистограммы</a:t>
-            </a:r>
-            <a:r>
-              <a:rPr kumimoji="0" lang="en-US" altLang="en-US" b="1" i="0" u="none" strike="noStrike" cap="none" normalizeH="0" baseline="0" dirty="0">
-                <a:ln>
-                  <a:noFill/>
-                </a:ln>
-                <a:effectLst/>
-                <a:latin typeface="Century Gothic" panose="020B0502020202020204" pitchFamily="34" charset="0"/>
-              </a:rPr>
-              <a:t> </a:t>
-            </a:r>
-            <a:r>
-              <a:rPr kumimoji="0" lang="en-US" altLang="en-US" b="1" i="0" u="none" strike="noStrike" cap="none" normalizeH="0" baseline="0" dirty="0" err="1">
-                <a:ln>
-                  <a:noFill/>
-                </a:ln>
-                <a:effectLst/>
-                <a:latin typeface="Century Gothic" panose="020B0502020202020204" pitchFamily="34" charset="0"/>
-              </a:rPr>
-              <a:t>кинетической</a:t>
-            </a:r>
-            <a:r>
-              <a:rPr kumimoji="0" lang="en-US" altLang="en-US" b="1" i="0" u="none" strike="noStrike" cap="none" normalizeH="0" baseline="0" dirty="0">
-                <a:ln>
-                  <a:noFill/>
-                </a:ln>
-                <a:effectLst/>
-                <a:latin typeface="Century Gothic" panose="020B0502020202020204" pitchFamily="34" charset="0"/>
-              </a:rPr>
-              <a:t> </a:t>
-            </a:r>
-            <a:r>
-              <a:rPr kumimoji="0" lang="en-US" altLang="en-US" b="1" i="0" u="none" strike="noStrike" cap="none" normalizeH="0" baseline="0" dirty="0" err="1">
-                <a:ln>
-                  <a:noFill/>
-                </a:ln>
-                <a:effectLst/>
-                <a:latin typeface="Century Gothic" panose="020B0502020202020204" pitchFamily="34" charset="0"/>
-              </a:rPr>
-              <a:t>энергии</a:t>
-            </a:r>
-            <a:r>
-              <a:rPr kumimoji="0" lang="en-US" altLang="en-US" b="0" i="0" u="none" strike="noStrike" cap="none" normalizeH="0" baseline="0" dirty="0">
-                <a:ln>
-                  <a:noFill/>
-                </a:ln>
-                <a:effectLst/>
-                <a:latin typeface="Century Gothic" panose="020B0502020202020204" pitchFamily="34" charset="0"/>
-              </a:rPr>
-              <a:t> </a:t>
-            </a:r>
-            <a:r>
-              <a:rPr kumimoji="0" lang="en-US" altLang="en-US" b="0" i="0" u="none" strike="noStrike" cap="none" normalizeH="0" baseline="0" dirty="0" err="1">
-                <a:ln>
-                  <a:noFill/>
-                </a:ln>
-                <a:effectLst/>
-                <a:latin typeface="Century Gothic" panose="020B0502020202020204" pitchFamily="34" charset="0"/>
-              </a:rPr>
-              <a:t>по</a:t>
-            </a:r>
-            <a:r>
-              <a:rPr kumimoji="0" lang="en-US" altLang="en-US" b="0" i="0" u="none" strike="noStrike" cap="none" normalizeH="0" baseline="0" dirty="0">
-                <a:ln>
-                  <a:noFill/>
-                </a:ln>
-                <a:effectLst/>
-                <a:latin typeface="Century Gothic" panose="020B0502020202020204" pitchFamily="34" charset="0"/>
-              </a:rPr>
-              <a:t> </a:t>
-            </a:r>
-            <a:r>
-              <a:rPr kumimoji="0" lang="en-US" altLang="en-US" b="0" i="0" u="none" strike="noStrike" cap="none" normalizeH="0" baseline="0" dirty="0" err="1">
-                <a:ln>
-                  <a:noFill/>
-                </a:ln>
-                <a:effectLst/>
-                <a:latin typeface="Century Gothic" panose="020B0502020202020204" pitchFamily="34" charset="0"/>
-              </a:rPr>
-              <a:t>типам</a:t>
-            </a:r>
-            <a:r>
-              <a:rPr kumimoji="0" lang="en-US" altLang="en-US" b="0" i="0" u="none" strike="noStrike" cap="none" normalizeH="0" baseline="0" dirty="0">
-                <a:ln>
-                  <a:noFill/>
-                </a:ln>
-                <a:effectLst/>
-                <a:latin typeface="Century Gothic" panose="020B0502020202020204" pitchFamily="34" charset="0"/>
-              </a:rPr>
-              <a:t> </a:t>
-            </a:r>
-            <a:r>
-              <a:rPr kumimoji="0" lang="en-US" altLang="en-US" b="0" i="0" u="none" strike="noStrike" cap="none" normalizeH="0" baseline="0" dirty="0" err="1">
-                <a:ln>
-                  <a:noFill/>
-                </a:ln>
-                <a:effectLst/>
-                <a:latin typeface="Century Gothic" panose="020B0502020202020204" pitchFamily="34" charset="0"/>
-              </a:rPr>
-              <a:t>частиц</a:t>
-            </a:r>
-            <a:endParaRPr kumimoji="0" lang="en-US" altLang="en-US" b="0" i="0" u="none" strike="noStrike" cap="none" normalizeH="0" baseline="0" dirty="0">
-              <a:ln>
-                <a:noFill/>
-              </a:ln>
-              <a:effectLst/>
-              <a:latin typeface="Century Gothic" panose="020B0502020202020204" pitchFamily="34" charset="0"/>
-            </a:endParaRPr>
-          </a:p>
-          <a:p>
-            <a:pPr marL="0" marR="0" lvl="0" indent="0" defTabSz="914400" rtl="0" eaLnBrk="0" fontAlgn="base" latinLnBrk="0" hangingPunct="0">
-              <a:spcBef>
-                <a:spcPct val="0"/>
-              </a:spcBef>
-              <a:spcAft>
-                <a:spcPts val="600"/>
-              </a:spcAft>
-              <a:buClrTx/>
-              <a:buSzTx/>
-              <a:buFontTx/>
-              <a:buChar char="•"/>
-              <a:tabLst/>
-            </a:pPr>
-            <a:r>
-              <a:rPr kumimoji="0" lang="en-US" altLang="en-US" b="1" i="0" u="none" strike="noStrike" cap="none" normalizeH="0" baseline="0" dirty="0" err="1">
-                <a:ln>
-                  <a:noFill/>
-                </a:ln>
-                <a:effectLst/>
-                <a:latin typeface="Century Gothic" panose="020B0502020202020204" pitchFamily="34" charset="0"/>
-              </a:rPr>
-              <a:t>Графики</a:t>
-            </a:r>
-            <a:r>
-              <a:rPr kumimoji="0" lang="en-US" altLang="en-US" b="1" i="0" u="none" strike="noStrike" cap="none" normalizeH="0" baseline="0" dirty="0">
-                <a:ln>
-                  <a:noFill/>
-                </a:ln>
-                <a:effectLst/>
-                <a:latin typeface="Century Gothic" panose="020B0502020202020204" pitchFamily="34" charset="0"/>
-              </a:rPr>
-              <a:t> </a:t>
-            </a:r>
-            <a:r>
-              <a:rPr kumimoji="0" lang="en-US" altLang="en-US" b="1" i="0" u="none" strike="noStrike" cap="none" normalizeH="0" baseline="0" dirty="0" err="1">
-                <a:ln>
-                  <a:noFill/>
-                </a:ln>
-                <a:effectLst/>
-                <a:latin typeface="Century Gothic" panose="020B0502020202020204" pitchFamily="34" charset="0"/>
-              </a:rPr>
-              <a:t>потерь</a:t>
-            </a:r>
-            <a:r>
-              <a:rPr kumimoji="0" lang="en-US" altLang="en-US" b="1" i="0" u="none" strike="noStrike" cap="none" normalizeH="0" baseline="0" dirty="0">
-                <a:ln>
-                  <a:noFill/>
-                </a:ln>
-                <a:effectLst/>
-                <a:latin typeface="Century Gothic" panose="020B0502020202020204" pitchFamily="34" charset="0"/>
-              </a:rPr>
-              <a:t> </a:t>
-            </a:r>
-            <a:r>
-              <a:rPr kumimoji="0" lang="en-US" altLang="en-US" b="1" i="0" u="none" strike="noStrike" cap="none" normalizeH="0" baseline="0" dirty="0" err="1">
-                <a:ln>
-                  <a:noFill/>
-                </a:ln>
-                <a:effectLst/>
-                <a:latin typeface="Century Gothic" panose="020B0502020202020204" pitchFamily="34" charset="0"/>
-              </a:rPr>
-              <a:t>энергии</a:t>
-            </a:r>
-            <a:r>
-              <a:rPr kumimoji="0" lang="en-US" altLang="en-US" b="1" i="0" u="none" strike="noStrike" cap="none" normalizeH="0" baseline="0" dirty="0">
-                <a:ln>
-                  <a:noFill/>
-                </a:ln>
-                <a:effectLst/>
-                <a:latin typeface="Century Gothic" panose="020B0502020202020204" pitchFamily="34" charset="0"/>
-              </a:rPr>
-              <a:t> (</a:t>
-            </a:r>
-            <a:r>
-              <a:rPr kumimoji="0" lang="en-US" altLang="en-US" b="1" i="0" u="none" strike="noStrike" cap="none" normalizeH="0" baseline="0" dirty="0" err="1">
-                <a:ln>
-                  <a:noFill/>
-                </a:ln>
-                <a:effectLst/>
-                <a:latin typeface="Century Gothic" panose="020B0502020202020204" pitchFamily="34" charset="0"/>
-              </a:rPr>
-              <a:t>dE</a:t>
-            </a:r>
-            <a:r>
-              <a:rPr kumimoji="0" lang="en-US" altLang="en-US" b="1" i="0" u="none" strike="noStrike" cap="none" normalizeH="0" baseline="0" dirty="0">
-                <a:ln>
-                  <a:noFill/>
-                </a:ln>
-                <a:effectLst/>
-                <a:latin typeface="Century Gothic" panose="020B0502020202020204" pitchFamily="34" charset="0"/>
-              </a:rPr>
-              <a:t>):</a:t>
-            </a:r>
-            <a:r>
-              <a:rPr kumimoji="0" lang="en-US" altLang="en-US" b="0" i="0" u="none" strike="noStrike" cap="none" normalizeH="0" baseline="0" dirty="0">
-                <a:ln>
-                  <a:noFill/>
-                </a:ln>
-                <a:effectLst/>
-                <a:latin typeface="Century Gothic" panose="020B0502020202020204" pitchFamily="34" charset="0"/>
-              </a:rPr>
-              <a:t> violin-plot </a:t>
-            </a:r>
-            <a:r>
-              <a:rPr kumimoji="0" lang="en-US" altLang="en-US" b="0" i="0" u="none" strike="noStrike" cap="none" normalizeH="0" baseline="0" dirty="0" err="1">
-                <a:ln>
-                  <a:noFill/>
-                </a:ln>
-                <a:effectLst/>
-                <a:latin typeface="Century Gothic" panose="020B0502020202020204" pitchFamily="34" charset="0"/>
-              </a:rPr>
-              <a:t>и</a:t>
-            </a:r>
-            <a:r>
-              <a:rPr kumimoji="0" lang="en-US" altLang="en-US" b="0" i="0" u="none" strike="noStrike" cap="none" normalizeH="0" baseline="0" dirty="0">
-                <a:ln>
-                  <a:noFill/>
-                </a:ln>
-                <a:effectLst/>
-                <a:latin typeface="Century Gothic" panose="020B0502020202020204" pitchFamily="34" charset="0"/>
-              </a:rPr>
-              <a:t> box-plot</a:t>
-            </a:r>
-          </a:p>
-          <a:p>
-            <a:pPr marL="0" marR="0" lvl="0" indent="0" defTabSz="914400" rtl="0" eaLnBrk="0" fontAlgn="base" latinLnBrk="0" hangingPunct="0">
-              <a:spcBef>
-                <a:spcPct val="0"/>
-              </a:spcBef>
-              <a:spcAft>
-                <a:spcPts val="600"/>
-              </a:spcAft>
-              <a:buClrTx/>
-              <a:buSzTx/>
-              <a:buFontTx/>
-              <a:buChar char="•"/>
-              <a:tabLst/>
-            </a:pPr>
-            <a:r>
-              <a:rPr kumimoji="0" lang="en-US" altLang="en-US" b="1" i="0" u="none" strike="noStrike" cap="none" normalizeH="0" baseline="0" dirty="0" err="1">
-                <a:ln>
-                  <a:noFill/>
-                </a:ln>
-                <a:effectLst/>
-                <a:latin typeface="Century Gothic" panose="020B0502020202020204" pitchFamily="34" charset="0"/>
-              </a:rPr>
-              <a:t>Статистика</a:t>
-            </a:r>
-            <a:r>
-              <a:rPr kumimoji="0" lang="en-US" altLang="en-US" b="1" i="0" u="none" strike="noStrike" cap="none" normalizeH="0" baseline="0" dirty="0">
-                <a:ln>
-                  <a:noFill/>
-                </a:ln>
-                <a:effectLst/>
-                <a:latin typeface="Century Gothic" panose="020B0502020202020204" pitchFamily="34" charset="0"/>
-              </a:rPr>
-              <a:t>:</a:t>
-            </a:r>
-            <a:r>
-              <a:rPr kumimoji="0" lang="en-US" altLang="en-US" b="0" i="0" u="none" strike="noStrike" cap="none" normalizeH="0" baseline="0" dirty="0">
-                <a:ln>
-                  <a:noFill/>
-                </a:ln>
-                <a:effectLst/>
-                <a:latin typeface="Century Gothic" panose="020B0502020202020204" pitchFamily="34" charset="0"/>
-              </a:rPr>
-              <a:t> min, max, mean, </a:t>
-            </a:r>
-            <a:r>
-              <a:rPr kumimoji="0" lang="en-US" altLang="en-US" b="0" i="0" u="none" strike="noStrike" cap="none" normalizeH="0" baseline="0" dirty="0" err="1">
-                <a:ln>
-                  <a:noFill/>
-                </a:ln>
-                <a:effectLst/>
-                <a:latin typeface="Century Gothic" panose="020B0502020202020204" pitchFamily="34" charset="0"/>
-              </a:rPr>
-              <a:t>стандартное</a:t>
-            </a:r>
-            <a:r>
-              <a:rPr kumimoji="0" lang="en-US" altLang="en-US" b="0" i="0" u="none" strike="noStrike" cap="none" normalizeH="0" baseline="0" dirty="0">
-                <a:ln>
-                  <a:noFill/>
-                </a:ln>
-                <a:effectLst/>
-                <a:latin typeface="Century Gothic" panose="020B0502020202020204" pitchFamily="34" charset="0"/>
-              </a:rPr>
-              <a:t> </a:t>
-            </a:r>
-            <a:r>
-              <a:rPr kumimoji="0" lang="en-US" altLang="en-US" b="0" i="0" u="none" strike="noStrike" cap="none" normalizeH="0" baseline="0" dirty="0" err="1">
-                <a:ln>
-                  <a:noFill/>
-                </a:ln>
-                <a:effectLst/>
-                <a:latin typeface="Century Gothic" panose="020B0502020202020204" pitchFamily="34" charset="0"/>
-              </a:rPr>
-              <a:t>отклонение</a:t>
-            </a:r>
-            <a:endParaRPr kumimoji="0" lang="en-US" altLang="en-US" b="0" i="0" u="none" strike="noStrike" cap="none" normalizeH="0" baseline="0" dirty="0">
-              <a:ln>
-                <a:noFill/>
-              </a:ln>
-              <a:effectLst/>
-              <a:latin typeface="Century Gothic" panose="020B0502020202020204" pitchFamily="34" charset="0"/>
-            </a:endParaRPr>
-          </a:p>
-          <a:p>
-            <a:pPr marL="0" marR="0" lvl="0" indent="0" defTabSz="914400" rtl="0" eaLnBrk="0" fontAlgn="base" latinLnBrk="0" hangingPunct="0">
-              <a:spcBef>
-                <a:spcPct val="0"/>
-              </a:spcBef>
-              <a:spcAft>
-                <a:spcPts val="600"/>
-              </a:spcAft>
-              <a:buClrTx/>
-              <a:buSzTx/>
-              <a:buFontTx/>
-              <a:buChar char="•"/>
-              <a:tabLst/>
-            </a:pPr>
-            <a:r>
-              <a:rPr kumimoji="0" lang="en-US" altLang="en-US" b="1" i="0" u="none" strike="noStrike" cap="none" normalizeH="0" baseline="0" dirty="0" err="1">
-                <a:ln>
-                  <a:noFill/>
-                </a:ln>
-                <a:effectLst/>
-                <a:latin typeface="Century Gothic" panose="020B0502020202020204" pitchFamily="34" charset="0"/>
-              </a:rPr>
-              <a:t>Возможности</a:t>
-            </a:r>
-            <a:r>
-              <a:rPr kumimoji="0" lang="en-US" altLang="en-US" b="1" i="0" u="none" strike="noStrike" cap="none" normalizeH="0" baseline="0" dirty="0">
-                <a:ln>
-                  <a:noFill/>
-                </a:ln>
-                <a:effectLst/>
-                <a:latin typeface="Century Gothic" panose="020B0502020202020204" pitchFamily="34" charset="0"/>
-              </a:rPr>
-              <a:t>:</a:t>
-            </a:r>
-            <a:r>
-              <a:rPr kumimoji="0" lang="en-US" altLang="en-US" b="0" i="0" u="none" strike="noStrike" cap="none" normalizeH="0" baseline="0" dirty="0">
-                <a:ln>
-                  <a:noFill/>
-                </a:ln>
-                <a:effectLst/>
-                <a:latin typeface="Century Gothic" panose="020B0502020202020204" pitchFamily="34" charset="0"/>
-              </a:rPr>
-              <a:t> </a:t>
-            </a:r>
-            <a:r>
-              <a:rPr kumimoji="0" lang="en-US" altLang="en-US" b="0" i="0" u="none" strike="noStrike" cap="none" normalizeH="0" baseline="0" dirty="0" err="1">
-                <a:ln>
-                  <a:noFill/>
-                </a:ln>
-                <a:effectLst/>
-                <a:latin typeface="Century Gothic" panose="020B0502020202020204" pitchFamily="34" charset="0"/>
-              </a:rPr>
-              <a:t>Сравнение</a:t>
-            </a:r>
-            <a:r>
-              <a:rPr kumimoji="0" lang="en-US" altLang="en-US" b="0" i="0" u="none" strike="noStrike" cap="none" normalizeH="0" baseline="0" dirty="0">
-                <a:ln>
-                  <a:noFill/>
-                </a:ln>
-                <a:effectLst/>
-                <a:latin typeface="Century Gothic" panose="020B0502020202020204" pitchFamily="34" charset="0"/>
-              </a:rPr>
-              <a:t> </a:t>
-            </a:r>
-            <a:r>
-              <a:rPr kumimoji="0" lang="en-US" altLang="en-US" b="0" i="0" u="none" strike="noStrike" cap="none" normalizeH="0" baseline="0" dirty="0" err="1">
-                <a:ln>
-                  <a:noFill/>
-                </a:ln>
-                <a:effectLst/>
-                <a:latin typeface="Century Gothic" panose="020B0502020202020204" pitchFamily="34" charset="0"/>
-              </a:rPr>
-              <a:t>первичных</a:t>
-            </a:r>
-            <a:r>
-              <a:rPr kumimoji="0" lang="en-US" altLang="en-US" b="0" i="0" u="none" strike="noStrike" cap="none" normalizeH="0" baseline="0" dirty="0">
-                <a:ln>
-                  <a:noFill/>
-                </a:ln>
-                <a:effectLst/>
-                <a:latin typeface="Century Gothic" panose="020B0502020202020204" pitchFamily="34" charset="0"/>
-              </a:rPr>
-              <a:t> </a:t>
-            </a:r>
-            <a:r>
-              <a:rPr kumimoji="0" lang="en-US" altLang="en-US" b="0" i="0" u="none" strike="noStrike" cap="none" normalizeH="0" baseline="0" dirty="0" err="1">
-                <a:ln>
-                  <a:noFill/>
-                </a:ln>
-                <a:effectLst/>
-                <a:latin typeface="Century Gothic" panose="020B0502020202020204" pitchFamily="34" charset="0"/>
-              </a:rPr>
-              <a:t>и</a:t>
-            </a:r>
-            <a:r>
-              <a:rPr kumimoji="0" lang="en-US" altLang="en-US" b="0" i="0" u="none" strike="noStrike" cap="none" normalizeH="0" baseline="0" dirty="0">
-                <a:ln>
-                  <a:noFill/>
-                </a:ln>
-                <a:effectLst/>
-                <a:latin typeface="Century Gothic" panose="020B0502020202020204" pitchFamily="34" charset="0"/>
-              </a:rPr>
-              <a:t> </a:t>
-            </a:r>
-            <a:r>
-              <a:rPr kumimoji="0" lang="en-US" altLang="en-US" b="0" i="0" u="none" strike="noStrike" cap="none" normalizeH="0" baseline="0" dirty="0" err="1">
-                <a:ln>
-                  <a:noFill/>
-                </a:ln>
-                <a:effectLst/>
-                <a:latin typeface="Century Gothic" panose="020B0502020202020204" pitchFamily="34" charset="0"/>
-              </a:rPr>
-              <a:t>вторичных</a:t>
-            </a:r>
-            <a:r>
-              <a:rPr kumimoji="0" lang="en-US" altLang="en-US" b="0" i="0" u="none" strike="noStrike" cap="none" normalizeH="0" baseline="0" dirty="0">
-                <a:ln>
-                  <a:noFill/>
-                </a:ln>
-                <a:effectLst/>
-                <a:latin typeface="Century Gothic" panose="020B0502020202020204" pitchFamily="34" charset="0"/>
-              </a:rPr>
-              <a:t> </a:t>
-            </a:r>
-            <a:r>
-              <a:rPr kumimoji="0" lang="en-US" altLang="en-US" b="0" i="0" u="none" strike="noStrike" cap="none" normalizeH="0" baseline="0" dirty="0" err="1">
-                <a:ln>
-                  <a:noFill/>
-                </a:ln>
-                <a:effectLst/>
-                <a:latin typeface="Century Gothic" panose="020B0502020202020204" pitchFamily="34" charset="0"/>
-              </a:rPr>
-              <a:t>частиц</a:t>
-            </a:r>
-            <a:endParaRPr kumimoji="0" lang="en-US" altLang="en-US" b="0" i="0" u="none" strike="noStrike" cap="none" normalizeH="0" baseline="0" dirty="0">
-              <a:ln>
-                <a:noFill/>
-              </a:ln>
-              <a:effectLst/>
-              <a:latin typeface="Century Gothic" panose="020B0502020202020204" pitchFamily="34" charset="0"/>
-            </a:endParaRPr>
-          </a:p>
-          <a:p>
-            <a:pPr marL="0" marR="0" lvl="0" indent="0" defTabSz="914400" rtl="0" eaLnBrk="0" fontAlgn="base" latinLnBrk="0" hangingPunct="0">
-              <a:spcBef>
-                <a:spcPct val="0"/>
-              </a:spcBef>
-              <a:spcAft>
-                <a:spcPts val="600"/>
-              </a:spcAft>
-              <a:buClrTx/>
-              <a:buSzTx/>
-              <a:buFontTx/>
-              <a:buNone/>
-              <a:tabLst/>
-            </a:pPr>
-            <a:endParaRPr kumimoji="0" lang="en-US" altLang="en-US" b="0" i="0" u="none" strike="noStrike" cap="none" normalizeH="0" baseline="0" dirty="0">
-              <a:ln>
-                <a:noFill/>
-              </a:ln>
-              <a:effectLst/>
-              <a:latin typeface="Arial" panose="020B0604020202020204" pitchFamily="34" charset="0"/>
-            </a:endParaRPr>
-          </a:p>
-        </p:txBody>
-      </p:sp>
-      <p:pic>
-        <p:nvPicPr>
-          <p:cNvPr id="8" name="Graphic 7" descr="Violin">
-            <a:extLst>
-              <a:ext uri="{FF2B5EF4-FFF2-40B4-BE49-F238E27FC236}">
-                <a16:creationId xmlns:a16="http://schemas.microsoft.com/office/drawing/2014/main" id="{5335F8B9-DFE9-7076-0121-0201C56C80D0}"/>
-              </a:ext>
-            </a:extLst>
-          </p:cNvPr>
-          <p:cNvPicPr>
-            <a:picLocks noChangeAspect="1"/>
-          </p:cNvPicPr>
-          <p:nvPr/>
-        </p:nvPicPr>
-        <p:blipFill>
-          <a:blip r:embed="rId2">
-            <a:extLst>
-              <a:ext uri="{28A0092B-C50C-407E-A947-70E740481C1C}">
-                <a14:useLocalDpi xmlns:a14="http://schemas.microsoft.com/office/drawing/2010/main" val="0"/>
-              </a:ext>
-              <a:ext uri="{96DAC541-7B7A-43D3-8B79-37D633B846F1}">
-                <asvg:svgBlip xmlns:asvg="http://schemas.microsoft.com/office/drawing/2016/SVG/main" r:embed="rId3"/>
-              </a:ext>
-            </a:extLst>
-          </a:blip>
-          <a:stretch>
-            <a:fillRect/>
-          </a:stretch>
-        </p:blipFill>
-        <p:spPr>
-          <a:xfrm>
-            <a:off x="7755253" y="2413169"/>
-            <a:ext cx="3370396" cy="3370396"/>
-          </a:xfrm>
-          <a:prstGeom prst="rect">
-            <a:avLst/>
-          </a:prstGeom>
-        </p:spPr>
-      </p:pic>
-      <p:sp>
-        <p:nvSpPr>
-          <p:cNvPr id="15" name="Freeform 6">
-            <a:extLst>
-              <a:ext uri="{FF2B5EF4-FFF2-40B4-BE49-F238E27FC236}">
-                <a16:creationId xmlns:a16="http://schemas.microsoft.com/office/drawing/2014/main" id="{A101E513-AF74-4E9D-A31F-99664250722D}"/>
-              </a:ext>
-              <a:ext uri="{C183D7F6-B498-43B3-948B-1728B52AA6E4}">
-                <adec:decorative xmlns:adec="http://schemas.microsoft.com/office/drawing/2017/decorative" val="1"/>
-              </a:ext>
-            </a:extLst>
-          </p:cNvPr>
-          <p:cNvSpPr>
-            <a:spLocks noGrp="1" noRot="1" noChangeAspect="1" noMove="1" noResize="1" noEditPoints="1" noAdjustHandles="1" noChangeArrowheads="1" noChangeShapeType="1" noTextEdit="1"/>
-          </p:cNvSpPr>
-          <p:nvPr>
-            <p:extLst>
-              <p:ext uri="{386F3935-93C4-4BCD-93E2-E3B085C9AB24}">
-                <p16:designElem xmlns:p16="http://schemas.microsoft.com/office/powerpoint/2015/main" val="1"/>
-              </p:ext>
-            </p:extLst>
-          </p:nvPr>
-        </p:nvSpPr>
-        <p:spPr bwMode="auto">
-          <a:xfrm>
-            <a:off x="11784011" y="5783564"/>
-            <a:ext cx="407988" cy="819150"/>
-          </a:xfrm>
-          <a:custGeom>
-            <a:avLst/>
-            <a:gdLst/>
-            <a:ahLst/>
-            <a:cxnLst/>
-            <a:rect l="0" t="0" r="r" b="b"/>
-            <a:pathLst>
-              <a:path w="1799" h="3612">
-                <a:moveTo>
-                  <a:pt x="1799" y="0"/>
-                </a:moveTo>
-                <a:lnTo>
-                  <a:pt x="1799" y="3612"/>
-                </a:lnTo>
-                <a:lnTo>
-                  <a:pt x="1686" y="3609"/>
-                </a:lnTo>
-                <a:lnTo>
-                  <a:pt x="1574" y="3598"/>
-                </a:lnTo>
-                <a:lnTo>
-                  <a:pt x="1464" y="3581"/>
-                </a:lnTo>
-                <a:lnTo>
-                  <a:pt x="1357" y="3557"/>
-                </a:lnTo>
-                <a:lnTo>
-                  <a:pt x="1251" y="3527"/>
-                </a:lnTo>
-                <a:lnTo>
-                  <a:pt x="1150" y="3490"/>
-                </a:lnTo>
-                <a:lnTo>
-                  <a:pt x="1050" y="3448"/>
-                </a:lnTo>
-                <a:lnTo>
-                  <a:pt x="953" y="3401"/>
-                </a:lnTo>
-                <a:lnTo>
-                  <a:pt x="860" y="3347"/>
-                </a:lnTo>
-                <a:lnTo>
-                  <a:pt x="771" y="3289"/>
-                </a:lnTo>
-                <a:lnTo>
-                  <a:pt x="686" y="3224"/>
-                </a:lnTo>
-                <a:lnTo>
-                  <a:pt x="604" y="3156"/>
-                </a:lnTo>
-                <a:lnTo>
-                  <a:pt x="527" y="3083"/>
-                </a:lnTo>
-                <a:lnTo>
-                  <a:pt x="454" y="3005"/>
-                </a:lnTo>
-                <a:lnTo>
-                  <a:pt x="386" y="2923"/>
-                </a:lnTo>
-                <a:lnTo>
-                  <a:pt x="323" y="2838"/>
-                </a:lnTo>
-                <a:lnTo>
-                  <a:pt x="265" y="2748"/>
-                </a:lnTo>
-                <a:lnTo>
-                  <a:pt x="211" y="2655"/>
-                </a:lnTo>
-                <a:lnTo>
-                  <a:pt x="163" y="2559"/>
-                </a:lnTo>
-                <a:lnTo>
-                  <a:pt x="121" y="2459"/>
-                </a:lnTo>
-                <a:lnTo>
-                  <a:pt x="85" y="2356"/>
-                </a:lnTo>
-                <a:lnTo>
-                  <a:pt x="55" y="2251"/>
-                </a:lnTo>
-                <a:lnTo>
-                  <a:pt x="32" y="2143"/>
-                </a:lnTo>
-                <a:lnTo>
-                  <a:pt x="14" y="2033"/>
-                </a:lnTo>
-                <a:lnTo>
-                  <a:pt x="4" y="1920"/>
-                </a:lnTo>
-                <a:lnTo>
-                  <a:pt x="0" y="1806"/>
-                </a:lnTo>
-                <a:lnTo>
-                  <a:pt x="4" y="1692"/>
-                </a:lnTo>
-                <a:lnTo>
-                  <a:pt x="14" y="1580"/>
-                </a:lnTo>
-                <a:lnTo>
-                  <a:pt x="32" y="1469"/>
-                </a:lnTo>
-                <a:lnTo>
-                  <a:pt x="55" y="1362"/>
-                </a:lnTo>
-                <a:lnTo>
-                  <a:pt x="85" y="1256"/>
-                </a:lnTo>
-                <a:lnTo>
-                  <a:pt x="121" y="1154"/>
-                </a:lnTo>
-                <a:lnTo>
-                  <a:pt x="163" y="1054"/>
-                </a:lnTo>
-                <a:lnTo>
-                  <a:pt x="211" y="958"/>
-                </a:lnTo>
-                <a:lnTo>
-                  <a:pt x="265" y="864"/>
-                </a:lnTo>
-                <a:lnTo>
-                  <a:pt x="323" y="774"/>
-                </a:lnTo>
-                <a:lnTo>
-                  <a:pt x="386" y="689"/>
-                </a:lnTo>
-                <a:lnTo>
-                  <a:pt x="454" y="607"/>
-                </a:lnTo>
-                <a:lnTo>
-                  <a:pt x="527" y="529"/>
-                </a:lnTo>
-                <a:lnTo>
-                  <a:pt x="604" y="456"/>
-                </a:lnTo>
-                <a:lnTo>
-                  <a:pt x="686" y="388"/>
-                </a:lnTo>
-                <a:lnTo>
-                  <a:pt x="771" y="325"/>
-                </a:lnTo>
-                <a:lnTo>
-                  <a:pt x="860" y="266"/>
-                </a:lnTo>
-                <a:lnTo>
-                  <a:pt x="953" y="212"/>
-                </a:lnTo>
-                <a:lnTo>
-                  <a:pt x="1050" y="164"/>
-                </a:lnTo>
-                <a:lnTo>
-                  <a:pt x="1150" y="122"/>
-                </a:lnTo>
-                <a:lnTo>
-                  <a:pt x="1251" y="85"/>
-                </a:lnTo>
-                <a:lnTo>
-                  <a:pt x="1357" y="55"/>
-                </a:lnTo>
-                <a:lnTo>
-                  <a:pt x="1464" y="32"/>
-                </a:lnTo>
-                <a:lnTo>
-                  <a:pt x="1574" y="14"/>
-                </a:lnTo>
-                <a:lnTo>
-                  <a:pt x="1686" y="5"/>
-                </a:lnTo>
-                <a:lnTo>
-                  <a:pt x="1799" y="0"/>
-                </a:lnTo>
-                <a:close/>
-              </a:path>
-            </a:pathLst>
-          </a:custGeom>
-          <a:solidFill>
-            <a:schemeClr val="tx1">
-              <a:lumMod val="85000"/>
-              <a:lumOff val="15000"/>
-            </a:schemeClr>
-          </a:solidFill>
-          <a:ln w="0">
-            <a:noFill/>
-            <a:prstDash val="solid"/>
-            <a:round/>
-            <a:headEnd/>
-            <a:tailEnd/>
-          </a:ln>
-        </p:spPr>
-        <p:txBody>
-          <a:bodyPr anchor="ctr"/>
-          <a:lstStyle/>
-          <a:p>
-            <a:endParaRPr lang="en-US"/>
-          </a:p>
-        </p:txBody>
-      </p:sp>
-    </p:spTree>
-    <p:extLst>
-      <p:ext uri="{BB962C8B-B14F-4D97-AF65-F5344CB8AC3E}">
-        <p14:creationId xmlns:p14="http://schemas.microsoft.com/office/powerpoint/2010/main" val="1765171270"/>
-      </p:ext>
-    </p:extLst>
-  </p:cSld>
-  <p:clrMapOvr>
-    <a:masterClrMapping/>
-  </p:clrMapOvr>
-</p:sld>
-</file>
-
-<file path=ppt/slides/slide8.xml><?xml version="1.0" encoding="utf-8"?>
-<p:sld xmlns:a="http://schemas.openxmlformats.org/drawingml/2006/main" xmlns:r="http://schemas.openxmlformats.org/officeDocument/2006/relationships" xmlns:p="http://schemas.openxmlformats.org/presentationml/2006/main">
-  <p:cSld>
-    <p:bg>
-      <p:bgPr>
-        <a:solidFill>
-          <a:schemeClr val="bg2"/>
-        </a:solidFill>
-        <a:effectLst/>
-      </p:bgPr>
-    </p:bg>
-    <p:spTree>
-      <p:nvGrpSpPr>
-        <p:cNvPr id="1" name=""/>
-        <p:cNvGrpSpPr/>
-        <p:nvPr/>
-      </p:nvGrpSpPr>
-      <p:grpSpPr>
-        <a:xfrm>
-          <a:off x="0" y="0"/>
-          <a:ext cx="0" cy="0"/>
-          <a:chOff x="0" y="0"/>
-          <a:chExt cx="0" cy="0"/>
-        </a:xfrm>
-      </p:grpSpPr>
-      <p:sp useBgFill="1">
-        <p:nvSpPr>
-          <p:cNvPr id="11" name="Rectangle 10">
-            <a:extLst>
-              <a:ext uri="{FF2B5EF4-FFF2-40B4-BE49-F238E27FC236}">
-                <a16:creationId xmlns:a16="http://schemas.microsoft.com/office/drawing/2014/main" id="{C5176844-69C3-4F79-BE38-EA5BDDF4FEA4}"/>
-              </a:ext>
-              <a:ext uri="{C183D7F6-B498-43B3-948B-1728B52AA6E4}">
-                <adec:decorative xmlns:adec="http://schemas.microsoft.com/office/drawing/2017/decorative" val="1"/>
-              </a:ext>
-            </a:extLst>
-          </p:cNvPr>
-          <p:cNvSpPr>
-            <a:spLocks noGrp="1" noRot="1" noChangeAspect="1" noMove="1" noResize="1" noEditPoints="1" noAdjustHandles="1" noChangeArrowheads="1" noChangeShapeType="1" noTextEdit="1"/>
-          </p:cNvSpPr>
-          <p:nvPr>
-            <p:extLst>
-              <p:ext uri="{386F3935-93C4-4BCD-93E2-E3B085C9AB24}">
-                <p16:designElem xmlns:p16="http://schemas.microsoft.com/office/powerpoint/2015/main" val="1"/>
-              </p:ext>
-            </p:extLst>
-          </p:nvPr>
-        </p:nvSpPr>
-        <p:spPr>
-          <a:xfrm>
-            <a:off x="0" y="0"/>
-            <a:ext cx="12192000" cy="6858000"/>
-          </a:xfrm>
-          <a:prstGeom prst="rect">
-            <a:avLst/>
-          </a:prstGeom>
-          <a:ln>
-            <a:noFill/>
-          </a:ln>
-        </p:spPr>
-        <p:style>
-          <a:lnRef idx="2">
-            <a:schemeClr val="accent1">
-              <a:shade val="50000"/>
-            </a:schemeClr>
-          </a:lnRef>
-          <a:fillRef idx="1">
-            <a:schemeClr val="accent1"/>
-          </a:fillRef>
-          <a:effectRef idx="0">
-            <a:schemeClr val="accent1"/>
-          </a:effectRef>
-          <a:fontRef idx="minor">
-            <a:schemeClr val="lt1"/>
-          </a:fontRef>
-        </p:style>
-        <p:txBody>
-          <a:bodyPr rtlCol="0" anchor="ctr"/>
-          <a:lstStyle/>
-          <a:p>
-            <a:pPr algn="ctr"/>
-            <a:endParaRPr lang="en-US"/>
-          </a:p>
-        </p:txBody>
-      </p:sp>
-      <p:sp>
-        <p:nvSpPr>
-          <p:cNvPr id="13" name="Rectangle 12">
-            <a:extLst>
-              <a:ext uri="{FF2B5EF4-FFF2-40B4-BE49-F238E27FC236}">
-                <a16:creationId xmlns:a16="http://schemas.microsoft.com/office/drawing/2014/main" id="{41113FF5-9B84-4A89-BF52-EA3C7E01AA3B}"/>
-              </a:ext>
-              <a:ext uri="{C183D7F6-B498-43B3-948B-1728B52AA6E4}">
-                <adec:decorative xmlns:adec="http://schemas.microsoft.com/office/drawing/2017/decorative" val="1"/>
-              </a:ext>
-            </a:extLst>
-          </p:cNvPr>
-          <p:cNvSpPr>
-            <a:spLocks noGrp="1" noRot="1" noChangeAspect="1" noMove="1" noResize="1" noEditPoints="1" noAdjustHandles="1" noChangeArrowheads="1" noChangeShapeType="1" noTextEdit="1"/>
-          </p:cNvSpPr>
-          <p:nvPr>
-            <p:extLst>
-              <p:ext uri="{386F3935-93C4-4BCD-93E2-E3B085C9AB24}">
-                <p16:designElem xmlns:p16="http://schemas.microsoft.com/office/powerpoint/2015/main" val="1"/>
-              </p:ext>
-            </p:extLst>
-          </p:nvPr>
-        </p:nvSpPr>
-        <p:spPr>
-          <a:xfrm>
-            <a:off x="0" y="1"/>
-            <a:ext cx="12191999" cy="1955968"/>
-          </a:xfrm>
-          <a:prstGeom prst="rect">
-            <a:avLst/>
-          </a:prstGeom>
-          <a:solidFill>
-            <a:schemeClr val="tx1">
-              <a:lumMod val="85000"/>
-              <a:lumOff val="15000"/>
-            </a:schemeClr>
-          </a:solidFill>
-          <a:ln>
-            <a:noFill/>
-          </a:ln>
-        </p:spPr>
-        <p:style>
-          <a:lnRef idx="2">
-            <a:schemeClr val="accent1">
-              <a:shade val="50000"/>
-            </a:schemeClr>
-          </a:lnRef>
-          <a:fillRef idx="1">
-            <a:schemeClr val="accent1"/>
-          </a:fillRef>
-          <a:effectRef idx="0">
-            <a:schemeClr val="accent1"/>
-          </a:effectRef>
-          <a:fontRef idx="minor">
-            <a:schemeClr val="lt1"/>
-          </a:fontRef>
-        </p:style>
-        <p:txBody>
-          <a:bodyPr rtlCol="0" anchor="ctr"/>
-          <a:lstStyle/>
-          <a:p>
-            <a:pPr algn="ctr"/>
-            <a:endParaRPr lang="en-US"/>
-          </a:p>
-        </p:txBody>
-      </p:sp>
-      <p:sp>
-        <p:nvSpPr>
-          <p:cNvPr id="2" name="Title 1">
-            <a:extLst>
-              <a:ext uri="{FF2B5EF4-FFF2-40B4-BE49-F238E27FC236}">
-                <a16:creationId xmlns:a16="http://schemas.microsoft.com/office/drawing/2014/main" id="{3707C1D9-D3D1-02D7-D1E3-384879AB005B}"/>
-              </a:ext>
-            </a:extLst>
-          </p:cNvPr>
-          <p:cNvSpPr>
-            <a:spLocks noGrp="1"/>
-          </p:cNvSpPr>
-          <p:nvPr>
-            <p:ph type="title"/>
-          </p:nvPr>
-        </p:nvSpPr>
-        <p:spPr>
-          <a:xfrm>
-            <a:off x="758952" y="420625"/>
-            <a:ext cx="10667998" cy="1326814"/>
-          </a:xfrm>
-        </p:spPr>
-        <p:txBody>
-          <a:bodyPr anchor="ctr">
-            <a:normAutofit/>
-          </a:bodyPr>
-          <a:lstStyle/>
-          <a:p>
-            <a:r>
-              <a:rPr lang="ru-RU" sz="4200" i="0">
-                <a:solidFill>
-                  <a:schemeClr val="bg1"/>
-                </a:solidFill>
-              </a:rPr>
-              <a:t>Пространственное распределение и частоты процессов</a:t>
-            </a:r>
-            <a:endParaRPr lang="en-US" sz="4200">
-              <a:solidFill>
-                <a:schemeClr val="bg1"/>
-              </a:solidFill>
-            </a:endParaRPr>
-          </a:p>
-        </p:txBody>
-      </p:sp>
-      <p:sp>
-        <p:nvSpPr>
-          <p:cNvPr id="4" name="Rectangle 1">
-            <a:extLst>
-              <a:ext uri="{FF2B5EF4-FFF2-40B4-BE49-F238E27FC236}">
-                <a16:creationId xmlns:a16="http://schemas.microsoft.com/office/drawing/2014/main" id="{7D6C182C-B89D-4853-3829-7BB8ECFEA886}"/>
-              </a:ext>
-            </a:extLst>
-          </p:cNvPr>
-          <p:cNvSpPr>
-            <a:spLocks noGrp="1" noChangeArrowheads="1"/>
-          </p:cNvSpPr>
-          <p:nvPr>
-            <p:ph idx="1"/>
-          </p:nvPr>
-        </p:nvSpPr>
-        <p:spPr bwMode="auto">
-          <a:xfrm>
-            <a:off x="758952" y="2413169"/>
-            <a:ext cx="6039340" cy="3368920"/>
-          </a:xfrm>
-          <a:prstGeom prst="rect">
-            <a:avLst/>
-          </a:prstGeom>
-          <a:extLst>
-            <a:ext uri="{909E8E84-426E-40DD-AFC4-6F175D3DCCD1}">
-              <a14:hiddenFill xmlns:a14="http://schemas.microsoft.com/office/drawing/2010/main">
-                <a:solidFill>
-                  <a:schemeClr val="accent1"/>
-                </a:solidFill>
-              </a14:hiddenFill>
-            </a:ext>
-            <a:ext uri="{91240B29-F687-4F45-9708-019B960494DF}">
-              <a14:hiddenLine xmlns:a14="http://schemas.microsoft.com/office/drawing/2010/main" w="9525">
-                <a:solidFill>
-                  <a:schemeClr val="tx1"/>
-                </a:solidFill>
-                <a:miter lim="800000"/>
-                <a:headEnd/>
-                <a:tailEnd/>
-              </a14:hiddenLine>
-            </a:ext>
-            <a:ext uri="{AF507438-7753-43E0-B8FC-AC1667EBCBE1}">
-              <a14:hiddenEffects xmlns:a14="http://schemas.microsoft.com/office/drawing/2010/main">
-                <a:effectLst>
-                  <a:outerShdw dist="35921" dir="2700000" algn="ctr" rotWithShape="0">
-                    <a:schemeClr val="bg2"/>
-                  </a:outerShdw>
-                </a:effectLst>
-              </a14:hiddenEffects>
-            </a:ext>
-          </a:extLst>
-        </p:spPr>
-        <p:txBody>
-          <a:bodyPr vert="horz" lIns="0" tIns="30153" rIns="0" bIns="0" numCol="1" anchor="ctr" anchorCtr="0" compatLnSpc="1">
-            <a:prstTxWarp prst="textNoShape">
-              <a:avLst/>
-            </a:prstTxWarp>
-            <a:normAutofit/>
-          </a:bodyPr>
-          <a:lstStyle/>
-          <a:p>
-            <a:pPr marL="0" marR="0" lvl="0" indent="0" defTabSz="914400" rtl="0" eaLnBrk="0" fontAlgn="base" latinLnBrk="0" hangingPunct="0">
-              <a:spcBef>
-                <a:spcPct val="0"/>
-              </a:spcBef>
-              <a:spcAft>
-                <a:spcPts val="600"/>
-              </a:spcAft>
-              <a:buClrTx/>
-              <a:buSzTx/>
-              <a:buFontTx/>
-              <a:buNone/>
-              <a:tabLst/>
-            </a:pPr>
-            <a:endParaRPr kumimoji="0" lang="en-US" altLang="en-US" b="0" i="0" u="none" strike="noStrike" cap="none" normalizeH="0" baseline="0" dirty="0">
-              <a:ln>
-                <a:noFill/>
-              </a:ln>
-              <a:effectLst/>
-              <a:latin typeface="Century Gothic" panose="020B0502020202020204" pitchFamily="34" charset="0"/>
-            </a:endParaRPr>
-          </a:p>
-          <a:p>
-            <a:pPr marL="0" marR="0" lvl="0" indent="0" defTabSz="914400" rtl="0" eaLnBrk="0" fontAlgn="base" latinLnBrk="0" hangingPunct="0">
-              <a:spcBef>
-                <a:spcPct val="0"/>
-              </a:spcBef>
-              <a:spcAft>
-                <a:spcPts val="600"/>
-              </a:spcAft>
-              <a:buClrTx/>
-              <a:buSzTx/>
-              <a:buFontTx/>
-              <a:buChar char="•"/>
-              <a:tabLst/>
-            </a:pPr>
-            <a:r>
-              <a:rPr kumimoji="0" lang="en-US" altLang="en-US" b="1" i="0" u="none" strike="noStrike" cap="none" normalizeH="0" baseline="0" dirty="0" err="1">
-                <a:ln>
-                  <a:noFill/>
-                </a:ln>
-                <a:effectLst/>
-                <a:latin typeface="Century Gothic" panose="020B0502020202020204" pitchFamily="34" charset="0"/>
-              </a:rPr>
-              <a:t>Тепловые</a:t>
-            </a:r>
-            <a:r>
-              <a:rPr kumimoji="0" lang="en-US" altLang="en-US" b="1" i="0" u="none" strike="noStrike" cap="none" normalizeH="0" baseline="0" dirty="0">
-                <a:ln>
-                  <a:noFill/>
-                </a:ln>
-                <a:effectLst/>
-                <a:latin typeface="Century Gothic" panose="020B0502020202020204" pitchFamily="34" charset="0"/>
-              </a:rPr>
-              <a:t> </a:t>
-            </a:r>
-            <a:r>
-              <a:rPr kumimoji="0" lang="en-US" altLang="en-US" b="1" i="0" u="none" strike="noStrike" cap="none" normalizeH="0" baseline="0" dirty="0" err="1">
-                <a:ln>
-                  <a:noFill/>
-                </a:ln>
-                <a:effectLst/>
-                <a:latin typeface="Century Gothic" panose="020B0502020202020204" pitchFamily="34" charset="0"/>
-              </a:rPr>
-              <a:t>карты</a:t>
-            </a:r>
-            <a:r>
-              <a:rPr kumimoji="0" lang="en-US" altLang="en-US" b="1" i="0" u="none" strike="noStrike" cap="none" normalizeH="0" baseline="0" dirty="0">
-                <a:ln>
-                  <a:noFill/>
-                </a:ln>
-                <a:effectLst/>
-                <a:latin typeface="Century Gothic" panose="020B0502020202020204" pitchFamily="34" charset="0"/>
-              </a:rPr>
-              <a:t> (heatmaps):</a:t>
-            </a:r>
-            <a:r>
-              <a:rPr kumimoji="0" lang="en-US" altLang="en-US" b="0" i="0" u="none" strike="noStrike" cap="none" normalizeH="0" baseline="0" dirty="0">
-                <a:ln>
-                  <a:noFill/>
-                </a:ln>
-                <a:effectLst/>
-                <a:latin typeface="Century Gothic" panose="020B0502020202020204" pitchFamily="34" charset="0"/>
-              </a:rPr>
-              <a:t> XY, XZ, YZ </a:t>
-            </a:r>
-            <a:r>
-              <a:rPr kumimoji="0" lang="en-US" altLang="en-US" b="0" i="0" u="none" strike="noStrike" cap="none" normalizeH="0" baseline="0" dirty="0" err="1">
-                <a:ln>
-                  <a:noFill/>
-                </a:ln>
-                <a:effectLst/>
-                <a:latin typeface="Century Gothic" panose="020B0502020202020204" pitchFamily="34" charset="0"/>
-              </a:rPr>
-              <a:t>проекции</a:t>
-            </a:r>
-            <a:endParaRPr kumimoji="0" lang="en-US" altLang="en-US" b="0" i="0" u="none" strike="noStrike" cap="none" normalizeH="0" baseline="0" dirty="0">
-              <a:ln>
-                <a:noFill/>
-              </a:ln>
-              <a:effectLst/>
-              <a:latin typeface="Century Gothic" panose="020B0502020202020204" pitchFamily="34" charset="0"/>
-            </a:endParaRPr>
-          </a:p>
-          <a:p>
-            <a:pPr marL="0" marR="0" lvl="0" indent="0" defTabSz="914400" rtl="0" eaLnBrk="0" fontAlgn="base" latinLnBrk="0" hangingPunct="0">
-              <a:spcBef>
-                <a:spcPct val="0"/>
-              </a:spcBef>
-              <a:spcAft>
-                <a:spcPts val="600"/>
-              </a:spcAft>
-              <a:buClrTx/>
-              <a:buSzTx/>
-              <a:buFontTx/>
-              <a:buChar char="•"/>
-              <a:tabLst/>
-            </a:pPr>
-            <a:r>
-              <a:rPr kumimoji="0" lang="en-US" altLang="en-US" b="1" i="0" u="none" strike="noStrike" cap="none" normalizeH="0" baseline="0" dirty="0" err="1">
-                <a:ln>
-                  <a:noFill/>
-                </a:ln>
-                <a:effectLst/>
-                <a:latin typeface="Century Gothic" panose="020B0502020202020204" pitchFamily="34" charset="0"/>
-              </a:rPr>
-              <a:t>Диаграммы</a:t>
-            </a:r>
-            <a:r>
-              <a:rPr kumimoji="0" lang="en-US" altLang="en-US" b="1" i="0" u="none" strike="noStrike" cap="none" normalizeH="0" baseline="0" dirty="0">
-                <a:ln>
-                  <a:noFill/>
-                </a:ln>
-                <a:effectLst/>
-                <a:latin typeface="Century Gothic" panose="020B0502020202020204" pitchFamily="34" charset="0"/>
-              </a:rPr>
-              <a:t> </a:t>
-            </a:r>
-            <a:r>
-              <a:rPr kumimoji="0" lang="en-US" altLang="en-US" b="1" i="0" u="none" strike="noStrike" cap="none" normalizeH="0" baseline="0" dirty="0" err="1">
-                <a:ln>
-                  <a:noFill/>
-                </a:ln>
-                <a:effectLst/>
-                <a:latin typeface="Century Gothic" panose="020B0502020202020204" pitchFamily="34" charset="0"/>
-              </a:rPr>
-              <a:t>частот</a:t>
-            </a:r>
-            <a:r>
-              <a:rPr kumimoji="0" lang="en-US" altLang="en-US" b="1" i="0" u="none" strike="noStrike" cap="none" normalizeH="0" baseline="0" dirty="0">
-                <a:ln>
-                  <a:noFill/>
-                </a:ln>
-                <a:effectLst/>
-                <a:latin typeface="Century Gothic" panose="020B0502020202020204" pitchFamily="34" charset="0"/>
-              </a:rPr>
-              <a:t> </a:t>
-            </a:r>
-            <a:r>
-              <a:rPr kumimoji="0" lang="en-US" altLang="en-US" b="1" i="0" u="none" strike="noStrike" cap="none" normalizeH="0" baseline="0" dirty="0" err="1">
-                <a:ln>
-                  <a:noFill/>
-                </a:ln>
-                <a:effectLst/>
-                <a:latin typeface="Century Gothic" panose="020B0502020202020204" pitchFamily="34" charset="0"/>
-              </a:rPr>
-              <a:t>процессов</a:t>
-            </a:r>
-            <a:r>
-              <a:rPr kumimoji="0" lang="en-US" altLang="en-US" b="1" i="0" u="none" strike="noStrike" cap="none" normalizeH="0" baseline="0" dirty="0">
-                <a:ln>
-                  <a:noFill/>
-                </a:ln>
-                <a:effectLst/>
-                <a:latin typeface="Century Gothic" panose="020B0502020202020204" pitchFamily="34" charset="0"/>
-              </a:rPr>
-              <a:t>:</a:t>
-            </a:r>
-            <a:r>
-              <a:rPr kumimoji="0" lang="en-US" altLang="en-US" b="0" i="0" u="none" strike="noStrike" cap="none" normalizeH="0" baseline="0" dirty="0">
-                <a:ln>
-                  <a:noFill/>
-                </a:ln>
-                <a:effectLst/>
-                <a:latin typeface="Century Gothic" panose="020B0502020202020204" pitchFamily="34" charset="0"/>
-              </a:rPr>
-              <a:t> </a:t>
-            </a:r>
-            <a:r>
-              <a:rPr kumimoji="0" lang="en-US" altLang="en-US" b="0" i="0" u="none" strike="noStrike" cap="none" normalizeH="0" baseline="0" dirty="0" err="1">
-                <a:ln>
-                  <a:noFill/>
-                </a:ln>
-                <a:effectLst/>
-                <a:latin typeface="Century Gothic" panose="020B0502020202020204" pitchFamily="34" charset="0"/>
-              </a:rPr>
-              <a:t>горизонтальные</a:t>
-            </a:r>
-            <a:r>
-              <a:rPr kumimoji="0" lang="en-US" altLang="en-US" b="0" i="0" u="none" strike="noStrike" cap="none" normalizeH="0" baseline="0" dirty="0">
-                <a:ln>
-                  <a:noFill/>
-                </a:ln>
-                <a:effectLst/>
-                <a:latin typeface="Century Gothic" panose="020B0502020202020204" pitchFamily="34" charset="0"/>
-              </a:rPr>
-              <a:t> bar-plot</a:t>
-            </a:r>
-          </a:p>
-          <a:p>
-            <a:pPr marL="0" marR="0" lvl="0" indent="0" defTabSz="914400" rtl="0" eaLnBrk="0" fontAlgn="base" latinLnBrk="0" hangingPunct="0">
-              <a:spcBef>
-                <a:spcPct val="0"/>
-              </a:spcBef>
-              <a:spcAft>
-                <a:spcPts val="600"/>
-              </a:spcAft>
-              <a:buClrTx/>
-              <a:buSzTx/>
-              <a:buFontTx/>
-              <a:buChar char="•"/>
-              <a:tabLst/>
-            </a:pPr>
-            <a:r>
-              <a:rPr kumimoji="0" lang="en-US" altLang="en-US" b="1" i="0" u="none" strike="noStrike" cap="none" normalizeH="0" baseline="0" dirty="0" err="1">
-                <a:ln>
-                  <a:noFill/>
-                </a:ln>
-                <a:effectLst/>
-                <a:latin typeface="Century Gothic" panose="020B0502020202020204" pitchFamily="34" charset="0"/>
-              </a:rPr>
-              <a:t>Выявление</a:t>
-            </a:r>
-            <a:r>
-              <a:rPr kumimoji="0" lang="en-US" altLang="en-US" b="1" i="0" u="none" strike="noStrike" cap="none" normalizeH="0" baseline="0" dirty="0">
-                <a:ln>
-                  <a:noFill/>
-                </a:ln>
-                <a:effectLst/>
-                <a:latin typeface="Century Gothic" panose="020B0502020202020204" pitchFamily="34" charset="0"/>
-              </a:rPr>
-              <a:t> </a:t>
-            </a:r>
-            <a:r>
-              <a:rPr kumimoji="0" lang="en-US" altLang="en-US" b="1" i="0" u="none" strike="noStrike" cap="none" normalizeH="0" baseline="0" dirty="0" err="1">
-                <a:ln>
-                  <a:noFill/>
-                </a:ln>
-                <a:effectLst/>
-                <a:latin typeface="Century Gothic" panose="020B0502020202020204" pitchFamily="34" charset="0"/>
-              </a:rPr>
-              <a:t>доминирующих</a:t>
-            </a:r>
-            <a:r>
-              <a:rPr kumimoji="0" lang="en-US" altLang="en-US" b="1" i="0" u="none" strike="noStrike" cap="none" normalizeH="0" baseline="0" dirty="0">
-                <a:ln>
-                  <a:noFill/>
-                </a:ln>
-                <a:effectLst/>
-                <a:latin typeface="Century Gothic" panose="020B0502020202020204" pitchFamily="34" charset="0"/>
-              </a:rPr>
-              <a:t> </a:t>
-            </a:r>
-            <a:r>
-              <a:rPr kumimoji="0" lang="en-US" altLang="en-US" b="1" i="0" u="none" strike="noStrike" cap="none" normalizeH="0" baseline="0" dirty="0" err="1">
-                <a:ln>
-                  <a:noFill/>
-                </a:ln>
-                <a:effectLst/>
-                <a:latin typeface="Century Gothic" panose="020B0502020202020204" pitchFamily="34" charset="0"/>
-              </a:rPr>
-              <a:t>механизмов</a:t>
-            </a:r>
-            <a:r>
-              <a:rPr kumimoji="0" lang="en-US" altLang="en-US" b="1" i="0" u="none" strike="noStrike" cap="none" normalizeH="0" baseline="0" dirty="0">
-                <a:ln>
-                  <a:noFill/>
-                </a:ln>
-                <a:effectLst/>
-                <a:latin typeface="Century Gothic" panose="020B0502020202020204" pitchFamily="34" charset="0"/>
-              </a:rPr>
-              <a:t> </a:t>
-            </a:r>
-            <a:r>
-              <a:rPr kumimoji="0" lang="en-US" altLang="en-US" b="1" i="0" u="none" strike="noStrike" cap="none" normalizeH="0" baseline="0" dirty="0" err="1">
-                <a:ln>
-                  <a:noFill/>
-                </a:ln>
-                <a:effectLst/>
-                <a:latin typeface="Century Gothic" panose="020B0502020202020204" pitchFamily="34" charset="0"/>
-              </a:rPr>
-              <a:t>взаимодействия</a:t>
-            </a:r>
-            <a:endParaRPr kumimoji="0" lang="en-US" altLang="en-US" b="0" i="0" u="none" strike="noStrike" cap="none" normalizeH="0" baseline="0" dirty="0">
-              <a:ln>
-                <a:noFill/>
-              </a:ln>
-              <a:effectLst/>
-              <a:latin typeface="Century Gothic" panose="020B0502020202020204" pitchFamily="34" charset="0"/>
-            </a:endParaRPr>
-          </a:p>
-          <a:p>
-            <a:pPr marL="0" marR="0" lvl="0" indent="0" defTabSz="914400" rtl="0" eaLnBrk="0" fontAlgn="base" latinLnBrk="0" hangingPunct="0">
-              <a:spcBef>
-                <a:spcPct val="0"/>
-              </a:spcBef>
-              <a:spcAft>
-                <a:spcPts val="600"/>
-              </a:spcAft>
-              <a:buClrTx/>
-              <a:buSzTx/>
-              <a:buFontTx/>
-              <a:buChar char="•"/>
-              <a:tabLst/>
-            </a:pPr>
-            <a:r>
-              <a:rPr kumimoji="0" lang="en-US" altLang="en-US" b="1" i="0" u="none" strike="noStrike" cap="none" normalizeH="0" baseline="0" dirty="0" err="1">
-                <a:ln>
-                  <a:noFill/>
-                </a:ln>
-                <a:effectLst/>
-                <a:latin typeface="Century Gothic" panose="020B0502020202020204" pitchFamily="34" charset="0"/>
-              </a:rPr>
-              <a:t>Анализ</a:t>
-            </a:r>
-            <a:r>
-              <a:rPr kumimoji="0" lang="en-US" altLang="en-US" b="1" i="0" u="none" strike="noStrike" cap="none" normalizeH="0" baseline="0" dirty="0">
-                <a:ln>
-                  <a:noFill/>
-                </a:ln>
-                <a:effectLst/>
-                <a:latin typeface="Century Gothic" panose="020B0502020202020204" pitchFamily="34" charset="0"/>
-              </a:rPr>
-              <a:t> "</a:t>
-            </a:r>
-            <a:r>
-              <a:rPr kumimoji="0" lang="en-US" altLang="en-US" b="1" i="0" u="none" strike="noStrike" cap="none" normalizeH="0" baseline="0" dirty="0" err="1">
-                <a:ln>
-                  <a:noFill/>
-                </a:ln>
-                <a:effectLst/>
-                <a:latin typeface="Century Gothic" panose="020B0502020202020204" pitchFamily="34" charset="0"/>
-              </a:rPr>
-              <a:t>горячих</a:t>
-            </a:r>
-            <a:r>
-              <a:rPr kumimoji="0" lang="en-US" altLang="en-US" b="1" i="0" u="none" strike="noStrike" cap="none" normalizeH="0" baseline="0" dirty="0">
-                <a:ln>
-                  <a:noFill/>
-                </a:ln>
-                <a:effectLst/>
-                <a:latin typeface="Century Gothic" panose="020B0502020202020204" pitchFamily="34" charset="0"/>
-              </a:rPr>
-              <a:t>" </a:t>
-            </a:r>
-            <a:r>
-              <a:rPr kumimoji="0" lang="en-US" altLang="en-US" b="1" i="0" u="none" strike="noStrike" cap="none" normalizeH="0" baseline="0" dirty="0" err="1">
-                <a:ln>
-                  <a:noFill/>
-                </a:ln>
-                <a:effectLst/>
-                <a:latin typeface="Century Gothic" panose="020B0502020202020204" pitchFamily="34" charset="0"/>
-              </a:rPr>
-              <a:t>зон</a:t>
-            </a:r>
-            <a:r>
-              <a:rPr kumimoji="0" lang="en-US" altLang="en-US" b="1" i="0" u="none" strike="noStrike" cap="none" normalizeH="0" baseline="0" dirty="0">
-                <a:ln>
-                  <a:noFill/>
-                </a:ln>
-                <a:effectLst/>
-                <a:latin typeface="Century Gothic" panose="020B0502020202020204" pitchFamily="34" charset="0"/>
-              </a:rPr>
-              <a:t> </a:t>
-            </a:r>
-            <a:r>
-              <a:rPr kumimoji="0" lang="en-US" altLang="en-US" b="1" i="0" u="none" strike="noStrike" cap="none" normalizeH="0" baseline="0" dirty="0" err="1">
-                <a:ln>
-                  <a:noFill/>
-                </a:ln>
-                <a:effectLst/>
-                <a:latin typeface="Century Gothic" panose="020B0502020202020204" pitchFamily="34" charset="0"/>
-              </a:rPr>
-              <a:t>в</a:t>
-            </a:r>
-            <a:r>
-              <a:rPr kumimoji="0" lang="en-US" altLang="en-US" b="1" i="0" u="none" strike="noStrike" cap="none" normalizeH="0" baseline="0" dirty="0">
-                <a:ln>
-                  <a:noFill/>
-                </a:ln>
-                <a:effectLst/>
-                <a:latin typeface="Century Gothic" panose="020B0502020202020204" pitchFamily="34" charset="0"/>
-              </a:rPr>
-              <a:t> </a:t>
-            </a:r>
-            <a:r>
-              <a:rPr kumimoji="0" lang="en-US" altLang="en-US" b="1" i="0" u="none" strike="noStrike" cap="none" normalizeH="0" baseline="0" dirty="0" err="1">
-                <a:ln>
-                  <a:noFill/>
-                </a:ln>
-                <a:effectLst/>
-                <a:latin typeface="Century Gothic" panose="020B0502020202020204" pitchFamily="34" charset="0"/>
-              </a:rPr>
-              <a:t>геометрии</a:t>
-            </a:r>
-            <a:r>
-              <a:rPr kumimoji="0" lang="en-US" altLang="en-US" b="1" i="0" u="none" strike="noStrike" cap="none" normalizeH="0" baseline="0" dirty="0">
-                <a:ln>
-                  <a:noFill/>
-                </a:ln>
-                <a:effectLst/>
-                <a:latin typeface="Century Gothic" panose="020B0502020202020204" pitchFamily="34" charset="0"/>
-              </a:rPr>
-              <a:t> </a:t>
-            </a:r>
-            <a:r>
-              <a:rPr kumimoji="0" lang="en-US" altLang="en-US" b="1" i="0" u="none" strike="noStrike" cap="none" normalizeH="0" baseline="0" dirty="0" err="1">
-                <a:ln>
-                  <a:noFill/>
-                </a:ln>
-                <a:effectLst/>
-                <a:latin typeface="Century Gothic" panose="020B0502020202020204" pitchFamily="34" charset="0"/>
-              </a:rPr>
-              <a:t>детектора</a:t>
-            </a:r>
-            <a:endParaRPr kumimoji="0" lang="en-US" altLang="en-US" b="0" i="0" u="none" strike="noStrike" cap="none" normalizeH="0" baseline="0" dirty="0">
-              <a:ln>
-                <a:noFill/>
-              </a:ln>
-              <a:effectLst/>
-              <a:latin typeface="Century Gothic" panose="020B0502020202020204" pitchFamily="34" charset="0"/>
-            </a:endParaRPr>
-          </a:p>
-          <a:p>
-            <a:pPr marL="0" marR="0" lvl="0" indent="0" defTabSz="914400" rtl="0" eaLnBrk="0" fontAlgn="base" latinLnBrk="0" hangingPunct="0">
-              <a:spcBef>
-                <a:spcPct val="0"/>
-              </a:spcBef>
-              <a:spcAft>
-                <a:spcPts val="600"/>
-              </a:spcAft>
-              <a:buClrTx/>
-              <a:buSzTx/>
-              <a:buFontTx/>
-              <a:buNone/>
-              <a:tabLst/>
-            </a:pPr>
-            <a:endParaRPr kumimoji="0" lang="en-US" altLang="en-US" b="0" i="0" u="none" strike="noStrike" cap="none" normalizeH="0" baseline="0" dirty="0">
-              <a:ln>
-                <a:noFill/>
-              </a:ln>
-              <a:effectLst/>
-              <a:latin typeface="Arial" panose="020B0604020202020204" pitchFamily="34" charset="0"/>
-            </a:endParaRPr>
-          </a:p>
-        </p:txBody>
-      </p:sp>
-      <p:pic>
-        <p:nvPicPr>
-          <p:cNvPr id="26" name="Graphic 25" descr="Questions">
-            <a:extLst>
-              <a:ext uri="{FF2B5EF4-FFF2-40B4-BE49-F238E27FC236}">
-                <a16:creationId xmlns:a16="http://schemas.microsoft.com/office/drawing/2014/main" id="{A1833E8B-C48B-8AB7-05A3-1E3D6AE341A6}"/>
-              </a:ext>
-            </a:extLst>
-          </p:cNvPr>
-          <p:cNvPicPr>
-            <a:picLocks noChangeAspect="1"/>
-          </p:cNvPicPr>
-          <p:nvPr/>
-        </p:nvPicPr>
-        <p:blipFill>
-          <a:blip r:embed="rId2">
-            <a:extLst>
-              <a:ext uri="{28A0092B-C50C-407E-A947-70E740481C1C}">
-                <a14:useLocalDpi xmlns:a14="http://schemas.microsoft.com/office/drawing/2010/main" val="0"/>
-              </a:ext>
-              <a:ext uri="{96DAC541-7B7A-43D3-8B79-37D633B846F1}">
-                <asvg:svgBlip xmlns:asvg="http://schemas.microsoft.com/office/drawing/2016/SVG/main" r:embed="rId3"/>
-              </a:ext>
-            </a:extLst>
-          </a:blip>
-          <a:stretch>
-            <a:fillRect/>
-          </a:stretch>
-        </p:blipFill>
-        <p:spPr>
-          <a:xfrm>
-            <a:off x="7755253" y="2413169"/>
-            <a:ext cx="3370396" cy="3370396"/>
-          </a:xfrm>
-          <a:prstGeom prst="rect">
-            <a:avLst/>
-          </a:prstGeom>
-        </p:spPr>
-      </p:pic>
-      <p:sp>
-        <p:nvSpPr>
-          <p:cNvPr id="15" name="Freeform 6">
-            <a:extLst>
-              <a:ext uri="{FF2B5EF4-FFF2-40B4-BE49-F238E27FC236}">
-                <a16:creationId xmlns:a16="http://schemas.microsoft.com/office/drawing/2014/main" id="{A101E513-AF74-4E9D-A31F-99664250722D}"/>
-              </a:ext>
-              <a:ext uri="{C183D7F6-B498-43B3-948B-1728B52AA6E4}">
-                <adec:decorative xmlns:adec="http://schemas.microsoft.com/office/drawing/2017/decorative" val="1"/>
-              </a:ext>
-            </a:extLst>
-          </p:cNvPr>
-          <p:cNvSpPr>
-            <a:spLocks noGrp="1" noRot="1" noChangeAspect="1" noMove="1" noResize="1" noEditPoints="1" noAdjustHandles="1" noChangeArrowheads="1" noChangeShapeType="1" noTextEdit="1"/>
-          </p:cNvSpPr>
-          <p:nvPr>
-            <p:extLst>
-              <p:ext uri="{386F3935-93C4-4BCD-93E2-E3B085C9AB24}">
-                <p16:designElem xmlns:p16="http://schemas.microsoft.com/office/powerpoint/2015/main" val="1"/>
-              </p:ext>
-            </p:extLst>
-          </p:nvPr>
-        </p:nvSpPr>
-        <p:spPr bwMode="auto">
-          <a:xfrm>
-            <a:off x="11784011" y="5783564"/>
-            <a:ext cx="407988" cy="819150"/>
-          </a:xfrm>
-          <a:custGeom>
-            <a:avLst/>
-            <a:gdLst/>
-            <a:ahLst/>
-            <a:cxnLst/>
-            <a:rect l="0" t="0" r="r" b="b"/>
-            <a:pathLst>
-              <a:path w="1799" h="3612">
-                <a:moveTo>
-                  <a:pt x="1799" y="0"/>
-                </a:moveTo>
-                <a:lnTo>
-                  <a:pt x="1799" y="3612"/>
-                </a:lnTo>
-                <a:lnTo>
-                  <a:pt x="1686" y="3609"/>
-                </a:lnTo>
-                <a:lnTo>
-                  <a:pt x="1574" y="3598"/>
-                </a:lnTo>
-                <a:lnTo>
-                  <a:pt x="1464" y="3581"/>
-                </a:lnTo>
-                <a:lnTo>
-                  <a:pt x="1357" y="3557"/>
-                </a:lnTo>
-                <a:lnTo>
-                  <a:pt x="1251" y="3527"/>
-                </a:lnTo>
-                <a:lnTo>
-                  <a:pt x="1150" y="3490"/>
-                </a:lnTo>
-                <a:lnTo>
-                  <a:pt x="1050" y="3448"/>
-                </a:lnTo>
-                <a:lnTo>
-                  <a:pt x="953" y="3401"/>
-                </a:lnTo>
-                <a:lnTo>
-                  <a:pt x="860" y="3347"/>
-                </a:lnTo>
-                <a:lnTo>
-                  <a:pt x="771" y="3289"/>
-                </a:lnTo>
-                <a:lnTo>
-                  <a:pt x="686" y="3224"/>
-                </a:lnTo>
-                <a:lnTo>
-                  <a:pt x="604" y="3156"/>
-                </a:lnTo>
-                <a:lnTo>
-                  <a:pt x="527" y="3083"/>
-                </a:lnTo>
-                <a:lnTo>
-                  <a:pt x="454" y="3005"/>
-                </a:lnTo>
-                <a:lnTo>
-                  <a:pt x="386" y="2923"/>
-                </a:lnTo>
-                <a:lnTo>
-                  <a:pt x="323" y="2838"/>
-                </a:lnTo>
-                <a:lnTo>
-                  <a:pt x="265" y="2748"/>
-                </a:lnTo>
-                <a:lnTo>
-                  <a:pt x="211" y="2655"/>
-                </a:lnTo>
-                <a:lnTo>
-                  <a:pt x="163" y="2559"/>
-                </a:lnTo>
-                <a:lnTo>
-                  <a:pt x="121" y="2459"/>
-                </a:lnTo>
-                <a:lnTo>
-                  <a:pt x="85" y="2356"/>
-                </a:lnTo>
-                <a:lnTo>
-                  <a:pt x="55" y="2251"/>
-                </a:lnTo>
-                <a:lnTo>
-                  <a:pt x="32" y="2143"/>
-                </a:lnTo>
-                <a:lnTo>
-                  <a:pt x="14" y="2033"/>
-                </a:lnTo>
-                <a:lnTo>
-                  <a:pt x="4" y="1920"/>
-                </a:lnTo>
-                <a:lnTo>
-                  <a:pt x="0" y="1806"/>
-                </a:lnTo>
-                <a:lnTo>
-                  <a:pt x="4" y="1692"/>
-                </a:lnTo>
-                <a:lnTo>
-                  <a:pt x="14" y="1580"/>
-                </a:lnTo>
-                <a:lnTo>
-                  <a:pt x="32" y="1469"/>
-                </a:lnTo>
-                <a:lnTo>
-                  <a:pt x="55" y="1362"/>
-                </a:lnTo>
-                <a:lnTo>
-                  <a:pt x="85" y="1256"/>
-                </a:lnTo>
-                <a:lnTo>
-                  <a:pt x="121" y="1154"/>
-                </a:lnTo>
-                <a:lnTo>
-                  <a:pt x="163" y="1054"/>
-                </a:lnTo>
-                <a:lnTo>
-                  <a:pt x="211" y="958"/>
-                </a:lnTo>
-                <a:lnTo>
-                  <a:pt x="265" y="864"/>
-                </a:lnTo>
-                <a:lnTo>
-                  <a:pt x="323" y="774"/>
-                </a:lnTo>
-                <a:lnTo>
-                  <a:pt x="386" y="689"/>
-                </a:lnTo>
-                <a:lnTo>
-                  <a:pt x="454" y="607"/>
-                </a:lnTo>
-                <a:lnTo>
-                  <a:pt x="527" y="529"/>
-                </a:lnTo>
-                <a:lnTo>
-                  <a:pt x="604" y="456"/>
-                </a:lnTo>
-                <a:lnTo>
-                  <a:pt x="686" y="388"/>
-                </a:lnTo>
-                <a:lnTo>
-                  <a:pt x="771" y="325"/>
-                </a:lnTo>
-                <a:lnTo>
-                  <a:pt x="860" y="266"/>
-                </a:lnTo>
-                <a:lnTo>
-                  <a:pt x="953" y="212"/>
-                </a:lnTo>
-                <a:lnTo>
-                  <a:pt x="1050" y="164"/>
-                </a:lnTo>
-                <a:lnTo>
-                  <a:pt x="1150" y="122"/>
-                </a:lnTo>
-                <a:lnTo>
-                  <a:pt x="1251" y="85"/>
-                </a:lnTo>
-                <a:lnTo>
-                  <a:pt x="1357" y="55"/>
-                </a:lnTo>
-                <a:lnTo>
-                  <a:pt x="1464" y="32"/>
-                </a:lnTo>
-                <a:lnTo>
-                  <a:pt x="1574" y="14"/>
-                </a:lnTo>
-                <a:lnTo>
-                  <a:pt x="1686" y="5"/>
-                </a:lnTo>
-                <a:lnTo>
-                  <a:pt x="1799" y="0"/>
-                </a:lnTo>
-                <a:close/>
-              </a:path>
-            </a:pathLst>
-          </a:custGeom>
-          <a:solidFill>
-            <a:schemeClr val="tx1">
-              <a:lumMod val="85000"/>
-              <a:lumOff val="15000"/>
-            </a:schemeClr>
-          </a:solidFill>
-          <a:ln w="0">
-            <a:noFill/>
-            <a:prstDash val="solid"/>
-            <a:round/>
-            <a:headEnd/>
-            <a:tailEnd/>
-          </a:ln>
-        </p:spPr>
-        <p:txBody>
-          <a:bodyPr anchor="ctr"/>
-          <a:lstStyle/>
-          <a:p>
-            <a:endParaRPr lang="en-US"/>
-          </a:p>
-        </p:txBody>
-      </p:sp>
-    </p:spTree>
-    <p:extLst>
-      <p:ext uri="{BB962C8B-B14F-4D97-AF65-F5344CB8AC3E}">
-        <p14:creationId xmlns:p14="http://schemas.microsoft.com/office/powerpoint/2010/main" val="2368241984"/>
       </p:ext>
     </p:extLst>
   </p:cSld>
@@ -18692,7 +19573,7 @@
           <p:cNvPr id="2" name="Title 1">
             <a:extLst>
               <a:ext uri="{FF2B5EF4-FFF2-40B4-BE49-F238E27FC236}">
-                <a16:creationId xmlns:a16="http://schemas.microsoft.com/office/drawing/2014/main" id="{5060760D-8F53-9A28-9CE3-21FFCD8A6AA4}"/>
+                <a16:creationId xmlns:a16="http://schemas.microsoft.com/office/drawing/2014/main" id="{31273FFA-887E-E2F8-6265-46713FC8A2B2}"/>
               </a:ext>
             </a:extLst>
           </p:cNvPr>
@@ -18716,14 +19597,14 @@
           <a:lstStyle/>
           <a:p>
             <a:r>
-              <a:rPr lang="ru-RU" sz="4200" i="0">
+              <a:rPr lang="ru-RU" sz="4700" i="0">
                 <a:solidFill>
                   <a:schemeClr val="bg1"/>
                 </a:solidFill>
               </a:rPr>
-              <a:t>Контроль качества данных и верификация</a:t>
-            </a:r>
-            <a:endParaRPr lang="en-US" sz="4200">
+              <a:t>Анализ энергетических распределений</a:t>
+            </a:r>
+            <a:endParaRPr lang="en-US" sz="4700">
               <a:solidFill>
                 <a:schemeClr val="bg1"/>
               </a:solidFill>
@@ -18736,7 +19617,7 @@
           <p:cNvPr id="4" name="Rectangle 1">
             <a:extLst>
               <a:ext uri="{FF2B5EF4-FFF2-40B4-BE49-F238E27FC236}">
-                <a16:creationId xmlns:a16="http://schemas.microsoft.com/office/drawing/2014/main" id="{736C2194-96A9-A807-A30F-B13ACD55DCFF}"/>
+                <a16:creationId xmlns:a16="http://schemas.microsoft.com/office/drawing/2014/main" id="{8700206F-A2D0-A016-3C3C-F8938EBB4A12}"/>
               </a:ext>
             </a:extLst>
           </p:cNvPr>
@@ -18794,9 +19675,6 @@
           <a:lstStyle/>
           <a:p>
             <a:pPr marL="0" marR="0" lvl="0" indent="0" defTabSz="914400" rtl="0" eaLnBrk="0" fontAlgn="base" latinLnBrk="0" hangingPunct="0">
-              <a:lnSpc>
-                <a:spcPct val="100000"/>
-              </a:lnSpc>
               <a:spcBef>
                 <a:spcPct val="0"/>
               </a:spcBef>
@@ -18819,9 +19697,6 @@
           </a:p>
           <a:p>
             <a:pPr marL="0" marR="0" lvl="0" indent="0" defTabSz="914400" rtl="0" eaLnBrk="0" fontAlgn="base" latinLnBrk="0" hangingPunct="0">
-              <a:lnSpc>
-                <a:spcPct val="100000"/>
-              </a:lnSpc>
               <a:spcBef>
                 <a:spcPct val="0"/>
               </a:spcBef>
@@ -18842,7 +19717,7 @@
                 <a:effectLst/>
                 <a:latin typeface="Century Gothic" panose="020B0502020202020204" pitchFamily="34" charset="0"/>
               </a:rPr>
-              <a:t>Метод</a:t>
+              <a:t>Гистограммы</a:t>
             </a:r>
             <a:r>
               <a:rPr kumimoji="0" lang="en-US" altLang="en-US" b="1" i="0" u="none" strike="noStrike" cap="none" normalizeH="0" baseline="0" dirty="0">
@@ -18852,7 +19727,37 @@
                 <a:effectLst/>
                 <a:latin typeface="Century Gothic" panose="020B0502020202020204" pitchFamily="34" charset="0"/>
               </a:rPr>
-              <a:t> 1:</a:t>
+              <a:t> </a:t>
+            </a:r>
+            <a:r>
+              <a:rPr kumimoji="0" lang="en-US" altLang="en-US" b="1" i="0" u="none" strike="noStrike" cap="none" normalizeH="0" baseline="0" dirty="0" err="1">
+                <a:ln>
+                  <a:noFill/>
+                </a:ln>
+                <a:effectLst/>
+                <a:latin typeface="Century Gothic" panose="020B0502020202020204" pitchFamily="34" charset="0"/>
+              </a:rPr>
+              <a:t>кинетической</a:t>
+            </a:r>
+            <a:r>
+              <a:rPr kumimoji="0" lang="en-US" altLang="en-US" b="1" i="0" u="none" strike="noStrike" cap="none" normalizeH="0" baseline="0" dirty="0">
+                <a:ln>
+                  <a:noFill/>
+                </a:ln>
+                <a:effectLst/>
+                <a:latin typeface="Century Gothic" panose="020B0502020202020204" pitchFamily="34" charset="0"/>
+              </a:rPr>
+              <a:t> </a:t>
+            </a:r>
+            <a:r>
+              <a:rPr kumimoji="0" lang="en-US" altLang="en-US" b="1" i="0" u="none" strike="noStrike" cap="none" normalizeH="0" baseline="0" dirty="0" err="1">
+                <a:ln>
+                  <a:noFill/>
+                </a:ln>
+                <a:effectLst/>
+                <a:latin typeface="Century Gothic" panose="020B0502020202020204" pitchFamily="34" charset="0"/>
+              </a:rPr>
+              <a:t>энергии</a:t>
             </a:r>
             <a:r>
               <a:rPr kumimoji="0" lang="en-US" altLang="en-US" b="0" i="0" u="none" strike="noStrike" cap="none" normalizeH="0" baseline="0" dirty="0">
@@ -18872,7 +19777,7 @@
                 <a:effectLst/>
                 <a:latin typeface="Century Gothic" panose="020B0502020202020204" pitchFamily="34" charset="0"/>
               </a:rPr>
-              <a:t>Сравнение</a:t>
+              <a:t>по</a:t>
             </a:r>
             <a:r>
               <a:rPr kumimoji="0" lang="en-US" altLang="en-US" b="0" i="0" u="none" strike="noStrike" cap="none" normalizeH="0" baseline="0" dirty="0">
@@ -18892,7 +19797,7 @@
                 <a:effectLst/>
                 <a:latin typeface="Century Gothic" panose="020B0502020202020204" pitchFamily="34" charset="0"/>
               </a:rPr>
-              <a:t>суммы</a:t>
+              <a:t>типам</a:t>
             </a:r>
             <a:r>
               <a:rPr kumimoji="0" lang="en-US" altLang="en-US" b="0" i="0" u="none" strike="noStrike" cap="none" normalizeH="0" baseline="0" dirty="0">
@@ -18912,67 +19817,7 @@
                 <a:effectLst/>
                 <a:latin typeface="Century Gothic" panose="020B0502020202020204" pitchFamily="34" charset="0"/>
               </a:rPr>
-              <a:t>dEStep</a:t>
-            </a:r>
-            <a:r>
-              <a:rPr kumimoji="0" lang="en-US" altLang="en-US" b="0" i="0" u="none" strike="noStrike" cap="none" normalizeH="0" baseline="0" dirty="0">
-                <a:ln>
-                  <a:noFill/>
-                </a:ln>
-                <a:effectLst/>
-                <a:latin typeface="Century Gothic" panose="020B0502020202020204" pitchFamily="34" charset="0"/>
-              </a:rPr>
-              <a:t> </a:t>
-            </a:r>
-            <a:r>
-              <a:rPr kumimoji="0" lang="en-US" altLang="en-US" b="0" i="0" u="none" strike="noStrike" cap="none" normalizeH="0" baseline="0" dirty="0" err="1">
-                <a:ln>
-                  <a:noFill/>
-                </a:ln>
-                <a:effectLst/>
-                <a:latin typeface="Century Gothic" panose="020B0502020202020204" pitchFamily="34" charset="0"/>
-              </a:rPr>
-              <a:t>с</a:t>
-            </a:r>
-            <a:r>
-              <a:rPr kumimoji="0" lang="en-US" altLang="en-US" b="0" i="0" u="none" strike="noStrike" cap="none" normalizeH="0" baseline="0" dirty="0">
-                <a:ln>
-                  <a:noFill/>
-                </a:ln>
-                <a:effectLst/>
-                <a:latin typeface="Century Gothic" panose="020B0502020202020204" pitchFamily="34" charset="0"/>
-              </a:rPr>
-              <a:t> Energy Deposit </a:t>
-            </a:r>
-            <a:r>
-              <a:rPr kumimoji="0" lang="en-US" altLang="en-US" b="0" i="0" u="none" strike="noStrike" cap="none" normalizeH="0" baseline="0" dirty="0" err="1">
-                <a:ln>
-                  <a:noFill/>
-                </a:ln>
-                <a:effectLst/>
-                <a:latin typeface="Century Gothic" panose="020B0502020202020204" pitchFamily="34" charset="0"/>
-              </a:rPr>
-              <a:t>из</a:t>
-            </a:r>
-            <a:r>
-              <a:rPr kumimoji="0" lang="en-US" altLang="en-US" b="0" i="0" u="none" strike="noStrike" cap="none" normalizeH="0" baseline="0" dirty="0">
-                <a:ln>
-                  <a:noFill/>
-                </a:ln>
-                <a:effectLst/>
-                <a:latin typeface="Century Gothic" panose="020B0502020202020204" pitchFamily="34" charset="0"/>
-              </a:rPr>
-              <a:t> </a:t>
-            </a:r>
-            <a:r>
-              <a:rPr kumimoji="0" lang="en-US" altLang="en-US" b="0" i="0" u="none" strike="noStrike" cap="none" normalizeH="0" baseline="0" dirty="0" err="1">
-                <a:ln>
-                  <a:noFill/>
-                </a:ln>
-                <a:effectLst/>
-                <a:latin typeface="Century Gothic" panose="020B0502020202020204" pitchFamily="34" charset="0"/>
-              </a:rPr>
-              <a:t>сводки</a:t>
+              <a:t>частиц</a:t>
             </a:r>
             <a:endParaRPr kumimoji="0" lang="en-US" altLang="en-US" b="0" i="0" u="none" strike="noStrike" cap="none" normalizeH="0" baseline="0" dirty="0">
               <a:ln>
@@ -18984,9 +19829,6 @@
           </a:p>
           <a:p>
             <a:pPr marL="0" marR="0" lvl="0" indent="0" defTabSz="914400" rtl="0" eaLnBrk="0" fontAlgn="base" latinLnBrk="0" hangingPunct="0">
-              <a:lnSpc>
-                <a:spcPct val="100000"/>
-              </a:lnSpc>
               <a:spcBef>
                 <a:spcPct val="0"/>
               </a:spcBef>
@@ -19007,7 +19849,7 @@
                 <a:effectLst/>
                 <a:latin typeface="Century Gothic" panose="020B0502020202020204" pitchFamily="34" charset="0"/>
               </a:rPr>
-              <a:t>Метод</a:t>
+              <a:t>Графики</a:t>
             </a:r>
             <a:r>
               <a:rPr kumimoji="0" lang="en-US" altLang="en-US" b="1" i="0" u="none" strike="noStrike" cap="none" normalizeH="0" baseline="0" dirty="0">
@@ -19017,7 +19859,67 @@
                 <a:effectLst/>
                 <a:latin typeface="Century Gothic" panose="020B0502020202020204" pitchFamily="34" charset="0"/>
               </a:rPr>
-              <a:t> 2:</a:t>
+              <a:t> </a:t>
+            </a:r>
+            <a:r>
+              <a:rPr kumimoji="0" lang="en-US" altLang="en-US" b="1" i="0" u="none" strike="noStrike" cap="none" normalizeH="0" baseline="0" dirty="0" err="1">
+                <a:ln>
+                  <a:noFill/>
+                </a:ln>
+                <a:effectLst/>
+                <a:latin typeface="Century Gothic" panose="020B0502020202020204" pitchFamily="34" charset="0"/>
+              </a:rPr>
+              <a:t>потерь</a:t>
+            </a:r>
+            <a:r>
+              <a:rPr kumimoji="0" lang="en-US" altLang="en-US" b="1" i="0" u="none" strike="noStrike" cap="none" normalizeH="0" baseline="0" dirty="0">
+                <a:ln>
+                  <a:noFill/>
+                </a:ln>
+                <a:effectLst/>
+                <a:latin typeface="Century Gothic" panose="020B0502020202020204" pitchFamily="34" charset="0"/>
+              </a:rPr>
+              <a:t> </a:t>
+            </a:r>
+            <a:r>
+              <a:rPr kumimoji="0" lang="en-US" altLang="en-US" b="1" i="0" u="none" strike="noStrike" cap="none" normalizeH="0" baseline="0" dirty="0" err="1">
+                <a:ln>
+                  <a:noFill/>
+                </a:ln>
+                <a:effectLst/>
+                <a:latin typeface="Century Gothic" panose="020B0502020202020204" pitchFamily="34" charset="0"/>
+              </a:rPr>
+              <a:t>энергии</a:t>
+            </a:r>
+            <a:r>
+              <a:rPr kumimoji="0" lang="en-US" altLang="en-US" b="1" i="0" u="none" strike="noStrike" cap="none" normalizeH="0" baseline="0" dirty="0">
+                <a:ln>
+                  <a:noFill/>
+                </a:ln>
+                <a:effectLst/>
+                <a:latin typeface="Century Gothic" panose="020B0502020202020204" pitchFamily="34" charset="0"/>
+              </a:rPr>
+              <a:t> (</a:t>
+            </a:r>
+            <a:r>
+              <a:rPr kumimoji="0" lang="en-US" altLang="en-US" b="1" i="0" u="none" strike="noStrike" cap="none" normalizeH="0" baseline="0" dirty="0" err="1">
+                <a:ln>
+                  <a:noFill/>
+                </a:ln>
+                <a:effectLst/>
+                <a:latin typeface="Century Gothic" panose="020B0502020202020204" pitchFamily="34" charset="0"/>
+              </a:rPr>
+              <a:t>dE</a:t>
+            </a:r>
+            <a:r>
+              <a:rPr kumimoji="0" lang="en-US" altLang="en-US" b="1" i="0" u="none" strike="noStrike" cap="none" normalizeH="0" baseline="0" dirty="0">
+                <a:ln>
+                  <a:noFill/>
+                </a:ln>
+                <a:effectLst/>
+                <a:latin typeface="Century Gothic" panose="020B0502020202020204" pitchFamily="34" charset="0"/>
+              </a:rPr>
+              <a:t>):</a:t>
             </a:r>
             <a:r>
               <a:rPr kumimoji="0" lang="en-US" altLang="en-US" b="0" i="0" u="none" strike="noStrike" cap="none" normalizeH="0" baseline="0" dirty="0">
@@ -19027,7 +19929,7 @@
                 <a:effectLst/>
                 <a:latin typeface="Century Gothic" panose="020B0502020202020204" pitchFamily="34" charset="0"/>
               </a:rPr>
-              <a:t> </a:t>
+              <a:t> violin-plot </a:t>
             </a:r>
             <a:r>
               <a:rPr kumimoji="0" lang="en-US" altLang="en-US" b="0" i="0" u="none" strike="noStrike" cap="none" normalizeH="0" baseline="0" dirty="0" err="1">
@@ -19037,7 +19939,7 @@
                 <a:effectLst/>
                 <a:latin typeface="Century Gothic" panose="020B0502020202020204" pitchFamily="34" charset="0"/>
               </a:rPr>
-              <a:t>Проверка</a:t>
+              <a:t>и</a:t>
             </a:r>
             <a:r>
               <a:rPr kumimoji="0" lang="en-US" altLang="en-US" b="0" i="0" u="none" strike="noStrike" cap="none" normalizeH="0" baseline="0" dirty="0">
@@ -19047,134 +19949,11 @@
                 <a:effectLst/>
                 <a:latin typeface="Century Gothic" panose="020B0502020202020204" pitchFamily="34" charset="0"/>
               </a:rPr>
-              <a:t> </a:t>
-            </a:r>
-            <a:r>
-              <a:rPr kumimoji="0" lang="en-US" altLang="en-US" b="0" i="0" u="none" strike="noStrike" cap="none" normalizeH="0" baseline="0" dirty="0" err="1">
-                <a:ln>
-                  <a:noFill/>
-                </a:ln>
-                <a:effectLst/>
-                <a:latin typeface="Century Gothic" panose="020B0502020202020204" pitchFamily="34" charset="0"/>
-              </a:rPr>
-              <a:t>энергетического</a:t>
-            </a:r>
-            <a:r>
-              <a:rPr kumimoji="0" lang="en-US" altLang="en-US" b="0" i="0" u="none" strike="noStrike" cap="none" normalizeH="0" baseline="0" dirty="0">
-                <a:ln>
-                  <a:noFill/>
-                </a:ln>
-                <a:effectLst/>
-                <a:latin typeface="Century Gothic" panose="020B0502020202020204" pitchFamily="34" charset="0"/>
-              </a:rPr>
-              <a:t> </a:t>
-            </a:r>
-            <a:r>
-              <a:rPr kumimoji="0" lang="en-US" altLang="en-US" b="0" i="0" u="none" strike="noStrike" cap="none" normalizeH="0" baseline="0" dirty="0" err="1">
-                <a:ln>
-                  <a:noFill/>
-                </a:ln>
-                <a:effectLst/>
-                <a:latin typeface="Century Gothic" panose="020B0502020202020204" pitchFamily="34" charset="0"/>
-              </a:rPr>
-              <a:t>баланса</a:t>
-            </a:r>
-            <a:r>
-              <a:rPr kumimoji="0" lang="en-US" altLang="en-US" b="0" i="0" u="none" strike="noStrike" cap="none" normalizeH="0" baseline="0" dirty="0">
-                <a:ln>
-                  <a:noFill/>
-                </a:ln>
-                <a:effectLst/>
-                <a:latin typeface="Century Gothic" panose="020B0502020202020204" pitchFamily="34" charset="0"/>
-              </a:rPr>
-              <a:t> (</a:t>
-            </a:r>
-            <a:r>
-              <a:rPr kumimoji="0" lang="en-US" altLang="en-US" b="0" i="0" u="none" strike="noStrike" cap="none" normalizeH="0" baseline="0" dirty="0" err="1">
-                <a:ln>
-                  <a:noFill/>
-                </a:ln>
-                <a:effectLst/>
-                <a:latin typeface="Century Gothic" panose="020B0502020202020204" pitchFamily="34" charset="0"/>
-              </a:rPr>
-              <a:t>Нач</a:t>
-            </a:r>
-            <a:r>
-              <a:rPr kumimoji="0" lang="en-US" altLang="en-US" b="0" i="0" u="none" strike="noStrike" cap="none" normalizeH="0" baseline="0" dirty="0">
-                <a:ln>
-                  <a:noFill/>
-                </a:ln>
-                <a:effectLst/>
-                <a:latin typeface="Century Gothic" panose="020B0502020202020204" pitchFamily="34" charset="0"/>
-              </a:rPr>
-              <a:t>. </a:t>
-            </a:r>
-            <a:r>
-              <a:rPr kumimoji="0" lang="en-US" altLang="en-US" b="0" i="0" u="none" strike="noStrike" cap="none" normalizeH="0" baseline="0" dirty="0" err="1">
-                <a:ln>
-                  <a:noFill/>
-                </a:ln>
-                <a:effectLst/>
-                <a:latin typeface="Century Gothic" panose="020B0502020202020204" pitchFamily="34" charset="0"/>
-              </a:rPr>
-              <a:t>энергия</a:t>
-            </a:r>
-            <a:r>
-              <a:rPr kumimoji="0" lang="en-US" altLang="en-US" b="0" i="0" u="none" strike="noStrike" cap="none" normalizeH="0" baseline="0" dirty="0">
-                <a:ln>
-                  <a:noFill/>
-                </a:ln>
-                <a:effectLst/>
-                <a:latin typeface="Century Gothic" panose="020B0502020202020204" pitchFamily="34" charset="0"/>
-              </a:rPr>
-              <a:t> = </a:t>
-            </a:r>
-            <a:r>
-              <a:rPr kumimoji="0" lang="en-US" altLang="en-US" b="0" i="0" u="none" strike="noStrike" cap="none" normalizeH="0" baseline="0" dirty="0" err="1">
-                <a:ln>
-                  <a:noFill/>
-                </a:ln>
-                <a:effectLst/>
-                <a:latin typeface="Century Gothic" panose="020B0502020202020204" pitchFamily="34" charset="0"/>
-              </a:rPr>
-              <a:t>E_deposit</a:t>
-            </a:r>
-            <a:r>
-              <a:rPr kumimoji="0" lang="en-US" altLang="en-US" b="0" i="0" u="none" strike="noStrike" cap="none" normalizeH="0" baseline="0" dirty="0">
-                <a:ln>
-                  <a:noFill/>
-                </a:ln>
-                <a:effectLst/>
-                <a:latin typeface="Century Gothic" panose="020B0502020202020204" pitchFamily="34" charset="0"/>
-              </a:rPr>
-              <a:t> + </a:t>
-            </a:r>
-            <a:r>
-              <a:rPr kumimoji="0" lang="en-US" altLang="en-US" b="0" i="0" u="none" strike="noStrike" cap="none" normalizeH="0" baseline="0" dirty="0" err="1">
-                <a:ln>
-                  <a:noFill/>
-                </a:ln>
-                <a:effectLst/>
-                <a:latin typeface="Century Gothic" panose="020B0502020202020204" pitchFamily="34" charset="0"/>
-              </a:rPr>
-              <a:t>E_leakage</a:t>
-            </a:r>
-            <a:r>
-              <a:rPr kumimoji="0" lang="en-US" altLang="en-US" b="0" i="0" u="none" strike="noStrike" cap="none" normalizeH="0" baseline="0" dirty="0">
-                <a:ln>
-                  <a:noFill/>
-                </a:ln>
-                <a:effectLst/>
-                <a:latin typeface="Century Gothic" panose="020B0502020202020204" pitchFamily="34" charset="0"/>
-              </a:rPr>
-              <a:t>)</a:t>
+              <a:t> box-plot</a:t>
             </a:r>
           </a:p>
           <a:p>
             <a:pPr marL="0" marR="0" lvl="0" indent="0" defTabSz="914400" rtl="0" eaLnBrk="0" fontAlgn="base" latinLnBrk="0" hangingPunct="0">
-              <a:lnSpc>
-                <a:spcPct val="100000"/>
-              </a:lnSpc>
               <a:spcBef>
                 <a:spcPct val="0"/>
               </a:spcBef>
@@ -19195,7 +19974,7 @@
                 <a:effectLst/>
                 <a:latin typeface="Century Gothic" panose="020B0502020202020204" pitchFamily="34" charset="0"/>
               </a:rPr>
-              <a:t>Сверка</a:t>
+              <a:t>Статистика</a:t>
             </a:r>
             <a:r>
               <a:rPr kumimoji="0" lang="en-US" altLang="en-US" b="1" i="0" u="none" strike="noStrike" cap="none" normalizeH="0" baseline="0" dirty="0">
@@ -19205,49 +19984,39 @@
                 <a:effectLst/>
                 <a:latin typeface="Century Gothic" panose="020B0502020202020204" pitchFamily="34" charset="0"/>
               </a:rPr>
+              <a:t>:</a:t>
+            </a:r>
+            <a:r>
+              <a:rPr kumimoji="0" lang="en-US" altLang="en-US" b="0" i="0" u="none" strike="noStrike" cap="none" normalizeH="0" baseline="0" dirty="0">
+                <a:ln>
+                  <a:noFill/>
+                </a:ln>
+                <a:effectLst/>
+                <a:latin typeface="Century Gothic" panose="020B0502020202020204" pitchFamily="34" charset="0"/>
+              </a:rPr>
+              <a:t> min, max, mean, </a:t>
+            </a:r>
+            <a:r>
+              <a:rPr kumimoji="0" lang="en-US" altLang="en-US" b="0" i="0" u="none" strike="noStrike" cap="none" normalizeH="0" baseline="0" dirty="0" err="1">
+                <a:ln>
+                  <a:noFill/>
+                </a:ln>
+                <a:effectLst/>
+                <a:latin typeface="Century Gothic" panose="020B0502020202020204" pitchFamily="34" charset="0"/>
+              </a:rPr>
+              <a:t>стандартное</a:t>
+            </a:r>
+            <a:r>
+              <a:rPr kumimoji="0" lang="en-US" altLang="en-US" b="0" i="0" u="none" strike="noStrike" cap="none" normalizeH="0" baseline="0" dirty="0">
+                <a:ln>
+                  <a:noFill/>
+                </a:ln>
+                <a:effectLst/>
+                <a:latin typeface="Century Gothic" panose="020B0502020202020204" pitchFamily="34" charset="0"/>
+              </a:rPr>
               <a:t> </a:t>
             </a:r>
             <a:r>
-              <a:rPr kumimoji="0" lang="en-US" altLang="en-US" b="1" i="0" u="none" strike="noStrike" cap="none" normalizeH="0" baseline="0" dirty="0" err="1">
-                <a:ln>
-                  <a:noFill/>
-                </a:ln>
-                <a:effectLst/>
-                <a:latin typeface="Century Gothic" panose="020B0502020202020204" pitchFamily="34" charset="0"/>
-              </a:rPr>
-              <a:t>частот</a:t>
-            </a:r>
-            <a:r>
-              <a:rPr kumimoji="0" lang="en-US" altLang="en-US" b="1" i="0" u="none" strike="noStrike" cap="none" normalizeH="0" baseline="0" dirty="0">
-                <a:ln>
-                  <a:noFill/>
-                </a:ln>
-                <a:effectLst/>
-                <a:latin typeface="Century Gothic" panose="020B0502020202020204" pitchFamily="34" charset="0"/>
-              </a:rPr>
-              <a:t> </a:t>
-            </a:r>
-            <a:r>
-              <a:rPr kumimoji="0" lang="en-US" altLang="en-US" b="1" i="0" u="none" strike="noStrike" cap="none" normalizeH="0" baseline="0" dirty="0" err="1">
-                <a:ln>
-                  <a:noFill/>
-                </a:ln>
-                <a:effectLst/>
-                <a:latin typeface="Century Gothic" panose="020B0502020202020204" pitchFamily="34" charset="0"/>
-              </a:rPr>
-              <a:t>процессов</a:t>
-            </a:r>
-            <a:r>
-              <a:rPr kumimoji="0" lang="en-US" altLang="en-US" b="0" i="0" u="none" strike="noStrike" cap="none" normalizeH="0" baseline="0" dirty="0">
-                <a:ln>
-                  <a:noFill/>
-                </a:ln>
-                <a:effectLst/>
-                <a:latin typeface="Century Gothic" panose="020B0502020202020204" pitchFamily="34" charset="0"/>
-              </a:rPr>
-              <a:t> </a:t>
-            </a:r>
-            <a:r>
               <a:rPr kumimoji="0" lang="en-US" altLang="en-US" b="0" i="0" u="none" strike="noStrike" cap="none" normalizeH="0" baseline="0" dirty="0" err="1">
                 <a:ln>
                   <a:noFill/>
@@ -19255,44 +20024,18 @@
                 <a:effectLst/>
                 <a:latin typeface="Century Gothic" panose="020B0502020202020204" pitchFamily="34" charset="0"/>
               </a:rPr>
-              <a:t>с</a:t>
-            </a:r>
-            <a:r>
-              <a:rPr kumimoji="0" lang="en-US" altLang="en-US" b="0" i="0" u="none" strike="noStrike" cap="none" normalizeH="0" baseline="0" dirty="0">
-                <a:ln>
-                  <a:noFill/>
-                </a:ln>
-                <a:effectLst/>
-                <a:latin typeface="Century Gothic" panose="020B0502020202020204" pitchFamily="34" charset="0"/>
-              </a:rPr>
-              <a:t> </a:t>
-            </a:r>
-            <a:r>
-              <a:rPr kumimoji="0" lang="en-US" altLang="en-US" b="0" i="0" u="none" strike="noStrike" cap="none" normalizeH="0" baseline="0" dirty="0" err="1">
-                <a:ln>
-                  <a:noFill/>
-                </a:ln>
-                <a:effectLst/>
-                <a:latin typeface="Century Gothic" panose="020B0502020202020204" pitchFamily="34" charset="0"/>
-              </a:rPr>
-              <a:t>разделом</a:t>
-            </a:r>
-            <a:r>
-              <a:rPr kumimoji="0" lang="en-US" altLang="en-US" b="0" i="0" u="none" strike="noStrike" cap="none" normalizeH="0" baseline="0" dirty="0">
-                <a:ln>
-                  <a:noFill/>
-                </a:ln>
-                <a:effectLst/>
-                <a:latin typeface="Century Gothic" panose="020B0502020202020204" pitchFamily="34" charset="0"/>
-              </a:rPr>
-              <a:t> "Process calls frequency"</a:t>
-            </a:r>
+              <a:t>отклонение</a:t>
+            </a:r>
+            <a:endParaRPr kumimoji="0" lang="en-US" altLang="en-US" b="0" i="0" u="none" strike="noStrike" cap="none" normalizeH="0" baseline="0" dirty="0">
+              <a:ln>
+                <a:noFill/>
+              </a:ln>
+              <a:effectLst/>
+              <a:latin typeface="Century Gothic" panose="020B0502020202020204" pitchFamily="34" charset="0"/>
+            </a:endParaRPr>
           </a:p>
           <a:p>
             <a:pPr marL="0" marR="0" lvl="0" indent="0" defTabSz="914400" rtl="0" eaLnBrk="0" fontAlgn="base" latinLnBrk="0" hangingPunct="0">
-              <a:lnSpc>
-                <a:spcPct val="100000"/>
-              </a:lnSpc>
               <a:spcBef>
                 <a:spcPct val="0"/>
               </a:spcBef>
@@ -19313,7 +20056,7 @@
                 <a:effectLst/>
                 <a:latin typeface="Century Gothic" panose="020B0502020202020204" pitchFamily="34" charset="0"/>
               </a:rPr>
-              <a:t>Автоматический</a:t>
+              <a:t>Возможности</a:t>
             </a:r>
             <a:r>
               <a:rPr kumimoji="0" lang="en-US" altLang="en-US" b="1" i="0" u="none" strike="noStrike" cap="none" normalizeH="0" baseline="0" dirty="0">
@@ -19323,17 +20066,47 @@
                 <a:effectLst/>
                 <a:latin typeface="Century Gothic" panose="020B0502020202020204" pitchFamily="34" charset="0"/>
               </a:rPr>
+              <a:t>:</a:t>
+            </a:r>
+            <a:r>
+              <a:rPr kumimoji="0" lang="en-US" altLang="en-US" b="0" i="0" u="none" strike="noStrike" cap="none" normalizeH="0" baseline="0" dirty="0">
+                <a:ln>
+                  <a:noFill/>
+                </a:ln>
+                <a:effectLst/>
+                <a:latin typeface="Century Gothic" panose="020B0502020202020204" pitchFamily="34" charset="0"/>
+              </a:rPr>
+              <a:t> </a:t>
+            </a:r>
+            <a:r>
+              <a:rPr kumimoji="0" lang="en-US" altLang="en-US" b="0" i="0" u="none" strike="noStrike" cap="none" normalizeH="0" baseline="0" dirty="0" err="1">
+                <a:ln>
+                  <a:noFill/>
+                </a:ln>
+                <a:effectLst/>
+                <a:latin typeface="Century Gothic" panose="020B0502020202020204" pitchFamily="34" charset="0"/>
+              </a:rPr>
+              <a:t>Сравнение</a:t>
+            </a:r>
+            <a:r>
+              <a:rPr kumimoji="0" lang="en-US" altLang="en-US" b="0" i="0" u="none" strike="noStrike" cap="none" normalizeH="0" baseline="0" dirty="0">
+                <a:ln>
+                  <a:noFill/>
+                </a:ln>
+                <a:effectLst/>
+                <a:latin typeface="Century Gothic" panose="020B0502020202020204" pitchFamily="34" charset="0"/>
+              </a:rPr>
               <a:t> </a:t>
             </a:r>
             <a:r>
-              <a:rPr kumimoji="0" lang="en-US" altLang="en-US" b="1" i="0" u="none" strike="noStrike" cap="none" normalizeH="0" baseline="0" dirty="0" err="1">
-                <a:ln>
-                  <a:noFill/>
-                </a:ln>
-                <a:effectLst/>
-                <a:latin typeface="Century Gothic" panose="020B0502020202020204" pitchFamily="34" charset="0"/>
-              </a:rPr>
-              <a:t>отчет</a:t>
+              <a:rPr kumimoji="0" lang="en-US" altLang="en-US" b="0" i="0" u="none" strike="noStrike" cap="none" normalizeH="0" baseline="0" dirty="0" err="1">
+                <a:ln>
+                  <a:noFill/>
+                </a:ln>
+                <a:effectLst/>
+                <a:latin typeface="Century Gothic" panose="020B0502020202020204" pitchFamily="34" charset="0"/>
+              </a:rPr>
+              <a:t>первичных</a:t>
             </a:r>
             <a:r>
               <a:rPr kumimoji="0" lang="en-US" altLang="en-US" b="0" i="0" u="none" strike="noStrike" cap="none" normalizeH="0" baseline="0" dirty="0">
@@ -19343,7 +20116,7 @@
                 <a:effectLst/>
                 <a:latin typeface="Century Gothic" panose="020B0502020202020204" pitchFamily="34" charset="0"/>
               </a:rPr>
-              <a:t> </a:t>
+              <a:t> </a:t>
             </a:r>
             <a:r>
               <a:rPr kumimoji="0" lang="en-US" altLang="en-US" b="0" i="0" u="none" strike="noStrike" cap="none" normalizeH="0" baseline="0" dirty="0" err="1">
@@ -19353,7 +20126,7 @@
                 <a:effectLst/>
                 <a:latin typeface="Century Gothic" panose="020B0502020202020204" pitchFamily="34" charset="0"/>
               </a:rPr>
-              <a:t>с</a:t>
+              <a:t>и</a:t>
             </a:r>
             <a:r>
               <a:rPr kumimoji="0" lang="en-US" altLang="en-US" b="0" i="0" u="none" strike="noStrike" cap="none" normalizeH="0" baseline="0" dirty="0">
@@ -19373,7 +20146,7 @@
                 <a:effectLst/>
                 <a:latin typeface="Century Gothic" panose="020B0502020202020204" pitchFamily="34" charset="0"/>
               </a:rPr>
-              <a:t>абсолютными</a:t>
+              <a:t>вторичных</a:t>
             </a:r>
             <a:r>
               <a:rPr kumimoji="0" lang="en-US" altLang="en-US" b="0" i="0" u="none" strike="noStrike" cap="none" normalizeH="0" baseline="0" dirty="0">
@@ -19393,47 +20166,7 @@
                 <a:effectLst/>
                 <a:latin typeface="Century Gothic" panose="020B0502020202020204" pitchFamily="34" charset="0"/>
               </a:rPr>
-              <a:t>и</a:t>
-            </a:r>
-            <a:r>
-              <a:rPr kumimoji="0" lang="en-US" altLang="en-US" b="0" i="0" u="none" strike="noStrike" cap="none" normalizeH="0" baseline="0" dirty="0">
-                <a:ln>
-                  <a:noFill/>
-                </a:ln>
-                <a:effectLst/>
-                <a:latin typeface="Century Gothic" panose="020B0502020202020204" pitchFamily="34" charset="0"/>
-              </a:rPr>
-              <a:t> </a:t>
-            </a:r>
-            <a:r>
-              <a:rPr kumimoji="0" lang="en-US" altLang="en-US" b="0" i="0" u="none" strike="noStrike" cap="none" normalizeH="0" baseline="0" dirty="0" err="1">
-                <a:ln>
-                  <a:noFill/>
-                </a:ln>
-                <a:effectLst/>
-                <a:latin typeface="Century Gothic" panose="020B0502020202020204" pitchFamily="34" charset="0"/>
-              </a:rPr>
-              <a:t>относительными</a:t>
-            </a:r>
-            <a:r>
-              <a:rPr kumimoji="0" lang="en-US" altLang="en-US" b="0" i="0" u="none" strike="noStrike" cap="none" normalizeH="0" baseline="0" dirty="0">
-                <a:ln>
-                  <a:noFill/>
-                </a:ln>
-                <a:effectLst/>
-                <a:latin typeface="Century Gothic" panose="020B0502020202020204" pitchFamily="34" charset="0"/>
-              </a:rPr>
-              <a:t> </a:t>
-            </a:r>
-            <a:r>
-              <a:rPr kumimoji="0" lang="en-US" altLang="en-US" b="0" i="0" u="none" strike="noStrike" cap="none" normalizeH="0" baseline="0" dirty="0" err="1">
-                <a:ln>
-                  <a:noFill/>
-                </a:ln>
-                <a:effectLst/>
-                <a:latin typeface="Century Gothic" panose="020B0502020202020204" pitchFamily="34" charset="0"/>
-              </a:rPr>
-              <a:t>расхождениями</a:t>
+              <a:t>частиц</a:t>
             </a:r>
             <a:endParaRPr kumimoji="0" lang="en-US" altLang="en-US" b="0" i="0" u="none" strike="noStrike" cap="none" normalizeH="0" baseline="0" dirty="0">
               <a:ln>
@@ -19445,9 +20178,6 @@
           </a:p>
           <a:p>
             <a:pPr marL="0" marR="0" lvl="0" indent="0" defTabSz="914400" rtl="0" eaLnBrk="0" fontAlgn="base" latinLnBrk="0" hangingPunct="0">
-              <a:lnSpc>
-                <a:spcPct val="100000"/>
-              </a:lnSpc>
               <a:spcBef>
                 <a:spcPct val="0"/>
               </a:spcBef>
@@ -19472,10 +20202,10 @@
       </p:sp>
       <p:pic>
         <p:nvPicPr>
-          <p:cNvPr id="8" name="Graphic 7" descr="Bank Check">
+          <p:cNvPr id="8" name="Graphic 7" descr="Violin">
             <a:extLst>
               <a:ext uri="{FF2B5EF4-FFF2-40B4-BE49-F238E27FC236}">
-                <a16:creationId xmlns:a16="http://schemas.microsoft.com/office/drawing/2014/main" id="{B0CBE615-B0EB-CB2C-D23C-3BD54DDFBC1D}"/>
+                <a16:creationId xmlns:a16="http://schemas.microsoft.com/office/drawing/2014/main" id="{5335F8B9-DFE9-7076-0121-0201C56C80D0}"/>
               </a:ext>
             </a:extLst>
           </p:cNvPr>
@@ -19736,7 +20466,7 @@
     </p:spTree>
     <p:extLst>
       <p:ext uri="{BB962C8B-B14F-4D97-AF65-F5344CB8AC3E}">
-        <p14:creationId xmlns:p14="http://schemas.microsoft.com/office/powerpoint/2010/main" val="108081531"/>
+        <p14:creationId xmlns:p14="http://schemas.microsoft.com/office/powerpoint/2010/main" val="1765171270"/>
       </p:ext>
     </p:extLst>
   </p:cSld>
